--- a/slides/05-DPRodCut.pptx
+++ b/slides/05-DPRodCut.pptx
@@ -5,7 +5,7 @@
     <p:sldMasterId id="2147483660" r:id="rId1"/>
   </p:sldMasterIdLst>
   <p:notesMasterIdLst>
-    <p:notesMasterId r:id="rId37"/>
+    <p:notesMasterId r:id="rId39"/>
   </p:notesMasterIdLst>
   <p:sldIdLst>
     <p:sldId id="642" r:id="rId2"/>
@@ -21,28 +21,30 @@
     <p:sldId id="303" r:id="rId12"/>
     <p:sldId id="304" r:id="rId13"/>
     <p:sldId id="305" r:id="rId14"/>
-    <p:sldId id="662" r:id="rId15"/>
-    <p:sldId id="256" r:id="rId16"/>
-    <p:sldId id="309" r:id="rId17"/>
-    <p:sldId id="306" r:id="rId18"/>
-    <p:sldId id="386" r:id="rId19"/>
-    <p:sldId id="313" r:id="rId20"/>
-    <p:sldId id="476" r:id="rId21"/>
-    <p:sldId id="621" r:id="rId22"/>
-    <p:sldId id="588" r:id="rId23"/>
-    <p:sldId id="622" r:id="rId24"/>
-    <p:sldId id="601" r:id="rId25"/>
-    <p:sldId id="602" r:id="rId26"/>
-    <p:sldId id="603" r:id="rId27"/>
-    <p:sldId id="604" r:id="rId28"/>
-    <p:sldId id="605" r:id="rId29"/>
-    <p:sldId id="664" r:id="rId30"/>
-    <p:sldId id="606" r:id="rId31"/>
-    <p:sldId id="607" r:id="rId32"/>
-    <p:sldId id="608" r:id="rId33"/>
-    <p:sldId id="609" r:id="rId34"/>
-    <p:sldId id="610" r:id="rId35"/>
-    <p:sldId id="636" r:id="rId36"/>
+    <p:sldId id="686" r:id="rId15"/>
+    <p:sldId id="688" r:id="rId16"/>
+    <p:sldId id="662" r:id="rId17"/>
+    <p:sldId id="256" r:id="rId18"/>
+    <p:sldId id="309" r:id="rId19"/>
+    <p:sldId id="306" r:id="rId20"/>
+    <p:sldId id="386" r:id="rId21"/>
+    <p:sldId id="313" r:id="rId22"/>
+    <p:sldId id="476" r:id="rId23"/>
+    <p:sldId id="621" r:id="rId24"/>
+    <p:sldId id="588" r:id="rId25"/>
+    <p:sldId id="622" r:id="rId26"/>
+    <p:sldId id="601" r:id="rId27"/>
+    <p:sldId id="602" r:id="rId28"/>
+    <p:sldId id="603" r:id="rId29"/>
+    <p:sldId id="604" r:id="rId30"/>
+    <p:sldId id="605" r:id="rId31"/>
+    <p:sldId id="664" r:id="rId32"/>
+    <p:sldId id="606" r:id="rId33"/>
+    <p:sldId id="607" r:id="rId34"/>
+    <p:sldId id="608" r:id="rId35"/>
+    <p:sldId id="609" r:id="rId36"/>
+    <p:sldId id="610" r:id="rId37"/>
+    <p:sldId id="636" r:id="rId38"/>
   </p:sldIdLst>
   <p:sldSz cx="12192000" cy="6858000"/>
   <p:notesSz cx="6858000" cy="9144000"/>
@@ -159,6 +161,8 @@
             <p14:sldId id="303"/>
             <p14:sldId id="304"/>
             <p14:sldId id="305"/>
+            <p14:sldId id="686"/>
+            <p14:sldId id="688"/>
             <p14:sldId id="662"/>
             <p14:sldId id="256"/>
             <p14:sldId id="309"/>
@@ -297,7 +301,7 @@
           <a:p>
             <a:fld id="{9A9F7FD5-2840-4607-A4CD-0A8A66D9D61D}" type="datetimeFigureOut">
               <a:rPr lang="en-US" smtClean="0"/>
-              <a:t>9/1/22</a:t>
+              <a:t>10/17/22</a:t>
             </a:fld>
             <a:endParaRPr lang="en-US"/>
           </a:p>
@@ -807,7 +811,7 @@
           <a:p>
             <a:fld id="{BC7E913D-325D-4B30-8E23-50203DB584FD}" type="slidenum">
               <a:rPr lang="en-US" smtClean="0"/>
-              <a:t>33</a:t>
+              <a:t>35</a:t>
             </a:fld>
             <a:endParaRPr lang="en-US"/>
           </a:p>
@@ -1084,7 +1088,7 @@
           <a:p>
             <a:fld id="{088A2421-D2CD-4522-A1BA-E4F59ED821B7}" type="datetime1">
               <a:rPr lang="en-US" smtClean="0"/>
-              <a:t>9/1/22</a:t>
+              <a:t>10/17/22</a:t>
             </a:fld>
             <a:endParaRPr lang="en-US"/>
           </a:p>
@@ -1359,7 +1363,7 @@
           <a:p>
             <a:fld id="{DA91928D-0C55-4D8D-9D16-4C05754E5356}" type="datetime1">
               <a:rPr lang="en-US" smtClean="0"/>
-              <a:t>9/1/22</a:t>
+              <a:t>10/17/22</a:t>
             </a:fld>
             <a:endParaRPr lang="en-US"/>
           </a:p>
@@ -1614,7 +1618,7 @@
           <a:p>
             <a:fld id="{584CEDDD-253B-4C38-A621-35D8BA950C17}" type="datetime1">
               <a:rPr lang="en-US" smtClean="0"/>
-              <a:t>9/1/22</a:t>
+              <a:t>10/17/22</a:t>
             </a:fld>
             <a:endParaRPr lang="en-US"/>
           </a:p>
@@ -1782,7 +1786,7 @@
           <a:p>
             <a:fld id="{BF0967E4-28CB-45C9-B82C-D6B22AD4F0EB}" type="datetime1">
               <a:rPr lang="en-US" smtClean="0"/>
-              <a:t>9/1/22</a:t>
+              <a:t>10/17/22</a:t>
             </a:fld>
             <a:endParaRPr lang="en-US"/>
           </a:p>
@@ -1960,7 +1964,7 @@
           <a:p>
             <a:fld id="{2454C693-B405-44E1-A127-B7CE8B45C1E1}" type="datetime1">
               <a:rPr lang="en-US" smtClean="0"/>
-              <a:t>9/1/22</a:t>
+              <a:t>10/17/22</a:t>
             </a:fld>
             <a:endParaRPr lang="en-US"/>
           </a:p>
@@ -2212,7 +2216,7 @@
           <a:p>
             <a:fld id="{26B28102-2E91-4DD7-8E8B-98B790A12701}" type="datetime1">
               <a:rPr lang="en-US" smtClean="0"/>
-              <a:t>9/1/22</a:t>
+              <a:t>10/17/22</a:t>
             </a:fld>
             <a:endParaRPr lang="en-US"/>
           </a:p>
@@ -2470,7 +2474,7 @@
           <a:p>
             <a:fld id="{0B5AF985-6D44-417A-9881-D208468CBA07}" type="datetime1">
               <a:rPr lang="en-US" smtClean="0"/>
-              <a:t>9/1/22</a:t>
+              <a:t>10/17/22</a:t>
             </a:fld>
             <a:endParaRPr lang="en-US"/>
           </a:p>
@@ -2727,7 +2731,7 @@
           <a:p>
             <a:fld id="{26B28102-2E91-4DD7-8E8B-98B790A12701}" type="datetime1">
               <a:rPr lang="en-US" smtClean="0"/>
-              <a:t>9/1/22</a:t>
+              <a:t>10/17/22</a:t>
             </a:fld>
             <a:endParaRPr lang="en-US"/>
           </a:p>
@@ -2973,7 +2977,7 @@
           <a:p>
             <a:fld id="{3A604A86-E8D2-4E57-8D6D-61E2D175474B}" type="datetime1">
               <a:rPr lang="en-US" smtClean="0"/>
-              <a:t>9/1/22</a:t>
+              <a:t>10/17/22</a:t>
             </a:fld>
             <a:endParaRPr lang="en-US"/>
           </a:p>
@@ -3336,7 +3340,7 @@
           <a:p>
             <a:fld id="{DC921DF3-1FB0-45DC-97EF-461960E13574}" type="datetime1">
               <a:rPr lang="en-US" smtClean="0"/>
-              <a:t>9/1/22</a:t>
+              <a:t>10/17/22</a:t>
             </a:fld>
             <a:endParaRPr lang="en-US"/>
           </a:p>
@@ -3828,7 +3832,7 @@
           <a:p>
             <a:fld id="{092B088E-2809-46D8-B43F-738015D878CC}" type="datetime1">
               <a:rPr lang="en-US" smtClean="0"/>
-              <a:t>9/1/22</a:t>
+              <a:t>10/17/22</a:t>
             </a:fld>
             <a:endParaRPr lang="en-US"/>
           </a:p>
@@ -4023,7 +4027,7 @@
           <a:p>
             <a:fld id="{8208D42A-BC08-426E-9E11-483BA9D61AF6}" type="datetime1">
               <a:rPr lang="en-US" smtClean="0"/>
-              <a:t>9/1/22</a:t>
+              <a:t>10/17/22</a:t>
             </a:fld>
             <a:endParaRPr lang="en-US"/>
           </a:p>
@@ -4223,7 +4227,7 @@
           <a:p>
             <a:fld id="{26B28102-2E91-4DD7-8E8B-98B790A12701}" type="datetime1">
               <a:rPr lang="en-US" smtClean="0"/>
-              <a:t>9/1/22</a:t>
+              <a:t>10/17/22</a:t>
             </a:fld>
             <a:endParaRPr lang="en-US"/>
           </a:p>
@@ -4319,7 +4323,7 @@
           <a:p>
             <a:fld id="{37D5C786-44E1-4BD5-AD14-75F3EA166B5A}" type="datetime1">
               <a:rPr lang="en-US" smtClean="0"/>
-              <a:t>9/1/22</a:t>
+              <a:t>10/17/22</a:t>
             </a:fld>
             <a:endParaRPr lang="en-US"/>
           </a:p>
@@ -4530,7 +4534,7 @@
           <a:p>
             <a:fld id="{26B28102-2E91-4DD7-8E8B-98B790A12701}" type="datetime1">
               <a:rPr lang="en-US" smtClean="0"/>
-              <a:t>9/1/22</a:t>
+              <a:t>10/17/22</a:t>
             </a:fld>
             <a:endParaRPr lang="en-US"/>
           </a:p>
@@ -6875,70 +6879,10 @@
       </p:grpSpPr>
       <p:sp>
         <p:nvSpPr>
-          <p:cNvPr id="2" name="Title 1">
+          <p:cNvPr id="24577" name="Slide Number Placeholder 5">
             <a:extLst>
               <a:ext uri="{FF2B5EF4-FFF2-40B4-BE49-F238E27FC236}">
-                <a16:creationId xmlns:a16="http://schemas.microsoft.com/office/drawing/2014/main" id="{54858326-C22D-AE4C-B559-1F292B8DDF84}"/>
-              </a:ext>
-            </a:extLst>
-          </p:cNvPr>
-          <p:cNvSpPr>
-            <a:spLocks noGrp="1"/>
-          </p:cNvSpPr>
-          <p:nvPr>
-            <p:ph type="ctrTitle"/>
-          </p:nvPr>
-        </p:nvSpPr>
-        <p:spPr/>
-        <p:txBody>
-          <a:bodyPr/>
-          <a:lstStyle/>
-          <a:p>
-            <a:r>
-              <a:rPr lang="en-US" dirty="0"/>
-              <a:t>Dynamic Programming</a:t>
-            </a:r>
-            <a:br>
-              <a:rPr lang="en-US" dirty="0"/>
-            </a:br>
-            <a:r>
-              <a:rPr lang="en-US" dirty="0"/>
-              <a:t>and Log Cutting</a:t>
-            </a:r>
-          </a:p>
-        </p:txBody>
-      </p:sp>
-      <p:sp>
-        <p:nvSpPr>
-          <p:cNvPr id="3" name="Subtitle 2">
-            <a:extLst>
-              <a:ext uri="{FF2B5EF4-FFF2-40B4-BE49-F238E27FC236}">
-                <a16:creationId xmlns:a16="http://schemas.microsoft.com/office/drawing/2014/main" id="{21B5AD79-503E-4248-A4B1-C3E6F0753B30}"/>
-              </a:ext>
-            </a:extLst>
-          </p:cNvPr>
-          <p:cNvSpPr>
-            <a:spLocks noGrp="1"/>
-          </p:cNvSpPr>
-          <p:nvPr>
-            <p:ph type="subTitle" idx="1"/>
-          </p:nvPr>
-        </p:nvSpPr>
-        <p:spPr/>
-        <p:txBody>
-          <a:bodyPr/>
-          <a:lstStyle/>
-          <a:p>
-            <a:endParaRPr lang="en-US"/>
-          </a:p>
-        </p:txBody>
-      </p:sp>
-      <p:sp>
-        <p:nvSpPr>
-          <p:cNvPr id="4" name="Slide Number Placeholder 3">
-            <a:extLst>
-              <a:ext uri="{FF2B5EF4-FFF2-40B4-BE49-F238E27FC236}">
-                <a16:creationId xmlns:a16="http://schemas.microsoft.com/office/drawing/2014/main" id="{E3046AF8-835F-9A4D-B0F0-A439C6644821}"/>
+                <a16:creationId xmlns:a16="http://schemas.microsoft.com/office/drawing/2014/main" id="{94C44BDA-351F-FF4E-BFA3-EC1CC6A73F37}"/>
               </a:ext>
             </a:extLst>
           </p:cNvPr>
@@ -6949,23 +6893,324 @@
             <p:ph type="sldNum" sz="quarter" idx="12"/>
           </p:nvPr>
         </p:nvSpPr>
-        <p:spPr/>
+        <p:spPr>
+          <a:noFill/>
+          <a:ln/>
+          <a:extLst>
+            <a:ext uri="{909E8E84-426E-40DD-AFC4-6F175D3DCCD1}">
+              <a14:hiddenFill xmlns:a14="http://schemas.microsoft.com/office/drawing/2010/main">
+                <a:solidFill>
+                  <a:srgbClr val="FFFFFF"/>
+                </a:solidFill>
+              </a14:hiddenFill>
+            </a:ext>
+            <a:ext uri="{91240B29-F687-4F45-9708-019B960494DF}">
+              <a14:hiddenLine xmlns:a14="http://schemas.microsoft.com/office/drawing/2010/main" w="9525">
+                <a:solidFill>
+                  <a:srgbClr val="000000"/>
+                </a:solidFill>
+                <a:miter lim="800000"/>
+                <a:headEnd/>
+                <a:tailEnd/>
+              </a14:hiddenLine>
+            </a:ext>
+          </a:extLst>
+        </p:spPr>
         <p:txBody>
           <a:bodyPr/>
-          <a:lstStyle/>
-          <a:p>
-            <a:fld id="{86BADE50-950A-4D58-BFB2-FA2C6A8B385D}" type="slidenum">
-              <a:rPr lang="en-US" smtClean="0"/>
+          <a:lstStyle>
+            <a:lvl1pPr>
+              <a:spcBef>
+                <a:spcPct val="20000"/>
+              </a:spcBef>
+              <a:buClr>
+                <a:schemeClr val="accent1"/>
+              </a:buClr>
+              <a:buSzPct val="70000"/>
+              <a:buFont typeface="Monotype Sorts" pitchFamily="2" charset="2"/>
+              <a:buChar char="n"/>
+              <a:defRPr kumimoji="1" sz="3200">
+                <a:solidFill>
+                  <a:schemeClr val="tx1"/>
+                </a:solidFill>
+                <a:latin typeface="Arial" panose="020B0604020202020204" pitchFamily="34" charset="0"/>
+                <a:ea typeface="ＭＳ Ｐゴシック" panose="020B0600070205080204" pitchFamily="34" charset="-128"/>
+              </a:defRPr>
+            </a:lvl1pPr>
+            <a:lvl2pPr marL="742950" indent="-285750">
+              <a:spcBef>
+                <a:spcPct val="20000"/>
+              </a:spcBef>
+              <a:buChar char="–"/>
+              <a:defRPr kumimoji="1" sz="2800">
+                <a:solidFill>
+                  <a:schemeClr val="tx1"/>
+                </a:solidFill>
+                <a:latin typeface="Arial" panose="020B0604020202020204" pitchFamily="34" charset="0"/>
+                <a:ea typeface="ＭＳ Ｐゴシック" panose="020B0600070205080204" pitchFamily="34" charset="-128"/>
+              </a:defRPr>
+            </a:lvl2pPr>
+            <a:lvl3pPr marL="1143000" indent="-228600">
+              <a:spcBef>
+                <a:spcPct val="20000"/>
+              </a:spcBef>
+              <a:buChar char="•"/>
+              <a:defRPr kumimoji="1" sz="2400">
+                <a:solidFill>
+                  <a:schemeClr val="tx1"/>
+                </a:solidFill>
+                <a:latin typeface="Arial" panose="020B0604020202020204" pitchFamily="34" charset="0"/>
+                <a:ea typeface="ＭＳ Ｐゴシック" panose="020B0600070205080204" pitchFamily="34" charset="-128"/>
+              </a:defRPr>
+            </a:lvl3pPr>
+            <a:lvl4pPr marL="1600200" indent="-228600">
+              <a:spcBef>
+                <a:spcPct val="20000"/>
+              </a:spcBef>
+              <a:buChar char="–"/>
+              <a:defRPr kumimoji="1" sz="2000">
+                <a:solidFill>
+                  <a:schemeClr val="tx1"/>
+                </a:solidFill>
+                <a:latin typeface="Arial" panose="020B0604020202020204" pitchFamily="34" charset="0"/>
+                <a:ea typeface="ＭＳ Ｐゴシック" panose="020B0600070205080204" pitchFamily="34" charset="-128"/>
+              </a:defRPr>
+            </a:lvl4pPr>
+            <a:lvl5pPr marL="2057400" indent="-228600">
+              <a:spcBef>
+                <a:spcPct val="20000"/>
+              </a:spcBef>
+              <a:buChar char="»"/>
+              <a:defRPr kumimoji="1" sz="2000">
+                <a:solidFill>
+                  <a:schemeClr val="tx1"/>
+                </a:solidFill>
+                <a:latin typeface="Arial" panose="020B0604020202020204" pitchFamily="34" charset="0"/>
+                <a:ea typeface="ＭＳ Ｐゴシック" panose="020B0600070205080204" pitchFamily="34" charset="-128"/>
+              </a:defRPr>
+            </a:lvl5pPr>
+            <a:lvl6pPr marL="2514600" indent="-228600" eaLnBrk="0" fontAlgn="base" hangingPunct="0">
+              <a:spcBef>
+                <a:spcPct val="20000"/>
+              </a:spcBef>
+              <a:spcAft>
+                <a:spcPct val="0"/>
+              </a:spcAft>
+              <a:buChar char="»"/>
+              <a:defRPr kumimoji="1" sz="2000">
+                <a:solidFill>
+                  <a:schemeClr val="tx1"/>
+                </a:solidFill>
+                <a:latin typeface="Arial" panose="020B0604020202020204" pitchFamily="34" charset="0"/>
+                <a:ea typeface="ＭＳ Ｐゴシック" panose="020B0600070205080204" pitchFamily="34" charset="-128"/>
+              </a:defRPr>
+            </a:lvl6pPr>
+            <a:lvl7pPr marL="2971800" indent="-228600" eaLnBrk="0" fontAlgn="base" hangingPunct="0">
+              <a:spcBef>
+                <a:spcPct val="20000"/>
+              </a:spcBef>
+              <a:spcAft>
+                <a:spcPct val="0"/>
+              </a:spcAft>
+              <a:buChar char="»"/>
+              <a:defRPr kumimoji="1" sz="2000">
+                <a:solidFill>
+                  <a:schemeClr val="tx1"/>
+                </a:solidFill>
+                <a:latin typeface="Arial" panose="020B0604020202020204" pitchFamily="34" charset="0"/>
+                <a:ea typeface="ＭＳ Ｐゴシック" panose="020B0600070205080204" pitchFamily="34" charset="-128"/>
+              </a:defRPr>
+            </a:lvl7pPr>
+            <a:lvl8pPr marL="3429000" indent="-228600" eaLnBrk="0" fontAlgn="base" hangingPunct="0">
+              <a:spcBef>
+                <a:spcPct val="20000"/>
+              </a:spcBef>
+              <a:spcAft>
+                <a:spcPct val="0"/>
+              </a:spcAft>
+              <a:buChar char="»"/>
+              <a:defRPr kumimoji="1" sz="2000">
+                <a:solidFill>
+                  <a:schemeClr val="tx1"/>
+                </a:solidFill>
+                <a:latin typeface="Arial" panose="020B0604020202020204" pitchFamily="34" charset="0"/>
+                <a:ea typeface="ＭＳ Ｐゴシック" panose="020B0600070205080204" pitchFamily="34" charset="-128"/>
+              </a:defRPr>
+            </a:lvl8pPr>
+            <a:lvl9pPr marL="3886200" indent="-228600" eaLnBrk="0" fontAlgn="base" hangingPunct="0">
+              <a:spcBef>
+                <a:spcPct val="20000"/>
+              </a:spcBef>
+              <a:spcAft>
+                <a:spcPct val="0"/>
+              </a:spcAft>
+              <a:buChar char="»"/>
+              <a:defRPr kumimoji="1" sz="2000">
+                <a:solidFill>
+                  <a:schemeClr val="tx1"/>
+                </a:solidFill>
+                <a:latin typeface="Arial" panose="020B0604020202020204" pitchFamily="34" charset="0"/>
+                <a:ea typeface="ＭＳ Ｐゴシック" panose="020B0600070205080204" pitchFamily="34" charset="-128"/>
+              </a:defRPr>
+            </a:lvl9pPr>
+          </a:lstStyle>
+          <a:p>
+            <a:pPr>
+              <a:spcBef>
+                <a:spcPct val="50000"/>
+              </a:spcBef>
+              <a:buClrTx/>
+              <a:buSzTx/>
+              <a:buFontTx/>
+              <a:buNone/>
+            </a:pPr>
+            <a:fld id="{C969A407-F946-744A-9E44-E95839F31E81}" type="slidenum">
+              <a:rPr kumimoji="0" lang="en-US" altLang="en-US" sz="1400"/>
+              <a:pPr>
+                <a:spcBef>
+                  <a:spcPct val="50000"/>
+                </a:spcBef>
+                <a:buClrTx/>
+                <a:buSzTx/>
+                <a:buFontTx/>
+                <a:buNone/>
+              </a:pPr>
               <a:t>14</a:t>
             </a:fld>
-            <a:endParaRPr lang="en-US"/>
+            <a:endParaRPr kumimoji="0" lang="en-US" altLang="en-US" sz="1400"/>
+          </a:p>
+        </p:txBody>
+      </p:sp>
+      <p:sp>
+        <p:nvSpPr>
+          <p:cNvPr id="24578" name="Rectangle 2">
+            <a:extLst>
+              <a:ext uri="{FF2B5EF4-FFF2-40B4-BE49-F238E27FC236}">
+                <a16:creationId xmlns:a16="http://schemas.microsoft.com/office/drawing/2014/main" id="{76BC1513-528F-5649-83D8-38BBC58EB4C4}"/>
+              </a:ext>
+            </a:extLst>
+          </p:cNvPr>
+          <p:cNvSpPr>
+            <a:spLocks noGrp="1" noChangeArrowheads="1"/>
+          </p:cNvSpPr>
+          <p:nvPr>
+            <p:ph type="title"/>
+            <p:custDataLst>
+              <p:tags r:id="rId1"/>
+            </p:custDataLst>
+          </p:nvPr>
+        </p:nvSpPr>
+        <p:spPr>
+          <a:xfrm>
+            <a:off x="1447800" y="151765"/>
+            <a:ext cx="9448800" cy="838200"/>
+          </a:xfrm>
+        </p:spPr>
+        <p:txBody>
+          <a:bodyPr>
+            <a:normAutofit/>
+          </a:bodyPr>
+          <a:lstStyle/>
+          <a:p>
+            <a:r>
+              <a:rPr lang="en-US" altLang="en-US" dirty="0">
+                <a:latin typeface="Arial" panose="020B0604020202020204" pitchFamily="34" charset="0"/>
+                <a:ea typeface="ＭＳ Ｐゴシック" panose="020B0600070205080204" pitchFamily="34" charset="-128"/>
+                <a:cs typeface="Arial" panose="020B0604020202020204" pitchFamily="34" charset="0"/>
+              </a:rPr>
+              <a:t>Bottom-Up Dynamic Programming</a:t>
+            </a:r>
+          </a:p>
+        </p:txBody>
+      </p:sp>
+      <p:sp>
+        <p:nvSpPr>
+          <p:cNvPr id="24579" name="Rectangle 3">
+            <a:extLst>
+              <a:ext uri="{FF2B5EF4-FFF2-40B4-BE49-F238E27FC236}">
+                <a16:creationId xmlns:a16="http://schemas.microsoft.com/office/drawing/2014/main" id="{FBFF0C8D-1B60-A648-AAC8-FCA8C8E761CD}"/>
+              </a:ext>
+            </a:extLst>
+          </p:cNvPr>
+          <p:cNvSpPr>
+            <a:spLocks noGrp="1" noChangeArrowheads="1"/>
+          </p:cNvSpPr>
+          <p:nvPr>
+            <p:ph type="body" idx="1"/>
+            <p:custDataLst>
+              <p:tags r:id="rId2"/>
+            </p:custDataLst>
+          </p:nvPr>
+        </p:nvSpPr>
+        <p:spPr>
+          <a:xfrm>
+            <a:off x="1676400" y="1524000"/>
+            <a:ext cx="8793163" cy="4572000"/>
+          </a:xfrm>
+        </p:spPr>
+        <p:txBody>
+          <a:bodyPr>
+            <a:normAutofit/>
+          </a:bodyPr>
+          <a:lstStyle/>
+          <a:p>
+            <a:r>
+              <a:rPr lang="en-US" altLang="en-US" dirty="0">
+                <a:ea typeface="ＭＳ Ｐゴシック" panose="020B0600070205080204" pitchFamily="34" charset="-128"/>
+              </a:rPr>
+              <a:t>Bottom-Up Dynamic Programming is similar</a:t>
+            </a:r>
+          </a:p>
+          <a:p>
+            <a:r>
+              <a:rPr lang="en-US" altLang="en-US" i="1" dirty="0">
+                <a:ea typeface="ＭＳ Ｐゴシック" panose="020B0600070205080204" pitchFamily="34" charset="-128"/>
+              </a:rPr>
+              <a:t>Solve the base cases first!</a:t>
+            </a:r>
+          </a:p>
+          <a:p>
+            <a:pPr lvl="1"/>
+            <a:r>
+              <a:rPr lang="en-US" altLang="en-US" i="1" dirty="0">
+                <a:ea typeface="ＭＳ Ｐゴシック" panose="020B0600070205080204" pitchFamily="34" charset="-128"/>
+              </a:rPr>
+              <a:t>Fill in the next biggest sub-problems next</a:t>
+            </a:r>
+          </a:p>
+          <a:p>
+            <a:pPr lvl="1"/>
+            <a:r>
+              <a:rPr lang="en-US" altLang="en-US" i="1" dirty="0">
+                <a:ea typeface="ＭＳ Ｐゴシック" panose="020B0600070205080204" pitchFamily="34" charset="-128"/>
+              </a:rPr>
+              <a:t>Repeat.</a:t>
+            </a:r>
+          </a:p>
+          <a:p>
+            <a:r>
+              <a:rPr lang="en-US" altLang="en-US" dirty="0">
+                <a:ea typeface="ＭＳ Ｐゴシック" panose="020B0600070205080204" pitchFamily="34" charset="-128"/>
+              </a:rPr>
+              <a:t>Draw a picture to visualize </a:t>
+            </a:r>
+            <a:r>
+              <a:rPr lang="en-US" altLang="en-US" dirty="0">
+                <a:ea typeface="ＭＳ Ｐゴシック" panose="020B0600070205080204" pitchFamily="34" charset="-128"/>
+                <a:sym typeface="Wingdings" pitchFamily="2" charset="2"/>
+              </a:rPr>
+              <a:t></a:t>
+            </a:r>
+            <a:endParaRPr lang="en-US" altLang="en-US" dirty="0">
+              <a:ea typeface="ＭＳ Ｐゴシック" panose="020B0600070205080204" pitchFamily="34" charset="-128"/>
+            </a:endParaRPr>
           </a:p>
         </p:txBody>
       </p:sp>
     </p:spTree>
     <p:extLst>
       <p:ext uri="{BB962C8B-B14F-4D97-AF65-F5344CB8AC3E}">
-        <p14:creationId xmlns:p14="http://schemas.microsoft.com/office/powerpoint/2010/main" val="2132180142"/>
+        <p14:creationId xmlns:p14="http://schemas.microsoft.com/office/powerpoint/2010/main" val="2370202866"/>
       </p:ext>
     </p:extLst>
   </p:cSld>
@@ -6994,7 +7239,217 @@
       </p:grpSpPr>
       <p:sp>
         <p:nvSpPr>
-          <p:cNvPr id="9218" name="Rectangle 2"/>
+          <p:cNvPr id="26625" name="Slide Number Placeholder 5">
+            <a:extLst>
+              <a:ext uri="{FF2B5EF4-FFF2-40B4-BE49-F238E27FC236}">
+                <a16:creationId xmlns:a16="http://schemas.microsoft.com/office/drawing/2014/main" id="{EBE181E0-40C8-2E42-B5AB-4E6FB202D050}"/>
+              </a:ext>
+            </a:extLst>
+          </p:cNvPr>
+          <p:cNvSpPr>
+            <a:spLocks noGrp="1"/>
+          </p:cNvSpPr>
+          <p:nvPr>
+            <p:ph type="sldNum" sz="quarter" idx="12"/>
+          </p:nvPr>
+        </p:nvSpPr>
+        <p:spPr>
+          <a:noFill/>
+          <a:ln/>
+          <a:extLst>
+            <a:ext uri="{909E8E84-426E-40DD-AFC4-6F175D3DCCD1}">
+              <a14:hiddenFill xmlns:a14="http://schemas.microsoft.com/office/drawing/2010/main">
+                <a:solidFill>
+                  <a:srgbClr val="FFFFFF"/>
+                </a:solidFill>
+              </a14:hiddenFill>
+            </a:ext>
+            <a:ext uri="{91240B29-F687-4F45-9708-019B960494DF}">
+              <a14:hiddenLine xmlns:a14="http://schemas.microsoft.com/office/drawing/2010/main" w="9525">
+                <a:solidFill>
+                  <a:srgbClr val="000000"/>
+                </a:solidFill>
+                <a:miter lim="800000"/>
+                <a:headEnd/>
+                <a:tailEnd/>
+              </a14:hiddenLine>
+            </a:ext>
+          </a:extLst>
+        </p:spPr>
+        <p:txBody>
+          <a:bodyPr/>
+          <a:lstStyle>
+            <a:lvl1pPr>
+              <a:spcBef>
+                <a:spcPct val="20000"/>
+              </a:spcBef>
+              <a:buClr>
+                <a:schemeClr val="accent1"/>
+              </a:buClr>
+              <a:buSzPct val="70000"/>
+              <a:buFont typeface="Monotype Sorts" pitchFamily="2" charset="2"/>
+              <a:buChar char="n"/>
+              <a:defRPr kumimoji="1" sz="3200">
+                <a:solidFill>
+                  <a:schemeClr val="tx1"/>
+                </a:solidFill>
+                <a:latin typeface="Arial" panose="020B0604020202020204" pitchFamily="34" charset="0"/>
+                <a:ea typeface="ＭＳ Ｐゴシック" panose="020B0600070205080204" pitchFamily="34" charset="-128"/>
+              </a:defRPr>
+            </a:lvl1pPr>
+            <a:lvl2pPr marL="742950" indent="-285750">
+              <a:spcBef>
+                <a:spcPct val="20000"/>
+              </a:spcBef>
+              <a:buChar char="–"/>
+              <a:defRPr kumimoji="1" sz="2800">
+                <a:solidFill>
+                  <a:schemeClr val="tx1"/>
+                </a:solidFill>
+                <a:latin typeface="Arial" panose="020B0604020202020204" pitchFamily="34" charset="0"/>
+                <a:ea typeface="ＭＳ Ｐゴシック" panose="020B0600070205080204" pitchFamily="34" charset="-128"/>
+              </a:defRPr>
+            </a:lvl2pPr>
+            <a:lvl3pPr marL="1143000" indent="-228600">
+              <a:spcBef>
+                <a:spcPct val="20000"/>
+              </a:spcBef>
+              <a:buChar char="•"/>
+              <a:defRPr kumimoji="1" sz="2400">
+                <a:solidFill>
+                  <a:schemeClr val="tx1"/>
+                </a:solidFill>
+                <a:latin typeface="Arial" panose="020B0604020202020204" pitchFamily="34" charset="0"/>
+                <a:ea typeface="ＭＳ Ｐゴシック" panose="020B0600070205080204" pitchFamily="34" charset="-128"/>
+              </a:defRPr>
+            </a:lvl3pPr>
+            <a:lvl4pPr marL="1600200" indent="-228600">
+              <a:spcBef>
+                <a:spcPct val="20000"/>
+              </a:spcBef>
+              <a:buChar char="–"/>
+              <a:defRPr kumimoji="1" sz="2000">
+                <a:solidFill>
+                  <a:schemeClr val="tx1"/>
+                </a:solidFill>
+                <a:latin typeface="Arial" panose="020B0604020202020204" pitchFamily="34" charset="0"/>
+                <a:ea typeface="ＭＳ Ｐゴシック" panose="020B0600070205080204" pitchFamily="34" charset="-128"/>
+              </a:defRPr>
+            </a:lvl4pPr>
+            <a:lvl5pPr marL="2057400" indent="-228600">
+              <a:spcBef>
+                <a:spcPct val="20000"/>
+              </a:spcBef>
+              <a:buChar char="»"/>
+              <a:defRPr kumimoji="1" sz="2000">
+                <a:solidFill>
+                  <a:schemeClr val="tx1"/>
+                </a:solidFill>
+                <a:latin typeface="Arial" panose="020B0604020202020204" pitchFamily="34" charset="0"/>
+                <a:ea typeface="ＭＳ Ｐゴシック" panose="020B0600070205080204" pitchFamily="34" charset="-128"/>
+              </a:defRPr>
+            </a:lvl5pPr>
+            <a:lvl6pPr marL="2514600" indent="-228600" eaLnBrk="0" fontAlgn="base" hangingPunct="0">
+              <a:spcBef>
+                <a:spcPct val="20000"/>
+              </a:spcBef>
+              <a:spcAft>
+                <a:spcPct val="0"/>
+              </a:spcAft>
+              <a:buChar char="»"/>
+              <a:defRPr kumimoji="1" sz="2000">
+                <a:solidFill>
+                  <a:schemeClr val="tx1"/>
+                </a:solidFill>
+                <a:latin typeface="Arial" panose="020B0604020202020204" pitchFamily="34" charset="0"/>
+                <a:ea typeface="ＭＳ Ｐゴシック" panose="020B0600070205080204" pitchFamily="34" charset="-128"/>
+              </a:defRPr>
+            </a:lvl6pPr>
+            <a:lvl7pPr marL="2971800" indent="-228600" eaLnBrk="0" fontAlgn="base" hangingPunct="0">
+              <a:spcBef>
+                <a:spcPct val="20000"/>
+              </a:spcBef>
+              <a:spcAft>
+                <a:spcPct val="0"/>
+              </a:spcAft>
+              <a:buChar char="»"/>
+              <a:defRPr kumimoji="1" sz="2000">
+                <a:solidFill>
+                  <a:schemeClr val="tx1"/>
+                </a:solidFill>
+                <a:latin typeface="Arial" panose="020B0604020202020204" pitchFamily="34" charset="0"/>
+                <a:ea typeface="ＭＳ Ｐゴシック" panose="020B0600070205080204" pitchFamily="34" charset="-128"/>
+              </a:defRPr>
+            </a:lvl7pPr>
+            <a:lvl8pPr marL="3429000" indent="-228600" eaLnBrk="0" fontAlgn="base" hangingPunct="0">
+              <a:spcBef>
+                <a:spcPct val="20000"/>
+              </a:spcBef>
+              <a:spcAft>
+                <a:spcPct val="0"/>
+              </a:spcAft>
+              <a:buChar char="»"/>
+              <a:defRPr kumimoji="1" sz="2000">
+                <a:solidFill>
+                  <a:schemeClr val="tx1"/>
+                </a:solidFill>
+                <a:latin typeface="Arial" panose="020B0604020202020204" pitchFamily="34" charset="0"/>
+                <a:ea typeface="ＭＳ Ｐゴシック" panose="020B0600070205080204" pitchFamily="34" charset="-128"/>
+              </a:defRPr>
+            </a:lvl8pPr>
+            <a:lvl9pPr marL="3886200" indent="-228600" eaLnBrk="0" fontAlgn="base" hangingPunct="0">
+              <a:spcBef>
+                <a:spcPct val="20000"/>
+              </a:spcBef>
+              <a:spcAft>
+                <a:spcPct val="0"/>
+              </a:spcAft>
+              <a:buChar char="»"/>
+              <a:defRPr kumimoji="1" sz="2000">
+                <a:solidFill>
+                  <a:schemeClr val="tx1"/>
+                </a:solidFill>
+                <a:latin typeface="Arial" panose="020B0604020202020204" pitchFamily="34" charset="0"/>
+                <a:ea typeface="ＭＳ Ｐゴシック" panose="020B0600070205080204" pitchFamily="34" charset="-128"/>
+              </a:defRPr>
+            </a:lvl9pPr>
+          </a:lstStyle>
+          <a:p>
+            <a:pPr>
+              <a:spcBef>
+                <a:spcPct val="50000"/>
+              </a:spcBef>
+              <a:buClrTx/>
+              <a:buSzTx/>
+              <a:buFontTx/>
+              <a:buNone/>
+            </a:pPr>
+            <a:fld id="{1C548329-48A6-6546-B436-4898DCCA129A}" type="slidenum">
+              <a:rPr kumimoji="0" lang="en-US" altLang="en-US" sz="1400"/>
+              <a:pPr>
+                <a:spcBef>
+                  <a:spcPct val="50000"/>
+                </a:spcBef>
+                <a:buClrTx/>
+                <a:buSzTx/>
+                <a:buFontTx/>
+                <a:buNone/>
+              </a:pPr>
+              <a:t>15</a:t>
+            </a:fld>
+            <a:endParaRPr kumimoji="0" lang="en-US" altLang="en-US" sz="1400"/>
+          </a:p>
+        </p:txBody>
+      </p:sp>
+      <p:sp>
+        <p:nvSpPr>
+          <p:cNvPr id="26626" name="Rectangle 2">
+            <a:extLst>
+              <a:ext uri="{FF2B5EF4-FFF2-40B4-BE49-F238E27FC236}">
+                <a16:creationId xmlns:a16="http://schemas.microsoft.com/office/drawing/2014/main" id="{3ABDC897-EC89-1C47-8AE3-F32A97C1B9D4}"/>
+              </a:ext>
+            </a:extLst>
+          </p:cNvPr>
           <p:cNvSpPr>
             <a:spLocks noGrp="1" noChangeArrowheads="1"/>
           </p:cNvSpPr>
@@ -7005,123 +7460,248 @@
             </p:custDataLst>
           </p:nvPr>
         </p:nvSpPr>
-        <p:spPr/>
-        <p:txBody>
-          <a:bodyPr/>
+        <p:spPr>
+          <a:xfrm>
+            <a:off x="2697163" y="457200"/>
+            <a:ext cx="7772400" cy="533400"/>
+          </a:xfrm>
+        </p:spPr>
+        <p:txBody>
+          <a:bodyPr>
+            <a:normAutofit fontScale="90000"/>
+          </a:bodyPr>
           <a:lstStyle/>
           <a:p>
             <a:r>
-              <a:rPr lang="en-US"/>
-              <a:t>Dynamic programming</a:t>
-            </a:r>
-          </a:p>
-        </p:txBody>
-      </p:sp>
-      <p:sp>
-        <p:nvSpPr>
-          <p:cNvPr id="5" name="Slide Number Placeholder 5"/>
-          <p:cNvSpPr>
-            <a:spLocks noGrp="1"/>
-          </p:cNvSpPr>
-          <p:nvPr>
-            <p:ph type="sldNum" sz="quarter" idx="12"/>
-          </p:nvPr>
-        </p:nvSpPr>
-        <p:spPr/>
-        <p:txBody>
-          <a:bodyPr/>
-          <a:lstStyle/>
-          <a:p>
-            <a:fld id="{14A35743-C90A-4A0A-9264-862BA3348DB0}" type="slidenum">
-              <a:rPr lang="en-US" smtClean="0"/>
-              <a:pPr/>
-              <a:t>15</a:t>
-            </a:fld>
-            <a:endParaRPr lang="en-US"/>
-          </a:p>
-        </p:txBody>
-      </p:sp>
-      <p:sp>
-        <p:nvSpPr>
-          <p:cNvPr id="9219" name="Rectangle 3"/>
+              <a:rPr lang="en-US" altLang="en-US" sz="4000" dirty="0">
+                <a:ea typeface="ＭＳ Ｐゴシック" panose="020B0600070205080204" pitchFamily="34" charset="-128"/>
+              </a:rPr>
+              <a:t>Bottom-Up Fibonacci</a:t>
+            </a:r>
+          </a:p>
+        </p:txBody>
+      </p:sp>
+      <p:sp>
+        <p:nvSpPr>
+          <p:cNvPr id="26627" name="Rectangle 3">
+            <a:extLst>
+              <a:ext uri="{FF2B5EF4-FFF2-40B4-BE49-F238E27FC236}">
+                <a16:creationId xmlns:a16="http://schemas.microsoft.com/office/drawing/2014/main" id="{4B5CD2A1-7C1C-EF45-84AD-0FBA893F1F64}"/>
+              </a:ext>
+            </a:extLst>
+          </p:cNvPr>
           <p:cNvSpPr>
             <a:spLocks noGrp="1" noChangeArrowheads="1"/>
           </p:cNvSpPr>
           <p:nvPr>
-            <p:ph sz="quarter" idx="1"/>
+            <p:ph type="body" idx="1"/>
             <p:custDataLst>
               <p:tags r:id="rId2"/>
             </p:custDataLst>
           </p:nvPr>
         </p:nvSpPr>
-        <p:spPr/>
+        <p:spPr>
+          <a:xfrm>
+            <a:off x="381000" y="1219200"/>
+            <a:ext cx="11430000" cy="5257800"/>
+          </a:xfrm>
+        </p:spPr>
         <p:txBody>
           <a:bodyPr>
-            <a:normAutofit fontScale="85000" lnSpcReduction="20000"/>
+            <a:normAutofit/>
           </a:bodyPr>
           <a:lstStyle/>
           <a:p>
-            <a:r>
-              <a:rPr lang="en-US" dirty="0"/>
-              <a:t>Old “bad” name (see Wikipedia or textbook)</a:t>
-            </a:r>
-          </a:p>
-          <a:p>
-            <a:endParaRPr lang="en-US" dirty="0"/>
-          </a:p>
-          <a:p>
-            <a:r>
-              <a:rPr lang="en-US" dirty="0"/>
-              <a:t>Useful when the solution can be recursively described in terms of solutions to sub-problems (</a:t>
-            </a:r>
-            <a:r>
-              <a:rPr lang="en-US" i="1" dirty="0"/>
-              <a:t>optimal substructure</a:t>
-            </a:r>
-            <a:r>
-              <a:rPr lang="en-US" dirty="0"/>
-              <a:t>)</a:t>
-            </a:r>
-          </a:p>
-          <a:p>
-            <a:pPr lvl="1"/>
-            <a:r>
-              <a:rPr lang="en-US" dirty="0"/>
-              <a:t>But </a:t>
-            </a:r>
-            <a:r>
-              <a:rPr lang="en-US" i="1" dirty="0"/>
-              <a:t>greedy choice property </a:t>
-            </a:r>
-            <a:r>
-              <a:rPr lang="en-US" dirty="0"/>
-              <a:t>doesn’t hold for the problem</a:t>
-            </a:r>
-          </a:p>
-          <a:p>
-            <a:endParaRPr lang="en-US" dirty="0"/>
-          </a:p>
-          <a:p>
-            <a:r>
-              <a:rPr lang="en-US" dirty="0"/>
-              <a:t>Algorithm finds solutions to sub-problems and stores them in memory for later use</a:t>
-            </a:r>
-          </a:p>
-          <a:p>
-            <a:endParaRPr lang="en-US" dirty="0"/>
-          </a:p>
-          <a:p>
-            <a:r>
-              <a:rPr lang="en-US" dirty="0"/>
-              <a:t>More efficient than </a:t>
-            </a:r>
-            <a:r>
-              <a:rPr lang="en-US" i="1" dirty="0"/>
-              <a:t>brute-force methods</a:t>
-            </a:r>
-            <a:r>
-              <a:rPr lang="en-US" dirty="0"/>
-              <a:t> or recursive approaches that  solve the same sub-problems over and over again</a:t>
+            <a:pPr>
+              <a:lnSpc>
+                <a:spcPct val="80000"/>
+              </a:lnSpc>
+            </a:pPr>
+            <a:r>
+              <a:rPr lang="en-US" altLang="en-US" sz="2600" dirty="0">
+                <a:ea typeface="ＭＳ Ｐゴシック" panose="020B0600070205080204" pitchFamily="34" charset="-128"/>
+              </a:rPr>
+              <a:t>Not recursive. Just fills in answers</a:t>
+            </a:r>
+          </a:p>
+          <a:p>
+            <a:pPr marL="0" indent="0">
+              <a:lnSpc>
+                <a:spcPct val="80000"/>
+              </a:lnSpc>
+              <a:buNone/>
+            </a:pPr>
+            <a:br>
+              <a:rPr lang="en-US" altLang="en-US" sz="2800" dirty="0">
+                <a:ea typeface="ＭＳ Ｐゴシック" panose="020B0600070205080204" pitchFamily="34" charset="-128"/>
+              </a:rPr>
+            </a:br>
+            <a:r>
+              <a:rPr lang="en-US" altLang="en-US" sz="2800" dirty="0">
+                <a:ea typeface="ＭＳ Ｐゴシック" panose="020B0600070205080204" pitchFamily="34" charset="-128"/>
+              </a:rPr>
+              <a:t>	</a:t>
+            </a:r>
+            <a:r>
+              <a:rPr lang="en-US" altLang="en-US" sz="2600" i="1" dirty="0">
+                <a:ea typeface="ＭＳ Ｐゴシック" panose="020B0600070205080204" pitchFamily="34" charset="-128"/>
+              </a:rPr>
+              <a:t>fib(</a:t>
+            </a:r>
+            <a:r>
+              <a:rPr lang="en-US" altLang="en-US" sz="2600" i="1" dirty="0" err="1">
+                <a:ea typeface="ＭＳ Ｐゴシック" panose="020B0600070205080204" pitchFamily="34" charset="-128"/>
+              </a:rPr>
+              <a:t>int</a:t>
+            </a:r>
+            <a:r>
+              <a:rPr lang="en-US" altLang="en-US" sz="2600" i="1" dirty="0">
+                <a:ea typeface="ＭＳ Ｐゴシック" panose="020B0600070205080204" pitchFamily="34" charset="-128"/>
+              </a:rPr>
+              <a:t> n):</a:t>
+            </a:r>
+          </a:p>
+          <a:p>
+            <a:pPr marL="0" indent="0">
+              <a:lnSpc>
+                <a:spcPct val="80000"/>
+              </a:lnSpc>
+              <a:buNone/>
+            </a:pPr>
+            <a:r>
+              <a:rPr lang="en-US" altLang="en-US" sz="2600" i="1" dirty="0">
+                <a:ea typeface="ＭＳ Ｐゴシック" panose="020B0600070205080204" pitchFamily="34" charset="-128"/>
+              </a:rPr>
+              <a:t>		long result[n+1];			</a:t>
+            </a:r>
+            <a:r>
+              <a:rPr lang="en-US" altLang="en-US" sz="2600" i="1" dirty="0">
+                <a:solidFill>
+                  <a:schemeClr val="tx2">
+                    <a:lumMod val="75000"/>
+                  </a:schemeClr>
+                </a:solidFill>
+                <a:ea typeface="ＭＳ Ｐゴシック" panose="020B0600070205080204" pitchFamily="34" charset="-128"/>
+              </a:rPr>
+              <a:t>//index n stores nth fib number</a:t>
+            </a:r>
+          </a:p>
+          <a:p>
+            <a:pPr marL="0" indent="0">
+              <a:lnSpc>
+                <a:spcPct val="80000"/>
+              </a:lnSpc>
+              <a:buNone/>
+            </a:pPr>
+            <a:r>
+              <a:rPr lang="en-US" altLang="en-US" sz="2600" i="1" dirty="0">
+                <a:ea typeface="ＭＳ Ｐゴシック" panose="020B0600070205080204" pitchFamily="34" charset="-128"/>
+              </a:rPr>
+              <a:t>		result[0] = 0; result[1] = 1;		</a:t>
+            </a:r>
+            <a:r>
+              <a:rPr lang="en-US" altLang="en-US" sz="2600" i="1" dirty="0">
+                <a:solidFill>
+                  <a:schemeClr val="tx2">
+                    <a:lumMod val="75000"/>
+                  </a:schemeClr>
+                </a:solidFill>
+                <a:ea typeface="ＭＳ Ｐゴシック" panose="020B0600070205080204" pitchFamily="34" charset="-128"/>
+              </a:rPr>
+              <a:t>//fill in base cases</a:t>
+            </a:r>
+          </a:p>
+          <a:p>
+            <a:pPr marL="0" indent="0">
+              <a:lnSpc>
+                <a:spcPct val="80000"/>
+              </a:lnSpc>
+              <a:buNone/>
+            </a:pPr>
+            <a:endParaRPr lang="en-US" altLang="en-US" sz="2600" i="1" dirty="0">
+              <a:solidFill>
+                <a:schemeClr val="tx2">
+                  <a:lumMod val="75000"/>
+                </a:schemeClr>
+              </a:solidFill>
+              <a:ea typeface="ＭＳ Ｐゴシック" panose="020B0600070205080204" pitchFamily="34" charset="-128"/>
+            </a:endParaRPr>
+          </a:p>
+          <a:p>
+            <a:pPr marL="0" indent="0">
+              <a:lnSpc>
+                <a:spcPct val="80000"/>
+              </a:lnSpc>
+              <a:buNone/>
+            </a:pPr>
+            <a:r>
+              <a:rPr lang="en-US" altLang="en-US" sz="2600" i="1" dirty="0">
+                <a:ea typeface="ＭＳ Ｐゴシック" panose="020B0600070205080204" pitchFamily="34" charset="-128"/>
+              </a:rPr>
+              <a:t>		for </a:t>
+            </a:r>
+            <a:r>
+              <a:rPr lang="en-US" altLang="en-US" sz="2600" i="1" dirty="0" err="1">
+                <a:ea typeface="ＭＳ Ｐゴシック" panose="020B0600070205080204" pitchFamily="34" charset="-128"/>
+              </a:rPr>
+              <a:t>i</a:t>
+            </a:r>
+            <a:r>
+              <a:rPr lang="en-US" altLang="en-US" sz="2600" i="1" dirty="0">
+                <a:ea typeface="ＭＳ Ｐゴシック" panose="020B0600070205080204" pitchFamily="34" charset="-128"/>
+              </a:rPr>
+              <a:t> = 2 to n:</a:t>
+            </a:r>
+          </a:p>
+          <a:p>
+            <a:pPr marL="0" indent="0">
+              <a:lnSpc>
+                <a:spcPct val="80000"/>
+              </a:lnSpc>
+              <a:buNone/>
+            </a:pPr>
+            <a:r>
+              <a:rPr lang="en-US" altLang="en-US" sz="2600" i="1" dirty="0">
+                <a:ea typeface="ＭＳ Ｐゴシック" panose="020B0600070205080204" pitchFamily="34" charset="-128"/>
+              </a:rPr>
+              <a:t>			result[</a:t>
+            </a:r>
+            <a:r>
+              <a:rPr lang="en-US" altLang="en-US" sz="2600" i="1" dirty="0" err="1">
+                <a:ea typeface="ＭＳ Ｐゴシック" panose="020B0600070205080204" pitchFamily="34" charset="-128"/>
+              </a:rPr>
+              <a:t>i</a:t>
+            </a:r>
+            <a:r>
+              <a:rPr lang="en-US" altLang="en-US" sz="2600" i="1" dirty="0">
+                <a:ea typeface="ＭＳ Ｐゴシック" panose="020B0600070205080204" pitchFamily="34" charset="-128"/>
+              </a:rPr>
+              <a:t>] = result[i-1] + result[i-2];</a:t>
+            </a:r>
+          </a:p>
+          <a:p>
+            <a:pPr marL="0" indent="0">
+              <a:lnSpc>
+                <a:spcPct val="80000"/>
+              </a:lnSpc>
+              <a:buNone/>
+            </a:pPr>
+            <a:endParaRPr lang="en-US" altLang="en-US" sz="2600" i="1" dirty="0">
+              <a:ea typeface="ＭＳ Ｐゴシック" panose="020B0600070205080204" pitchFamily="34" charset="-128"/>
+            </a:endParaRPr>
+          </a:p>
+          <a:p>
+            <a:pPr marL="0" indent="0">
+              <a:lnSpc>
+                <a:spcPct val="80000"/>
+              </a:lnSpc>
+              <a:buNone/>
+            </a:pPr>
+            <a:r>
+              <a:rPr lang="en-US" altLang="en-US" sz="2600" i="1" dirty="0">
+                <a:ea typeface="ＭＳ Ｐゴシック" panose="020B0600070205080204" pitchFamily="34" charset="-128"/>
+              </a:rPr>
+              <a:t>		return result[n];</a:t>
             </a:r>
           </a:p>
         </p:txBody>
@@ -7129,7 +7709,7 @@
     </p:spTree>
     <p:extLst>
       <p:ext uri="{BB962C8B-B14F-4D97-AF65-F5344CB8AC3E}">
-        <p14:creationId xmlns:p14="http://schemas.microsoft.com/office/powerpoint/2010/main" val="1078124382"/>
+        <p14:creationId xmlns:p14="http://schemas.microsoft.com/office/powerpoint/2010/main" val="2600068486"/>
       </p:ext>
     </p:extLst>
   </p:cSld>
@@ -7158,15 +7738,18 @@
       </p:grpSpPr>
       <p:sp>
         <p:nvSpPr>
-          <p:cNvPr id="10242" name="Rectangle 2"/>
+          <p:cNvPr id="2" name="Title 1">
+            <a:extLst>
+              <a:ext uri="{FF2B5EF4-FFF2-40B4-BE49-F238E27FC236}">
+                <a16:creationId xmlns:a16="http://schemas.microsoft.com/office/drawing/2014/main" id="{54858326-C22D-AE4C-B559-1F292B8DDF84}"/>
+              </a:ext>
+            </a:extLst>
+          </p:cNvPr>
           <p:cNvSpPr>
-            <a:spLocks noGrp="1" noChangeArrowheads="1"/>
+            <a:spLocks noGrp="1"/>
           </p:cNvSpPr>
           <p:nvPr>
-            <p:ph type="title"/>
-            <p:custDataLst>
-              <p:tags r:id="rId1"/>
-            </p:custDataLst>
+            <p:ph type="ctrTitle"/>
           </p:nvPr>
         </p:nvSpPr>
         <p:spPr/>
@@ -7175,15 +7758,53 @@
           <a:lstStyle/>
           <a:p>
             <a:r>
-              <a:rPr lang="en-US"/>
-              <a:t>Optimal Substructure Property</a:t>
-            </a:r>
-          </a:p>
-        </p:txBody>
-      </p:sp>
-      <p:sp>
-        <p:nvSpPr>
-          <p:cNvPr id="5" name="Slide Number Placeholder 5"/>
+              <a:rPr lang="en-US" dirty="0"/>
+              <a:t>Dynamic Programming</a:t>
+            </a:r>
+            <a:br>
+              <a:rPr lang="en-US" dirty="0"/>
+            </a:br>
+            <a:r>
+              <a:rPr lang="en-US" dirty="0"/>
+              <a:t>and Log Cutting</a:t>
+            </a:r>
+          </a:p>
+        </p:txBody>
+      </p:sp>
+      <p:sp>
+        <p:nvSpPr>
+          <p:cNvPr id="3" name="Subtitle 2">
+            <a:extLst>
+              <a:ext uri="{FF2B5EF4-FFF2-40B4-BE49-F238E27FC236}">
+                <a16:creationId xmlns:a16="http://schemas.microsoft.com/office/drawing/2014/main" id="{21B5AD79-503E-4248-A4B1-C3E6F0753B30}"/>
+              </a:ext>
+            </a:extLst>
+          </p:cNvPr>
+          <p:cNvSpPr>
+            <a:spLocks noGrp="1"/>
+          </p:cNvSpPr>
+          <p:nvPr>
+            <p:ph type="subTitle" idx="1"/>
+          </p:nvPr>
+        </p:nvSpPr>
+        <p:spPr/>
+        <p:txBody>
+          <a:bodyPr/>
+          <a:lstStyle/>
+          <a:p>
+            <a:endParaRPr lang="en-US"/>
+          </a:p>
+        </p:txBody>
+      </p:sp>
+      <p:sp>
+        <p:nvSpPr>
+          <p:cNvPr id="4" name="Slide Number Placeholder 3">
+            <a:extLst>
+              <a:ext uri="{FF2B5EF4-FFF2-40B4-BE49-F238E27FC236}">
+                <a16:creationId xmlns:a16="http://schemas.microsoft.com/office/drawing/2014/main" id="{E3046AF8-835F-9A4D-B0F0-A439C6644821}"/>
+              </a:ext>
+            </a:extLst>
+          </p:cNvPr>
           <p:cNvSpPr>
             <a:spLocks noGrp="1"/>
           </p:cNvSpPr>
@@ -7196,87 +7817,18 @@
           <a:bodyPr/>
           <a:lstStyle/>
           <a:p>
-            <a:fld id="{8281D551-DEB3-4766-B5DD-9CD738239E6A}" type="slidenum">
+            <a:fld id="{86BADE50-950A-4D58-BFB2-FA2C6A8B385D}" type="slidenum">
               <a:rPr lang="en-US" smtClean="0"/>
-              <a:pPr/>
               <a:t>16</a:t>
             </a:fld>
             <a:endParaRPr lang="en-US"/>
           </a:p>
         </p:txBody>
       </p:sp>
-      <p:sp>
-        <p:nvSpPr>
-          <p:cNvPr id="10243" name="Rectangle 3"/>
-          <p:cNvSpPr>
-            <a:spLocks noGrp="1" noChangeArrowheads="1"/>
-          </p:cNvSpPr>
-          <p:nvPr>
-            <p:ph sz="quarter" idx="1"/>
-            <p:custDataLst>
-              <p:tags r:id="rId2"/>
-            </p:custDataLst>
-          </p:nvPr>
-        </p:nvSpPr>
-        <p:spPr/>
-        <p:txBody>
-          <a:bodyPr>
-            <a:normAutofit/>
-          </a:bodyPr>
-          <a:lstStyle/>
-          <a:p>
-            <a:r>
-              <a:rPr lang="en-US" dirty="0"/>
-              <a:t>Definition</a:t>
-            </a:r>
-          </a:p>
-          <a:p>
-            <a:pPr lvl="1"/>
-            <a:r>
-              <a:rPr lang="en-US" dirty="0"/>
-              <a:t>If S is an optimal solution to a problem, then the components of S are optimal solutions to sub-problems</a:t>
-            </a:r>
-          </a:p>
-          <a:p>
-            <a:r>
-              <a:rPr lang="en-US" dirty="0"/>
-              <a:t>Examples:</a:t>
-            </a:r>
-          </a:p>
-          <a:p>
-            <a:pPr lvl="1"/>
-            <a:r>
-              <a:rPr lang="en-US" dirty="0"/>
-              <a:t>True for coin-changing</a:t>
-            </a:r>
-          </a:p>
-          <a:p>
-            <a:pPr lvl="1"/>
-            <a:r>
-              <a:rPr lang="en-US" dirty="0"/>
-              <a:t>True for single-source shortest path</a:t>
-            </a:r>
-          </a:p>
-          <a:p>
-            <a:pPr lvl="1"/>
-            <a:r>
-              <a:rPr lang="en-US" dirty="0"/>
-              <a:t>Not true for longest-simple-path</a:t>
-            </a:r>
-          </a:p>
-          <a:p>
-            <a:pPr lvl="1"/>
-            <a:r>
-              <a:rPr lang="en-US" dirty="0"/>
-              <a:t>True for knapsack</a:t>
-            </a:r>
-          </a:p>
-        </p:txBody>
-      </p:sp>
     </p:spTree>
     <p:extLst>
       <p:ext uri="{BB962C8B-B14F-4D97-AF65-F5344CB8AC3E}">
-        <p14:creationId xmlns:p14="http://schemas.microsoft.com/office/powerpoint/2010/main" val="509187218"/>
+        <p14:creationId xmlns:p14="http://schemas.microsoft.com/office/powerpoint/2010/main" val="2132180142"/>
       </p:ext>
     </p:extLst>
   </p:cSld>
@@ -7305,7 +7857,7 @@
       </p:grpSpPr>
       <p:sp>
         <p:nvSpPr>
-          <p:cNvPr id="11266" name="Rectangle 2"/>
+          <p:cNvPr id="9218" name="Rectangle 2"/>
           <p:cNvSpPr>
             <a:spLocks noGrp="1" noChangeArrowheads="1"/>
           </p:cNvSpPr>
@@ -7323,7 +7875,7 @@
           <a:p>
             <a:r>
               <a:rPr lang="en-US"/>
-              <a:t>Dynamic Programming</a:t>
+              <a:t>Dynamic programming</a:t>
             </a:r>
           </a:p>
         </p:txBody>
@@ -7343,7 +7895,7 @@
           <a:bodyPr/>
           <a:lstStyle/>
           <a:p>
-            <a:fld id="{EF8B601C-40A5-4EBE-89A3-D9D1DE14628D}" type="slidenum">
+            <a:fld id="{14A35743-C90A-4A0A-9264-862BA3348DB0}" type="slidenum">
               <a:rPr lang="en-US" smtClean="0"/>
               <a:pPr/>
               <a:t>17</a:t>
@@ -7354,7 +7906,7 @@
       </p:sp>
       <p:sp>
         <p:nvSpPr>
-          <p:cNvPr id="11267" name="Rectangle 3"/>
+          <p:cNvPr id="9219" name="Rectangle 3"/>
           <p:cNvSpPr>
             <a:spLocks noGrp="1" noChangeArrowheads="1"/>
           </p:cNvSpPr>
@@ -7374,75 +7926,65 @@
           <a:p>
             <a:r>
               <a:rPr lang="en-US" dirty="0"/>
-              <a:t>Works “bottom-up”</a:t>
+              <a:t>Old “bad” name (see Wikipedia or textbook)</a:t>
+            </a:r>
+          </a:p>
+          <a:p>
+            <a:endParaRPr lang="en-US" dirty="0"/>
+          </a:p>
+          <a:p>
+            <a:r>
+              <a:rPr lang="en-US" dirty="0"/>
+              <a:t>Useful when the solution can be recursively described in terms of solutions to sub-problems (</a:t>
+            </a:r>
+            <a:r>
+              <a:rPr lang="en-US" i="1" dirty="0"/>
+              <a:t>optimal substructure</a:t>
+            </a:r>
+            <a:r>
+              <a:rPr lang="en-US" dirty="0"/>
+              <a:t>)</a:t>
             </a:r>
           </a:p>
           <a:p>
             <a:pPr lvl="1"/>
             <a:r>
               <a:rPr lang="en-US" dirty="0"/>
-              <a:t>Finds solutions to small sub-problems first</a:t>
-            </a:r>
-          </a:p>
-          <a:p>
-            <a:pPr lvl="1"/>
+              <a:t>But </a:t>
+            </a:r>
+            <a:r>
+              <a:rPr lang="en-US" i="1" dirty="0"/>
+              <a:t>greedy choice property </a:t>
+            </a:r>
             <a:r>
               <a:rPr lang="en-US" dirty="0"/>
-              <a:t>Stores them</a:t>
-            </a:r>
-          </a:p>
-          <a:p>
-            <a:pPr lvl="1"/>
+              <a:t>doesn’t hold for the problem</a:t>
+            </a:r>
+          </a:p>
+          <a:p>
+            <a:endParaRPr lang="en-US" dirty="0"/>
+          </a:p>
+          <a:p>
             <a:r>
               <a:rPr lang="en-US" dirty="0"/>
-              <a:t>Combines them somehow to find a solution to a slightly larger sub-problem</a:t>
-            </a:r>
+              <a:t>Algorithm finds solutions to sub-problems and stores them in memory for later use</a:t>
+            </a:r>
+          </a:p>
+          <a:p>
+            <a:endParaRPr lang="en-US" dirty="0"/>
           </a:p>
           <a:p>
             <a:r>
               <a:rPr lang="en-US" dirty="0"/>
-              <a:t>Comparison to greedy approach</a:t>
-            </a:r>
-          </a:p>
-          <a:p>
-            <a:pPr lvl="1"/>
+              <a:t>More efficient than </a:t>
+            </a:r>
+            <a:r>
+              <a:rPr lang="en-US" i="1" dirty="0"/>
+              <a:t>brute-force methods</a:t>
+            </a:r>
             <a:r>
               <a:rPr lang="en-US" dirty="0"/>
-              <a:t>Also requires optimal substructure</a:t>
-            </a:r>
-          </a:p>
-          <a:p>
-            <a:pPr lvl="1"/>
-            <a:r>
-              <a:rPr lang="en-US" dirty="0"/>
-              <a:t>But greedy makes choice first, then solves</a:t>
-            </a:r>
-          </a:p>
-          <a:p>
-            <a:pPr lvl="1"/>
-            <a:r>
-              <a:rPr lang="en-US" dirty="0"/>
-              <a:t>Greedy looks only at the current situation, not at a past ‘history’</a:t>
-            </a:r>
-          </a:p>
-          <a:p>
-            <a:r>
-              <a:rPr lang="en-US" dirty="0"/>
-              <a:t>DP is good when sub-problems overlap, when they’re not independent</a:t>
-            </a:r>
-          </a:p>
-          <a:p>
-            <a:pPr lvl="1"/>
-            <a:r>
-              <a:rPr lang="en-US" dirty="0"/>
-              <a:t>No need to repeat the calculation to solve them</a:t>
-            </a:r>
-          </a:p>
-          <a:p>
-            <a:pPr lvl="1"/>
-            <a:r>
-              <a:rPr lang="en-US" dirty="0"/>
-              <a:t>Dynamic programming has stored them, so doesn’t repeat the calculation</a:t>
+              <a:t> or recursive approaches that  solve the same sub-problems over and over again</a:t>
             </a:r>
           </a:p>
         </p:txBody>
@@ -7450,7 +7992,7 @@
     </p:spTree>
     <p:extLst>
       <p:ext uri="{BB962C8B-B14F-4D97-AF65-F5344CB8AC3E}">
-        <p14:creationId xmlns:p14="http://schemas.microsoft.com/office/powerpoint/2010/main" val="3153740051"/>
+        <p14:creationId xmlns:p14="http://schemas.microsoft.com/office/powerpoint/2010/main" val="1078124382"/>
       </p:ext>
     </p:extLst>
   </p:cSld>
@@ -7479,6 +8021,457 @@
       </p:grpSpPr>
       <p:sp>
         <p:nvSpPr>
+          <p:cNvPr id="10242" name="Rectangle 2"/>
+          <p:cNvSpPr>
+            <a:spLocks noGrp="1" noChangeArrowheads="1"/>
+          </p:cNvSpPr>
+          <p:nvPr>
+            <p:ph type="title"/>
+            <p:custDataLst>
+              <p:tags r:id="rId1"/>
+            </p:custDataLst>
+          </p:nvPr>
+        </p:nvSpPr>
+        <p:spPr/>
+        <p:txBody>
+          <a:bodyPr/>
+          <a:lstStyle/>
+          <a:p>
+            <a:r>
+              <a:rPr lang="en-US"/>
+              <a:t>Optimal Substructure Property</a:t>
+            </a:r>
+          </a:p>
+        </p:txBody>
+      </p:sp>
+      <p:sp>
+        <p:nvSpPr>
+          <p:cNvPr id="5" name="Slide Number Placeholder 5"/>
+          <p:cNvSpPr>
+            <a:spLocks noGrp="1"/>
+          </p:cNvSpPr>
+          <p:nvPr>
+            <p:ph type="sldNum" sz="quarter" idx="12"/>
+          </p:nvPr>
+        </p:nvSpPr>
+        <p:spPr/>
+        <p:txBody>
+          <a:bodyPr/>
+          <a:lstStyle/>
+          <a:p>
+            <a:fld id="{8281D551-DEB3-4766-B5DD-9CD738239E6A}" type="slidenum">
+              <a:rPr lang="en-US" smtClean="0"/>
+              <a:pPr/>
+              <a:t>18</a:t>
+            </a:fld>
+            <a:endParaRPr lang="en-US"/>
+          </a:p>
+        </p:txBody>
+      </p:sp>
+      <p:sp>
+        <p:nvSpPr>
+          <p:cNvPr id="10243" name="Rectangle 3"/>
+          <p:cNvSpPr>
+            <a:spLocks noGrp="1" noChangeArrowheads="1"/>
+          </p:cNvSpPr>
+          <p:nvPr>
+            <p:ph sz="quarter" idx="1"/>
+            <p:custDataLst>
+              <p:tags r:id="rId2"/>
+            </p:custDataLst>
+          </p:nvPr>
+        </p:nvSpPr>
+        <p:spPr/>
+        <p:txBody>
+          <a:bodyPr>
+            <a:normAutofit/>
+          </a:bodyPr>
+          <a:lstStyle/>
+          <a:p>
+            <a:r>
+              <a:rPr lang="en-US" dirty="0"/>
+              <a:t>Definition</a:t>
+            </a:r>
+          </a:p>
+          <a:p>
+            <a:pPr lvl="1"/>
+            <a:r>
+              <a:rPr lang="en-US" dirty="0"/>
+              <a:t>If S is an optimal solution to a problem, then the components of S are optimal solutions to sub-problems</a:t>
+            </a:r>
+          </a:p>
+          <a:p>
+            <a:r>
+              <a:rPr lang="en-US" dirty="0"/>
+              <a:t>Examples:</a:t>
+            </a:r>
+          </a:p>
+          <a:p>
+            <a:pPr lvl="1"/>
+            <a:r>
+              <a:rPr lang="en-US" dirty="0"/>
+              <a:t>True for coin-changing</a:t>
+            </a:r>
+          </a:p>
+          <a:p>
+            <a:pPr lvl="1"/>
+            <a:r>
+              <a:rPr lang="en-US" dirty="0"/>
+              <a:t>True for single-source shortest path</a:t>
+            </a:r>
+          </a:p>
+          <a:p>
+            <a:pPr lvl="1"/>
+            <a:r>
+              <a:rPr lang="en-US" dirty="0"/>
+              <a:t>Not true for longest-simple-path</a:t>
+            </a:r>
+          </a:p>
+          <a:p>
+            <a:pPr lvl="1"/>
+            <a:r>
+              <a:rPr lang="en-US" dirty="0"/>
+              <a:t>True for knapsack</a:t>
+            </a:r>
+          </a:p>
+        </p:txBody>
+      </p:sp>
+    </p:spTree>
+    <p:extLst>
+      <p:ext uri="{BB962C8B-B14F-4D97-AF65-F5344CB8AC3E}">
+        <p14:creationId xmlns:p14="http://schemas.microsoft.com/office/powerpoint/2010/main" val="509187218"/>
+      </p:ext>
+    </p:extLst>
+  </p:cSld>
+  <p:clrMapOvr>
+    <a:masterClrMapping/>
+  </p:clrMapOvr>
+</p:sld>
+</file>
+
+<file path=ppt/slides/slide19.xml><?xml version="1.0" encoding="utf-8"?>
+<p:sld xmlns:a="http://schemas.openxmlformats.org/drawingml/2006/main" xmlns:r="http://schemas.openxmlformats.org/officeDocument/2006/relationships" xmlns:p="http://schemas.openxmlformats.org/presentationml/2006/main">
+  <p:cSld>
+    <p:spTree>
+      <p:nvGrpSpPr>
+        <p:cNvPr id="1" name=""/>
+        <p:cNvGrpSpPr/>
+        <p:nvPr/>
+      </p:nvGrpSpPr>
+      <p:grpSpPr>
+        <a:xfrm>
+          <a:off x="0" y="0"/>
+          <a:ext cx="0" cy="0"/>
+          <a:chOff x="0" y="0"/>
+          <a:chExt cx="0" cy="0"/>
+        </a:xfrm>
+      </p:grpSpPr>
+      <p:sp>
+        <p:nvSpPr>
+          <p:cNvPr id="11266" name="Rectangle 2"/>
+          <p:cNvSpPr>
+            <a:spLocks noGrp="1" noChangeArrowheads="1"/>
+          </p:cNvSpPr>
+          <p:nvPr>
+            <p:ph type="title"/>
+            <p:custDataLst>
+              <p:tags r:id="rId1"/>
+            </p:custDataLst>
+          </p:nvPr>
+        </p:nvSpPr>
+        <p:spPr/>
+        <p:txBody>
+          <a:bodyPr/>
+          <a:lstStyle/>
+          <a:p>
+            <a:r>
+              <a:rPr lang="en-US"/>
+              <a:t>Dynamic Programming</a:t>
+            </a:r>
+          </a:p>
+        </p:txBody>
+      </p:sp>
+      <p:sp>
+        <p:nvSpPr>
+          <p:cNvPr id="5" name="Slide Number Placeholder 5"/>
+          <p:cNvSpPr>
+            <a:spLocks noGrp="1"/>
+          </p:cNvSpPr>
+          <p:nvPr>
+            <p:ph type="sldNum" sz="quarter" idx="12"/>
+          </p:nvPr>
+        </p:nvSpPr>
+        <p:spPr/>
+        <p:txBody>
+          <a:bodyPr/>
+          <a:lstStyle/>
+          <a:p>
+            <a:fld id="{EF8B601C-40A5-4EBE-89A3-D9D1DE14628D}" type="slidenum">
+              <a:rPr lang="en-US" smtClean="0"/>
+              <a:pPr/>
+              <a:t>19</a:t>
+            </a:fld>
+            <a:endParaRPr lang="en-US"/>
+          </a:p>
+        </p:txBody>
+      </p:sp>
+      <p:sp>
+        <p:nvSpPr>
+          <p:cNvPr id="11267" name="Rectangle 3"/>
+          <p:cNvSpPr>
+            <a:spLocks noGrp="1" noChangeArrowheads="1"/>
+          </p:cNvSpPr>
+          <p:nvPr>
+            <p:ph sz="quarter" idx="1"/>
+            <p:custDataLst>
+              <p:tags r:id="rId2"/>
+            </p:custDataLst>
+          </p:nvPr>
+        </p:nvSpPr>
+        <p:spPr/>
+        <p:txBody>
+          <a:bodyPr>
+            <a:normAutofit fontScale="92500" lnSpcReduction="20000"/>
+          </a:bodyPr>
+          <a:lstStyle/>
+          <a:p>
+            <a:r>
+              <a:rPr lang="en-US" dirty="0"/>
+              <a:t>Can work “bottom-up” or “top-down” (as seen with fib)</a:t>
+            </a:r>
+          </a:p>
+          <a:p>
+            <a:pPr lvl="1"/>
+            <a:r>
+              <a:rPr lang="en-US" dirty="0"/>
+              <a:t>Both techniques store answers to subproblems in memory and look them up when necessary.</a:t>
+            </a:r>
+          </a:p>
+          <a:p>
+            <a:r>
+              <a:rPr lang="en-US" dirty="0"/>
+              <a:t>Comparison to greedy approach</a:t>
+            </a:r>
+          </a:p>
+          <a:p>
+            <a:pPr lvl="1"/>
+            <a:r>
+              <a:rPr lang="en-US" dirty="0"/>
+              <a:t>Also requires optimal substructure</a:t>
+            </a:r>
+          </a:p>
+          <a:p>
+            <a:pPr lvl="1"/>
+            <a:r>
+              <a:rPr lang="en-US" dirty="0"/>
+              <a:t>But greedy makes choice first, then solves</a:t>
+            </a:r>
+          </a:p>
+          <a:p>
+            <a:pPr lvl="1"/>
+            <a:r>
+              <a:rPr lang="en-US" dirty="0"/>
+              <a:t>Greedy looks only at the current situation, not at a past ‘history’</a:t>
+            </a:r>
+          </a:p>
+          <a:p>
+            <a:r>
+              <a:rPr lang="en-US" dirty="0"/>
+              <a:t>DP is good when sub-problems overlap, when they’re not independent</a:t>
+            </a:r>
+          </a:p>
+          <a:p>
+            <a:pPr lvl="1"/>
+            <a:r>
+              <a:rPr lang="en-US" dirty="0"/>
+              <a:t>No need to repeat the calculation to solve them</a:t>
+            </a:r>
+          </a:p>
+          <a:p>
+            <a:pPr lvl="1"/>
+            <a:r>
+              <a:rPr lang="en-US" dirty="0"/>
+              <a:t>Dynamic programming has stored them, so doesn’t repeat the calculation</a:t>
+            </a:r>
+          </a:p>
+        </p:txBody>
+      </p:sp>
+    </p:spTree>
+    <p:extLst>
+      <p:ext uri="{BB962C8B-B14F-4D97-AF65-F5344CB8AC3E}">
+        <p14:creationId xmlns:p14="http://schemas.microsoft.com/office/powerpoint/2010/main" val="3153740051"/>
+      </p:ext>
+    </p:extLst>
+  </p:cSld>
+  <p:clrMapOvr>
+    <a:masterClrMapping/>
+  </p:clrMapOvr>
+</p:sld>
+</file>
+
+<file path=ppt/slides/slide2.xml><?xml version="1.0" encoding="utf-8"?>
+<p:sld xmlns:a="http://schemas.openxmlformats.org/drawingml/2006/main" xmlns:r="http://schemas.openxmlformats.org/officeDocument/2006/relationships" xmlns:p="http://schemas.openxmlformats.org/presentationml/2006/main">
+  <p:cSld>
+    <p:spTree>
+      <p:nvGrpSpPr>
+        <p:cNvPr id="1" name=""/>
+        <p:cNvGrpSpPr/>
+        <p:nvPr/>
+      </p:nvGrpSpPr>
+      <p:grpSpPr>
+        <a:xfrm>
+          <a:off x="0" y="0"/>
+          <a:ext cx="0" cy="0"/>
+          <a:chOff x="0" y="0"/>
+          <a:chExt cx="0" cy="0"/>
+        </a:xfrm>
+      </p:grpSpPr>
+      <p:sp>
+        <p:nvSpPr>
+          <p:cNvPr id="2" name="Title 1">
+            <a:extLst>
+              <a:ext uri="{FF2B5EF4-FFF2-40B4-BE49-F238E27FC236}">
+                <a16:creationId xmlns:a16="http://schemas.microsoft.com/office/drawing/2014/main" id="{3504958A-1B23-A64F-9249-F7943CB9F082}"/>
+              </a:ext>
+            </a:extLst>
+          </p:cNvPr>
+          <p:cNvSpPr>
+            <a:spLocks noGrp="1"/>
+          </p:cNvSpPr>
+          <p:nvPr>
+            <p:ph type="title"/>
+          </p:nvPr>
+        </p:nvSpPr>
+        <p:spPr/>
+        <p:txBody>
+          <a:bodyPr/>
+          <a:lstStyle/>
+          <a:p>
+            <a:r>
+              <a:rPr lang="en-US" dirty="0"/>
+              <a:t>Dynamic Programming and Greedy Approach</a:t>
+            </a:r>
+          </a:p>
+        </p:txBody>
+      </p:sp>
+      <p:sp>
+        <p:nvSpPr>
+          <p:cNvPr id="3" name="Content Placeholder 2">
+            <a:extLst>
+              <a:ext uri="{FF2B5EF4-FFF2-40B4-BE49-F238E27FC236}">
+                <a16:creationId xmlns:a16="http://schemas.microsoft.com/office/drawing/2014/main" id="{6EB3B5F3-60DB-794C-8A50-2C59D77FEA97}"/>
+              </a:ext>
+            </a:extLst>
+          </p:cNvPr>
+          <p:cNvSpPr>
+            <a:spLocks noGrp="1"/>
+          </p:cNvSpPr>
+          <p:nvPr>
+            <p:ph idx="1"/>
+          </p:nvPr>
+        </p:nvSpPr>
+        <p:spPr/>
+        <p:txBody>
+          <a:bodyPr/>
+          <a:lstStyle/>
+          <a:p>
+            <a:r>
+              <a:rPr lang="en-US" dirty="0"/>
+              <a:t>TOPICS:</a:t>
+            </a:r>
+          </a:p>
+          <a:p>
+            <a:pPr lvl="1"/>
+            <a:r>
+              <a:rPr lang="en-US" dirty="0"/>
+              <a:t>Intro to Dynamic Programming</a:t>
+            </a:r>
+          </a:p>
+          <a:p>
+            <a:pPr lvl="1"/>
+            <a:r>
+              <a:rPr lang="en-US" dirty="0" err="1"/>
+              <a:t>Memoization</a:t>
+            </a:r>
+            <a:endParaRPr lang="en-US" dirty="0"/>
+          </a:p>
+          <a:p>
+            <a:pPr lvl="1"/>
+            <a:r>
+              <a:rPr lang="en-US" dirty="0"/>
+              <a:t>Example DP Problem:</a:t>
+            </a:r>
+          </a:p>
+          <a:p>
+            <a:pPr lvl="2"/>
+            <a:r>
+              <a:rPr lang="en-US" dirty="0"/>
+              <a:t>Log Cutting</a:t>
+            </a:r>
+          </a:p>
+        </p:txBody>
+      </p:sp>
+      <p:sp>
+        <p:nvSpPr>
+          <p:cNvPr id="4" name="Slide Number Placeholder 3">
+            <a:extLst>
+              <a:ext uri="{FF2B5EF4-FFF2-40B4-BE49-F238E27FC236}">
+                <a16:creationId xmlns:a16="http://schemas.microsoft.com/office/drawing/2014/main" id="{C901E929-E141-4E40-B55C-8EF68A414389}"/>
+              </a:ext>
+            </a:extLst>
+          </p:cNvPr>
+          <p:cNvSpPr>
+            <a:spLocks noGrp="1"/>
+          </p:cNvSpPr>
+          <p:nvPr>
+            <p:ph type="sldNum" sz="quarter" idx="12"/>
+          </p:nvPr>
+        </p:nvSpPr>
+        <p:spPr/>
+        <p:txBody>
+          <a:bodyPr/>
+          <a:lstStyle/>
+          <a:p>
+            <a:fld id="{86BADE50-950A-4D58-BFB2-FA2C6A8B385D}" type="slidenum">
+              <a:rPr lang="en-US" smtClean="0"/>
+              <a:t>2</a:t>
+            </a:fld>
+            <a:endParaRPr lang="en-US"/>
+          </a:p>
+        </p:txBody>
+      </p:sp>
+    </p:spTree>
+    <p:extLst>
+      <p:ext uri="{BB962C8B-B14F-4D97-AF65-F5344CB8AC3E}">
+        <p14:creationId xmlns:p14="http://schemas.microsoft.com/office/powerpoint/2010/main" val="2896142691"/>
+      </p:ext>
+    </p:extLst>
+  </p:cSld>
+  <p:clrMapOvr>
+    <a:masterClrMapping/>
+  </p:clrMapOvr>
+</p:sld>
+</file>
+
+<file path=ppt/slides/slide20.xml><?xml version="1.0" encoding="utf-8"?>
+<p:sld xmlns:a="http://schemas.openxmlformats.org/drawingml/2006/main" xmlns:r="http://schemas.openxmlformats.org/officeDocument/2006/relationships" xmlns:p="http://schemas.openxmlformats.org/presentationml/2006/main">
+  <p:cSld>
+    <p:spTree>
+      <p:nvGrpSpPr>
+        <p:cNvPr id="1" name=""/>
+        <p:cNvGrpSpPr/>
+        <p:nvPr/>
+      </p:nvGrpSpPr>
+      <p:grpSpPr>
+        <a:xfrm>
+          <a:off x="0" y="0"/>
+          <a:ext cx="0" cy="0"/>
+          <a:chOff x="0" y="0"/>
+          <a:chExt cx="0" cy="0"/>
+        </a:xfrm>
+      </p:grpSpPr>
+      <p:sp>
+        <p:nvSpPr>
           <p:cNvPr id="2" name="Title 1"/>
           <p:cNvSpPr>
             <a:spLocks noGrp="1"/>
@@ -7522,7 +8515,7 @@
               <a:pPr>
                 <a:defRPr/>
               </a:pPr>
-              <a:t>18</a:t>
+              <a:t>20</a:t>
             </a:fld>
             <a:endParaRPr lang="en-US"/>
           </a:p>
@@ -7538,7 +8531,12 @@
             <p:ph sz="quarter" idx="1"/>
           </p:nvPr>
         </p:nvSpPr>
-        <p:spPr/>
+        <p:spPr>
+          <a:xfrm>
+            <a:off x="457200" y="1295400"/>
+            <a:ext cx="11506200" cy="5181600"/>
+          </a:xfrm>
+        </p:spPr>
         <p:txBody>
           <a:bodyPr>
             <a:normAutofit fontScale="77500" lnSpcReduction="20000"/>
@@ -7621,6 +8619,13 @@
             <a:r>
               <a:rPr lang="en-US" dirty="0"/>
               <a:t>Bottom-up: from smallest sub-problems, to next largest, …, to complete problem</a:t>
+            </a:r>
+          </a:p>
+          <a:p>
+            <a:pPr marL="914400" lvl="1" indent="-514350"/>
+            <a:r>
+              <a:rPr lang="en-US" dirty="0"/>
+              <a:t>Or top-down: implement recursively and store solutions as you go.</a:t>
             </a:r>
           </a:p>
         </p:txBody>
@@ -7926,6 +8931,37 @@
                                   </p:childTnLst>
                                 </p:cTn>
                               </p:par>
+                              <p:par>
+                                <p:cTn id="25" presetID="1" presetClass="entr" presetSubtype="0" fill="hold" grpId="0" nodeType="withEffect">
+                                  <p:stCondLst>
+                                    <p:cond delay="0"/>
+                                  </p:stCondLst>
+                                  <p:childTnLst>
+                                    <p:set>
+                                      <p:cBhvr>
+                                        <p:cTn id="26" dur="1" fill="hold">
+                                          <p:stCondLst>
+                                            <p:cond delay="0"/>
+                                          </p:stCondLst>
+                                        </p:cTn>
+                                        <p:tgtEl>
+                                          <p:spTgt spid="4">
+                                            <p:txEl>
+                                              <p:pRg st="9" end="9"/>
+                                            </p:txEl>
+                                          </p:spTgt>
+                                        </p:tgtEl>
+                                        <p:attrNameLst>
+                                          <p:attrName>style.visibility</p:attrName>
+                                        </p:attrNameLst>
+                                      </p:cBhvr>
+                                      <p:to>
+                                        <p:strVal val="visible"/>
+                                      </p:to>
+                                    </p:set>
+                                  </p:childTnLst>
+                                </p:cTn>
+                              </p:par>
                             </p:childTnLst>
                           </p:cTn>
                         </p:par>
@@ -7960,7 +8996,7 @@
 </p:sld>
 </file>
 
-<file path=ppt/slides/slide19.xml><?xml version="1.0" encoding="utf-8"?>
+<file path=ppt/slides/slide21.xml><?xml version="1.0" encoding="utf-8"?>
 <p:sld xmlns:a="http://schemas.openxmlformats.org/drawingml/2006/main" xmlns:r="http://schemas.openxmlformats.org/officeDocument/2006/relationships" xmlns:p="http://schemas.openxmlformats.org/presentationml/2006/main">
   <p:cSld>
     <p:spTree>
@@ -8020,7 +9056,7 @@
             <a:fld id="{9DAA8F13-1787-4E0C-A286-F9FD3A55C766}" type="slidenum">
               <a:rPr lang="en-US" smtClean="0"/>
               <a:pPr/>
-              <a:t>19</a:t>
+              <a:t>21</a:t>
             </a:fld>
             <a:endParaRPr lang="en-US"/>
           </a:p>
@@ -8137,7 +9173,7 @@
 </p:sld>
 </file>
 
-<file path=ppt/slides/slide2.xml><?xml version="1.0" encoding="utf-8"?>
+<file path=ppt/slides/slide22.xml><?xml version="1.0" encoding="utf-8"?>
 <p:sld xmlns:a="http://schemas.openxmlformats.org/drawingml/2006/main" xmlns:r="http://schemas.openxmlformats.org/officeDocument/2006/relationships" xmlns:p="http://schemas.openxmlformats.org/presentationml/2006/main">
   <p:cSld>
     <p:spTree>
@@ -8156,150 +9192,6 @@
       </p:grpSpPr>
       <p:sp>
         <p:nvSpPr>
-          <p:cNvPr id="2" name="Title 1">
-            <a:extLst>
-              <a:ext uri="{FF2B5EF4-FFF2-40B4-BE49-F238E27FC236}">
-                <a16:creationId xmlns:a16="http://schemas.microsoft.com/office/drawing/2014/main" id="{3504958A-1B23-A64F-9249-F7943CB9F082}"/>
-              </a:ext>
-            </a:extLst>
-          </p:cNvPr>
-          <p:cNvSpPr>
-            <a:spLocks noGrp="1"/>
-          </p:cNvSpPr>
-          <p:nvPr>
-            <p:ph type="title"/>
-          </p:nvPr>
-        </p:nvSpPr>
-        <p:spPr/>
-        <p:txBody>
-          <a:bodyPr/>
-          <a:lstStyle/>
-          <a:p>
-            <a:r>
-              <a:rPr lang="en-US" dirty="0"/>
-              <a:t>Dynamic Programming and Greedy Approach</a:t>
-            </a:r>
-          </a:p>
-        </p:txBody>
-      </p:sp>
-      <p:sp>
-        <p:nvSpPr>
-          <p:cNvPr id="3" name="Content Placeholder 2">
-            <a:extLst>
-              <a:ext uri="{FF2B5EF4-FFF2-40B4-BE49-F238E27FC236}">
-                <a16:creationId xmlns:a16="http://schemas.microsoft.com/office/drawing/2014/main" id="{6EB3B5F3-60DB-794C-8A50-2C59D77FEA97}"/>
-              </a:ext>
-            </a:extLst>
-          </p:cNvPr>
-          <p:cNvSpPr>
-            <a:spLocks noGrp="1"/>
-          </p:cNvSpPr>
-          <p:nvPr>
-            <p:ph idx="1"/>
-          </p:nvPr>
-        </p:nvSpPr>
-        <p:spPr/>
-        <p:txBody>
-          <a:bodyPr/>
-          <a:lstStyle/>
-          <a:p>
-            <a:r>
-              <a:rPr lang="en-US" dirty="0"/>
-              <a:t>TOPICS:</a:t>
-            </a:r>
-          </a:p>
-          <a:p>
-            <a:pPr lvl="1"/>
-            <a:r>
-              <a:rPr lang="en-US" dirty="0"/>
-              <a:t>Intro to Dynamic Programming</a:t>
-            </a:r>
-          </a:p>
-          <a:p>
-            <a:pPr lvl="1"/>
-            <a:r>
-              <a:rPr lang="en-US" dirty="0" err="1"/>
-              <a:t>Memoization</a:t>
-            </a:r>
-            <a:endParaRPr lang="en-US" dirty="0"/>
-          </a:p>
-          <a:p>
-            <a:pPr lvl="1"/>
-            <a:r>
-              <a:rPr lang="en-US" dirty="0"/>
-              <a:t>Example DP Problem:</a:t>
-            </a:r>
-          </a:p>
-          <a:p>
-            <a:pPr lvl="2"/>
-            <a:r>
-              <a:rPr lang="en-US" dirty="0"/>
-              <a:t>Log Cutting</a:t>
-            </a:r>
-          </a:p>
-        </p:txBody>
-      </p:sp>
-      <p:sp>
-        <p:nvSpPr>
-          <p:cNvPr id="4" name="Slide Number Placeholder 3">
-            <a:extLst>
-              <a:ext uri="{FF2B5EF4-FFF2-40B4-BE49-F238E27FC236}">
-                <a16:creationId xmlns:a16="http://schemas.microsoft.com/office/drawing/2014/main" id="{C901E929-E141-4E40-B55C-8EF68A414389}"/>
-              </a:ext>
-            </a:extLst>
-          </p:cNvPr>
-          <p:cNvSpPr>
-            <a:spLocks noGrp="1"/>
-          </p:cNvSpPr>
-          <p:nvPr>
-            <p:ph type="sldNum" sz="quarter" idx="12"/>
-          </p:nvPr>
-        </p:nvSpPr>
-        <p:spPr/>
-        <p:txBody>
-          <a:bodyPr/>
-          <a:lstStyle/>
-          <a:p>
-            <a:fld id="{86BADE50-950A-4D58-BFB2-FA2C6A8B385D}" type="slidenum">
-              <a:rPr lang="en-US" smtClean="0"/>
-              <a:t>2</a:t>
-            </a:fld>
-            <a:endParaRPr lang="en-US"/>
-          </a:p>
-        </p:txBody>
-      </p:sp>
-    </p:spTree>
-    <p:extLst>
-      <p:ext uri="{BB962C8B-B14F-4D97-AF65-F5344CB8AC3E}">
-        <p14:creationId xmlns:p14="http://schemas.microsoft.com/office/powerpoint/2010/main" val="2896142691"/>
-      </p:ext>
-    </p:extLst>
-  </p:cSld>
-  <p:clrMapOvr>
-    <a:masterClrMapping/>
-  </p:clrMapOvr>
-</p:sld>
-</file>
-
-<file path=ppt/slides/slide20.xml><?xml version="1.0" encoding="utf-8"?>
-<p:sld xmlns:a="http://schemas.openxmlformats.org/drawingml/2006/main" xmlns:r="http://schemas.openxmlformats.org/officeDocument/2006/relationships" xmlns:p="http://schemas.openxmlformats.org/presentationml/2006/main">
-  <p:cSld>
-    <p:spTree>
-      <p:nvGrpSpPr>
-        <p:cNvPr id="1" name=""/>
-        <p:cNvGrpSpPr/>
-        <p:nvPr/>
-      </p:nvGrpSpPr>
-      <p:grpSpPr>
-        <a:xfrm>
-          <a:off x="0" y="0"/>
-          <a:ext cx="0" cy="0"/>
-          <a:chOff x="0" y="0"/>
-          <a:chExt cx="0" cy="0"/>
-        </a:xfrm>
-      </p:grpSpPr>
-      <p:sp>
-        <p:nvSpPr>
           <p:cNvPr id="2" name="Title 1"/>
           <p:cNvSpPr>
             <a:spLocks noGrp="1"/>
@@ -8337,7 +9229,7 @@
           <a:p>
             <a:fld id="{86BADE50-950A-4D58-BFB2-FA2C6A8B385D}" type="slidenum">
               <a:rPr lang="en-US" smtClean="0"/>
-              <a:t>20</a:t>
+              <a:t>22</a:t>
             </a:fld>
             <a:endParaRPr lang="en-US" dirty="0"/>
           </a:p>
@@ -10089,7 +10981,7 @@
 </p:sld>
 </file>
 
-<file path=ppt/slides/slide21.xml><?xml version="1.0" encoding="utf-8"?>
+<file path=ppt/slides/slide23.xml><?xml version="1.0" encoding="utf-8"?>
 <p:sld xmlns:a="http://schemas.openxmlformats.org/drawingml/2006/main" xmlns:r="http://schemas.openxmlformats.org/officeDocument/2006/relationships" xmlns:p="http://schemas.openxmlformats.org/presentationml/2006/main">
   <p:cSld>
     <p:spTree>
@@ -10300,7 +11192,7 @@
           <a:p>
             <a:fld id="{86BADE50-950A-4D58-BFB2-FA2C6A8B385D}" type="slidenum">
               <a:rPr lang="en-US" smtClean="0"/>
-              <a:t>21</a:t>
+              <a:t>23</a:t>
             </a:fld>
             <a:endParaRPr lang="en-US"/>
           </a:p>
@@ -10319,7 +11211,7 @@
 </p:sld>
 </file>
 
-<file path=ppt/slides/slide22.xml><?xml version="1.0" encoding="utf-8"?>
+<file path=ppt/slides/slide24.xml><?xml version="1.0" encoding="utf-8"?>
 <p:sld xmlns:a="http://schemas.openxmlformats.org/drawingml/2006/main" xmlns:r="http://schemas.openxmlformats.org/officeDocument/2006/relationships" xmlns:p="http://schemas.openxmlformats.org/presentationml/2006/main">
   <p:cSld>
     <p:spTree>
@@ -10377,7 +11269,7 @@
           <a:p>
             <a:fld id="{86BADE50-950A-4D58-BFB2-FA2C6A8B385D}" type="slidenum">
               <a:rPr lang="en-US" smtClean="0"/>
-              <a:t>22</a:t>
+              <a:t>24</a:t>
             </a:fld>
             <a:endParaRPr lang="en-US"/>
           </a:p>
@@ -12411,7 +13303,7 @@
 </p:sld>
 </file>
 
-<file path=ppt/slides/slide23.xml><?xml version="1.0" encoding="utf-8"?>
+<file path=ppt/slides/slide25.xml><?xml version="1.0" encoding="utf-8"?>
 <p:sld xmlns:a="http://schemas.openxmlformats.org/drawingml/2006/main" xmlns:r="http://schemas.openxmlformats.org/officeDocument/2006/relationships" xmlns:p="http://schemas.openxmlformats.org/presentationml/2006/main">
   <p:cSld>
     <p:spTree>
@@ -12622,7 +13514,7 @@
           <a:p>
             <a:fld id="{86BADE50-950A-4D58-BFB2-FA2C6A8B385D}" type="slidenum">
               <a:rPr lang="en-US" smtClean="0"/>
-              <a:t>23</a:t>
+              <a:t>25</a:t>
             </a:fld>
             <a:endParaRPr lang="en-US"/>
           </a:p>
@@ -12641,7 +13533,7 @@
 </p:sld>
 </file>
 
-<file path=ppt/slides/slide24.xml><?xml version="1.0" encoding="utf-8"?>
+<file path=ppt/slides/slide26.xml><?xml version="1.0" encoding="utf-8"?>
 <p:sld xmlns:a="http://schemas.openxmlformats.org/drawingml/2006/main" xmlns:r="http://schemas.openxmlformats.org/officeDocument/2006/relationships" xmlns:p="http://schemas.openxmlformats.org/presentationml/2006/main">
   <p:cSld>
     <p:spTree>
@@ -12704,7 +13596,7 @@
           <a:p>
             <a:fld id="{86BADE50-950A-4D58-BFB2-FA2C6A8B385D}" type="slidenum">
               <a:rPr lang="en-US" smtClean="0"/>
-              <a:t>24</a:t>
+              <a:t>26</a:t>
             </a:fld>
             <a:endParaRPr lang="en-US"/>
           </a:p>
@@ -14030,7 +14922,7 @@
 </p:sld>
 </file>
 
-<file path=ppt/slides/slide25.xml><?xml version="1.0" encoding="utf-8"?>
+<file path=ppt/slides/slide27.xml><?xml version="1.0" encoding="utf-8"?>
 <p:sld xmlns:a="http://schemas.openxmlformats.org/drawingml/2006/main" xmlns:r="http://schemas.openxmlformats.org/officeDocument/2006/relationships" xmlns:p="http://schemas.openxmlformats.org/presentationml/2006/main">
   <p:cSld>
     <p:spTree>
@@ -14093,7 +14985,7 @@
           <a:p>
             <a:fld id="{86BADE50-950A-4D58-BFB2-FA2C6A8B385D}" type="slidenum">
               <a:rPr lang="en-US" smtClean="0"/>
-              <a:t>25</a:t>
+              <a:t>27</a:t>
             </a:fld>
             <a:endParaRPr lang="en-US"/>
           </a:p>
@@ -16690,7 +17582,7 @@
 </p:sld>
 </file>
 
-<file path=ppt/slides/slide26.xml><?xml version="1.0" encoding="utf-8"?>
+<file path=ppt/slides/slide28.xml><?xml version="1.0" encoding="utf-8"?>
 <p:sld xmlns:a="http://schemas.openxmlformats.org/drawingml/2006/main" xmlns:r="http://schemas.openxmlformats.org/officeDocument/2006/relationships" xmlns:p="http://schemas.openxmlformats.org/presentationml/2006/main">
   <p:cSld>
     <p:spTree>
@@ -16753,7 +17645,7 @@
           <a:p>
             <a:fld id="{86BADE50-950A-4D58-BFB2-FA2C6A8B385D}" type="slidenum">
               <a:rPr lang="en-US" smtClean="0"/>
-              <a:t>26</a:t>
+              <a:t>28</a:t>
             </a:fld>
             <a:endParaRPr lang="en-US"/>
           </a:p>
@@ -19494,6 +20386,38 @@
           </p:txBody>
         </p:sp>
       </p:grpSp>
+      <p:sp>
+        <p:nvSpPr>
+          <p:cNvPr id="5" name="TextBox 4">
+            <a:extLst>
+              <a:ext uri="{FF2B5EF4-FFF2-40B4-BE49-F238E27FC236}">
+                <a16:creationId xmlns:a16="http://schemas.microsoft.com/office/drawing/2014/main" id="{E7EC46F6-C1F4-2F4E-A74B-7D011FC0DC82}"/>
+              </a:ext>
+            </a:extLst>
+          </p:cNvPr>
+          <p:cNvSpPr txBox="1"/>
+          <p:nvPr/>
+        </p:nvSpPr>
+        <p:spPr>
+          <a:xfrm>
+            <a:off x="3648808" y="4185138"/>
+            <a:ext cx="184731" cy="369332"/>
+          </a:xfrm>
+          <a:prstGeom prst="rect">
+            <a:avLst/>
+          </a:prstGeom>
+          <a:noFill/>
+        </p:spPr>
+        <p:txBody>
+          <a:bodyPr wrap="none" rtlCol="0">
+            <a:spAutoFit/>
+          </a:bodyPr>
+          <a:lstStyle/>
+          <a:p>
+            <a:endParaRPr lang="en-US" dirty="0"/>
+          </a:p>
+        </p:txBody>
+      </p:sp>
     </p:spTree>
     <p:extLst>
       <p:ext uri="{BB962C8B-B14F-4D97-AF65-F5344CB8AC3E}">
@@ -19593,7 +20517,7 @@
 </p:sld>
 </file>
 
-<file path=ppt/slides/slide27.xml><?xml version="1.0" encoding="utf-8"?>
+<file path=ppt/slides/slide29.xml><?xml version="1.0" encoding="utf-8"?>
 <p:sld xmlns:a="http://schemas.openxmlformats.org/drawingml/2006/main" xmlns:r="http://schemas.openxmlformats.org/officeDocument/2006/relationships" xmlns:p="http://schemas.openxmlformats.org/presentationml/2006/main">
   <p:cSld>
     <p:spTree>
@@ -19656,7 +20580,7 @@
           <a:p>
             <a:fld id="{86BADE50-950A-4D58-BFB2-FA2C6A8B385D}" type="slidenum">
               <a:rPr lang="en-US" smtClean="0"/>
-              <a:t>27</a:t>
+              <a:t>29</a:t>
             </a:fld>
             <a:endParaRPr lang="en-US"/>
           </a:p>
@@ -22566,7 +23490,7 @@
 </p:sld>
 </file>
 
-<file path=ppt/slides/slide28.xml><?xml version="1.0" encoding="utf-8"?>
+<file path=ppt/slides/slide3.xml><?xml version="1.0" encoding="utf-8"?>
 <p:sld xmlns:a="http://schemas.openxmlformats.org/drawingml/2006/main" xmlns:r="http://schemas.openxmlformats.org/officeDocument/2006/relationships" xmlns:p="http://schemas.openxmlformats.org/presentationml/2006/main">
   <p:cSld>
     <p:spTree>
@@ -22596,22 +23520,236 @@
         <p:spPr/>
         <p:txBody>
           <a:bodyPr>
-            <a:normAutofit fontScale="90000"/>
+            <a:noAutofit/>
           </a:bodyPr>
           <a:lstStyle/>
           <a:p>
             <a:r>
-              <a:rPr lang="en-US" dirty="0"/>
-              <a:t>3. Select a Good Order for Solving </a:t>
-            </a:r>
-            <a:r>
-              <a:rPr lang="en-US" dirty="0" err="1"/>
-              <a:t>Subproblems</a:t>
-            </a:r>
-            <a:endParaRPr lang="en-US" dirty="0"/>
-          </a:p>
-        </p:txBody>
-      </p:sp>
+              <a:rPr lang="en-US" sz="3200" dirty="0"/>
+              <a:t>Motivating Example</a:t>
+            </a:r>
+          </a:p>
+        </p:txBody>
+      </p:sp>
+      <mc:AlternateContent xmlns:mc="http://schemas.openxmlformats.org/markup-compatibility/2006" xmlns:a14="http://schemas.microsoft.com/office/drawing/2010/main">
+        <mc:Choice Requires="a14">
+          <p:sp>
+            <p:nvSpPr>
+              <p:cNvPr id="3" name="Content Placeholder 2"/>
+              <p:cNvSpPr>
+                <a:spLocks noGrp="1"/>
+              </p:cNvSpPr>
+              <p:nvPr>
+                <p:ph idx="1"/>
+              </p:nvPr>
+            </p:nvSpPr>
+            <p:spPr>
+              <a:xfrm>
+                <a:off x="1981200" y="4905944"/>
+                <a:ext cx="8229600" cy="1410460"/>
+              </a:xfrm>
+            </p:spPr>
+            <p:txBody>
+              <a:bodyPr>
+                <a:noAutofit/>
+              </a:bodyPr>
+              <a:lstStyle/>
+              <a:p>
+                <a:r>
+                  <a:rPr lang="en-US" sz="2400" i="1" dirty="0"/>
+                  <a:t>r</a:t>
+                </a:r>
+                <a:r>
+                  <a:rPr lang="en-US" sz="2400" i="1" baseline="-25000" dirty="0"/>
+                  <a:t>1</a:t>
+                </a:r>
+                <a14:m>
+                  <m:oMath xmlns:m="http://schemas.openxmlformats.org/officeDocument/2006/math">
+                    <m:r>
+                      <a:rPr lang="en-US" sz="2400" i="1">
+                        <a:latin typeface="Cambria Math"/>
+                      </a:rPr>
+                      <m:t>⋅</m:t>
+                    </m:r>
+                  </m:oMath>
+                </a14:m>
+                <a:r>
+                  <a:rPr lang="en-US" sz="2400" i="1" dirty="0"/>
+                  <a:t>c</a:t>
+                </a:r>
+                <a:r>
+                  <a:rPr lang="en-US" sz="2400" i="1" baseline="-25000" dirty="0"/>
+                  <a:t>2</a:t>
+                </a:r>
+                <a:r>
+                  <a:rPr lang="en-US" sz="2400" i="1" dirty="0"/>
+                  <a:t> </a:t>
+                </a:r>
+                <a:r>
+                  <a:rPr lang="en-US" sz="2400" dirty="0"/>
+                  <a:t>elements in the result that we need to compute</a:t>
+                </a:r>
+              </a:p>
+              <a:p>
+                <a:r>
+                  <a:rPr lang="en-US" sz="2400" i="1" dirty="0"/>
+                  <a:t>c</a:t>
+                </a:r>
+                <a:r>
+                  <a:rPr lang="en-US" sz="2400" i="1" baseline="-25000" dirty="0"/>
+                  <a:t>1</a:t>
+                </a:r>
+                <a:r>
+                  <a:rPr lang="en-US" sz="2400" dirty="0"/>
+                  <a:t> scalar multiplications per element in result</a:t>
+                </a:r>
+              </a:p>
+              <a:p>
+                <a:r>
+                  <a:rPr lang="en-US" sz="2400" dirty="0"/>
+                  <a:t>Total cost: </a:t>
+                </a:r>
+                <a:r>
+                  <a:rPr lang="en-US" sz="2400" i="1" dirty="0"/>
+                  <a:t>r</a:t>
+                </a:r>
+                <a:r>
+                  <a:rPr lang="en-US" sz="2400" i="1" baseline="-25000" dirty="0"/>
+                  <a:t>1</a:t>
+                </a:r>
+                <a14:m>
+                  <m:oMath xmlns:m="http://schemas.openxmlformats.org/officeDocument/2006/math">
+                    <m:r>
+                      <a:rPr lang="en-US" sz="2400" b="0" i="1" smtClean="0">
+                        <a:latin typeface="Cambria Math"/>
+                      </a:rPr>
+                      <m:t>⋅</m:t>
+                    </m:r>
+                    <m:r>
+                      <a:rPr lang="en-US" sz="2400" b="0" i="1" smtClean="0">
+                        <a:latin typeface="Cambria Math" panose="02040503050406030204" pitchFamily="18" charset="0"/>
+                      </a:rPr>
+                      <m:t>𝑐</m:t>
+                    </m:r>
+                    <m:r>
+                      <a:rPr lang="en-US" sz="2400" b="0" i="1" baseline="-25000" smtClean="0">
+                        <a:latin typeface="Cambria Math" panose="02040503050406030204" pitchFamily="18" charset="0"/>
+                      </a:rPr>
+                      <m:t>1</m:t>
+                    </m:r>
+                    <m:r>
+                      <a:rPr lang="en-US" sz="2400" b="0" i="1" smtClean="0">
+                        <a:latin typeface="Cambria Math"/>
+                      </a:rPr>
+                      <m:t>⋅</m:t>
+                    </m:r>
+                    <m:r>
+                      <a:rPr lang="en-US" sz="2400" b="0" i="1" smtClean="0">
+                        <a:latin typeface="Cambria Math" panose="02040503050406030204" pitchFamily="18" charset="0"/>
+                      </a:rPr>
+                      <m:t>𝑐</m:t>
+                    </m:r>
+                    <m:r>
+                      <a:rPr lang="en-US" sz="2400" b="0" i="1" baseline="-25000" smtClean="0">
+                        <a:latin typeface="Cambria Math" panose="02040503050406030204" pitchFamily="18" charset="0"/>
+                      </a:rPr>
+                      <m:t>2</m:t>
+                    </m:r>
+                  </m:oMath>
+                </a14:m>
+                <a:endParaRPr lang="en-US" sz="2400" baseline="-25000" dirty="0"/>
+              </a:p>
+              <a:p>
+                <a:r>
+                  <a:rPr lang="en-US" sz="2400" dirty="0"/>
+                  <a:t>So the answer is…  (</a:t>
+                </a:r>
+                <a14:m>
+                  <m:oMath xmlns:m="http://schemas.openxmlformats.org/officeDocument/2006/math">
+                    <m:r>
+                      <a:rPr lang="en-US" sz="2400" i="1">
+                        <a:latin typeface="Cambria Math" panose="02040503050406030204" pitchFamily="18" charset="0"/>
+                      </a:rPr>
+                      <m:t>3</m:t>
+                    </m:r>
+                    <m:r>
+                      <a:rPr lang="en-US" sz="2400" i="1">
+                        <a:latin typeface="Cambria Math"/>
+                      </a:rPr>
+                      <m:t>⋅</m:t>
+                    </m:r>
+                    <m:r>
+                      <a:rPr lang="en-US" sz="2400" i="1">
+                        <a:latin typeface="Cambria Math" panose="02040503050406030204" pitchFamily="18" charset="0"/>
+                      </a:rPr>
+                      <m:t>2</m:t>
+                    </m:r>
+                    <m:r>
+                      <a:rPr lang="en-US" sz="2400" i="1">
+                        <a:latin typeface="Cambria Math"/>
+                      </a:rPr>
+                      <m:t>⋅</m:t>
+                    </m:r>
+                    <m:r>
+                      <a:rPr lang="en-US" sz="2400" i="1">
+                        <a:latin typeface="Cambria Math" panose="02040503050406030204" pitchFamily="18" charset="0"/>
+                      </a:rPr>
+                      <m:t>5)=</m:t>
+                    </m:r>
+                    <m:r>
+                      <a:rPr lang="en-US" sz="2400" b="0" i="1" smtClean="0">
+                        <a:latin typeface="Cambria Math" panose="02040503050406030204" pitchFamily="18" charset="0"/>
+                      </a:rPr>
+                      <m:t>30</m:t>
+                    </m:r>
+                  </m:oMath>
+                </a14:m>
+                <a:endParaRPr lang="en-US" sz="2400" dirty="0"/>
+              </a:p>
+              <a:p>
+                <a:endParaRPr lang="en-US" sz="2400" dirty="0"/>
+              </a:p>
+            </p:txBody>
+          </p:sp>
+        </mc:Choice>
+        <mc:Fallback xmlns="">
+          <p:sp>
+            <p:nvSpPr>
+              <p:cNvPr id="3" name="Content Placeholder 2"/>
+              <p:cNvSpPr>
+                <a:spLocks noGrp="1" noRot="1" noChangeAspect="1" noMove="1" noResize="1" noEditPoints="1" noAdjustHandles="1" noChangeArrowheads="1" noChangeShapeType="1" noTextEdit="1"/>
+              </p:cNvSpPr>
+              <p:nvPr>
+                <p:ph idx="1"/>
+              </p:nvPr>
+            </p:nvSpPr>
+            <p:spPr>
+              <a:xfrm>
+                <a:off x="1981200" y="4905944"/>
+                <a:ext cx="8229600" cy="1410460"/>
+              </a:xfrm>
+              <a:blipFill>
+                <a:blip r:embed="rId2"/>
+                <a:stretch>
+                  <a:fillRect l="-1079" t="-31250" b="-6250"/>
+                </a:stretch>
+              </a:blipFill>
+            </p:spPr>
+            <p:txBody>
+              <a:bodyPr/>
+              <a:lstStyle/>
+              <a:p>
+                <a:r>
+                  <a:rPr lang="en-US">
+                    <a:noFill/>
+                  </a:rPr>
+                  <a:t> </a:t>
+                </a:r>
+              </a:p>
+            </p:txBody>
+          </p:sp>
+        </mc:Fallback>
+      </mc:AlternateContent>
       <p:sp>
         <p:nvSpPr>
           <p:cNvPr id="4" name="Slide Number Placeholder 3"/>
@@ -22629,7 +23767,1284 @@
           <a:p>
             <a:fld id="{86BADE50-950A-4D58-BFB2-FA2C6A8B385D}" type="slidenum">
               <a:rPr lang="en-US" smtClean="0"/>
-              <a:t>28</a:t>
+              <a:t>3</a:t>
+            </a:fld>
+            <a:endParaRPr lang="en-US"/>
+          </a:p>
+        </p:txBody>
+      </p:sp>
+      <p:sp>
+        <p:nvSpPr>
+          <p:cNvPr id="5" name="Rectangle 4"/>
+          <p:cNvSpPr/>
+          <p:nvPr/>
+        </p:nvSpPr>
+        <p:spPr>
+          <a:xfrm rot="5400000">
+            <a:off x="5765122" y="2792138"/>
+            <a:ext cx="529979" cy="1350976"/>
+          </a:xfrm>
+          <a:prstGeom prst="rect">
+            <a:avLst/>
+          </a:prstGeom>
+        </p:spPr>
+        <p:style>
+          <a:lnRef idx="2">
+            <a:schemeClr val="accent1">
+              <a:shade val="50000"/>
+            </a:schemeClr>
+          </a:lnRef>
+          <a:fillRef idx="1">
+            <a:schemeClr val="accent1"/>
+          </a:fillRef>
+          <a:effectRef idx="0">
+            <a:schemeClr val="accent1"/>
+          </a:effectRef>
+          <a:fontRef idx="minor">
+            <a:schemeClr val="lt1"/>
+          </a:fontRef>
+        </p:style>
+        <p:txBody>
+          <a:bodyPr rtlCol="0" anchor="ctr"/>
+          <a:lstStyle/>
+          <a:p>
+            <a:pPr algn="ctr"/>
+            <a:endParaRPr lang="en-US"/>
+          </a:p>
+        </p:txBody>
+      </p:sp>
+      <p:sp>
+        <p:nvSpPr>
+          <p:cNvPr id="6" name="Rectangle 5"/>
+          <p:cNvSpPr/>
+          <p:nvPr/>
+        </p:nvSpPr>
+        <p:spPr>
+          <a:xfrm>
+            <a:off x="7869224" y="3045639"/>
+            <a:ext cx="1350976" cy="914400"/>
+          </a:xfrm>
+          <a:prstGeom prst="rect">
+            <a:avLst/>
+          </a:prstGeom>
+        </p:spPr>
+        <p:style>
+          <a:lnRef idx="2">
+            <a:schemeClr val="accent1">
+              <a:shade val="50000"/>
+            </a:schemeClr>
+          </a:lnRef>
+          <a:fillRef idx="1">
+            <a:schemeClr val="accent1"/>
+          </a:fillRef>
+          <a:effectRef idx="0">
+            <a:schemeClr val="accent1"/>
+          </a:effectRef>
+          <a:fontRef idx="minor">
+            <a:schemeClr val="lt1"/>
+          </a:fontRef>
+        </p:style>
+        <p:txBody>
+          <a:bodyPr rtlCol="0" anchor="ctr"/>
+          <a:lstStyle/>
+          <a:p>
+            <a:pPr algn="ctr"/>
+            <a:endParaRPr lang="en-US" dirty="0"/>
+          </a:p>
+        </p:txBody>
+      </p:sp>
+      <p:grpSp>
+        <p:nvGrpSpPr>
+          <p:cNvPr id="7" name="Group 6"/>
+          <p:cNvGrpSpPr/>
+          <p:nvPr/>
+        </p:nvGrpSpPr>
+        <p:grpSpPr>
+          <a:xfrm>
+            <a:off x="2357185" y="2497433"/>
+            <a:ext cx="1732629" cy="1422660"/>
+            <a:chOff x="-462215" y="1485585"/>
+            <a:chExt cx="1732629" cy="1422660"/>
+          </a:xfrm>
+        </p:grpSpPr>
+        <p:sp>
+          <p:nvSpPr>
+            <p:cNvPr id="8" name="Rectangle 7"/>
+            <p:cNvSpPr/>
+            <p:nvPr/>
+          </p:nvSpPr>
+          <p:spPr>
+            <a:xfrm>
+              <a:off x="508123" y="1993845"/>
+              <a:ext cx="621259" cy="914400"/>
+            </a:xfrm>
+            <a:prstGeom prst="rect">
+              <a:avLst/>
+            </a:prstGeom>
+          </p:spPr>
+          <p:style>
+            <a:lnRef idx="2">
+              <a:schemeClr val="accent1">
+                <a:shade val="50000"/>
+              </a:schemeClr>
+            </a:lnRef>
+            <a:fillRef idx="1">
+              <a:schemeClr val="accent1"/>
+            </a:fillRef>
+            <a:effectRef idx="0">
+              <a:schemeClr val="accent1"/>
+            </a:effectRef>
+            <a:fontRef idx="minor">
+              <a:schemeClr val="lt1"/>
+            </a:fontRef>
+          </p:style>
+          <p:txBody>
+            <a:bodyPr rtlCol="0" anchor="ctr"/>
+            <a:lstStyle/>
+            <a:p>
+              <a:pPr algn="ctr"/>
+              <a:endParaRPr lang="en-US" dirty="0"/>
+            </a:p>
+          </p:txBody>
+        </p:sp>
+        <mc:AlternateContent xmlns:mc="http://schemas.openxmlformats.org/markup-compatibility/2006" xmlns:a14="http://schemas.microsoft.com/office/drawing/2010/main">
+          <mc:Choice Requires="a14">
+            <p:sp>
+              <p:nvSpPr>
+                <p:cNvPr id="9" name="TextBox 8"/>
+                <p:cNvSpPr txBox="1"/>
+                <p:nvPr/>
+              </p:nvSpPr>
+              <p:spPr>
+                <a:xfrm>
+                  <a:off x="-462215" y="2260158"/>
+                  <a:ext cx="957427" cy="461665"/>
+                </a:xfrm>
+                <a:prstGeom prst="rect">
+                  <a:avLst/>
+                </a:prstGeom>
+                <a:noFill/>
+              </p:spPr>
+              <p:txBody>
+                <a:bodyPr wrap="square" rtlCol="0">
+                  <a:spAutoFit/>
+                </a:bodyPr>
+                <a:lstStyle/>
+                <a:p>
+                  <a:r>
+                    <a:rPr lang="en-US" sz="2400" b="0" dirty="0"/>
+                    <a:t>r</a:t>
+                  </a:r>
+                  <a:r>
+                    <a:rPr lang="en-US" sz="2400" b="0" baseline="-25000" dirty="0"/>
+                    <a:t>1</a:t>
+                  </a:r>
+                  <a:r>
+                    <a:rPr lang="en-US" sz="2400" b="0" dirty="0"/>
+                    <a:t>=</a:t>
+                  </a:r>
+                  <a14:m>
+                    <m:oMath xmlns:m="http://schemas.openxmlformats.org/officeDocument/2006/math">
+                      <m:r>
+                        <a:rPr lang="en-US" sz="2400" b="0" i="1" smtClean="0">
+                          <a:latin typeface="Cambria Math" panose="02040503050406030204" pitchFamily="18" charset="0"/>
+                        </a:rPr>
+                        <m:t>3</m:t>
+                      </m:r>
+                    </m:oMath>
+                  </a14:m>
+                  <a:endParaRPr lang="en-US" sz="2400" dirty="0"/>
+                </a:p>
+              </p:txBody>
+            </p:sp>
+          </mc:Choice>
+          <mc:Fallback xmlns="">
+            <p:sp>
+              <p:nvSpPr>
+                <p:cNvPr id="9" name="TextBox 8"/>
+                <p:cNvSpPr txBox="1">
+                  <a:spLocks noRot="1" noChangeAspect="1" noMove="1" noResize="1" noEditPoints="1" noAdjustHandles="1" noChangeArrowheads="1" noChangeShapeType="1" noTextEdit="1"/>
+                </p:cNvSpPr>
+                <p:nvPr/>
+              </p:nvSpPr>
+              <p:spPr>
+                <a:xfrm>
+                  <a:off x="-462215" y="2260158"/>
+                  <a:ext cx="957427" cy="461665"/>
+                </a:xfrm>
+                <a:prstGeom prst="rect">
+                  <a:avLst/>
+                </a:prstGeom>
+                <a:blipFill>
+                  <a:blip r:embed="rId3"/>
+                  <a:stretch>
+                    <a:fillRect l="-9091" t="-8108" b="-29730"/>
+                  </a:stretch>
+                </a:blipFill>
+              </p:spPr>
+              <p:txBody>
+                <a:bodyPr/>
+                <a:lstStyle/>
+                <a:p>
+                  <a:r>
+                    <a:rPr lang="en-US">
+                      <a:noFill/>
+                    </a:rPr>
+                    <a:t> </a:t>
+                  </a:r>
+                </a:p>
+              </p:txBody>
+            </p:sp>
+          </mc:Fallback>
+        </mc:AlternateContent>
+        <mc:AlternateContent xmlns:mc="http://schemas.openxmlformats.org/markup-compatibility/2006" xmlns:a14="http://schemas.microsoft.com/office/drawing/2010/main">
+          <mc:Choice Requires="a14">
+            <p:sp>
+              <p:nvSpPr>
+                <p:cNvPr id="10" name="TextBox 9"/>
+                <p:cNvSpPr txBox="1"/>
+                <p:nvPr/>
+              </p:nvSpPr>
+              <p:spPr>
+                <a:xfrm>
+                  <a:off x="367090" y="1485585"/>
+                  <a:ext cx="903324" cy="461665"/>
+                </a:xfrm>
+                <a:prstGeom prst="rect">
+                  <a:avLst/>
+                </a:prstGeom>
+                <a:noFill/>
+              </p:spPr>
+              <p:txBody>
+                <a:bodyPr wrap="none" rtlCol="0">
+                  <a:spAutoFit/>
+                </a:bodyPr>
+                <a:lstStyle/>
+                <a:p>
+                  <a:r>
+                    <a:rPr lang="en-US" sz="2400" b="0" dirty="0"/>
+                    <a:t>c</a:t>
+                  </a:r>
+                  <a:r>
+                    <a:rPr lang="en-US" sz="2400" b="0" baseline="-25000" dirty="0"/>
+                    <a:t>1</a:t>
+                  </a:r>
+                  <a14:m>
+                    <m:oMath xmlns:m="http://schemas.openxmlformats.org/officeDocument/2006/math">
+                      <m:r>
+                        <a:rPr lang="en-US" sz="2400" b="0" i="1" smtClean="0">
+                          <a:latin typeface="Cambria Math" panose="02040503050406030204" pitchFamily="18" charset="0"/>
+                        </a:rPr>
+                        <m:t>=2</m:t>
+                      </m:r>
+                    </m:oMath>
+                  </a14:m>
+                  <a:endParaRPr lang="en-US" dirty="0"/>
+                </a:p>
+              </p:txBody>
+            </p:sp>
+          </mc:Choice>
+          <mc:Fallback xmlns="">
+            <p:sp>
+              <p:nvSpPr>
+                <p:cNvPr id="10" name="TextBox 9"/>
+                <p:cNvSpPr txBox="1">
+                  <a:spLocks noRot="1" noChangeAspect="1" noMove="1" noResize="1" noEditPoints="1" noAdjustHandles="1" noChangeArrowheads="1" noChangeShapeType="1" noTextEdit="1"/>
+                </p:cNvSpPr>
+                <p:nvPr/>
+              </p:nvSpPr>
+              <p:spPr>
+                <a:xfrm>
+                  <a:off x="367090" y="1485585"/>
+                  <a:ext cx="903324" cy="461665"/>
+                </a:xfrm>
+                <a:prstGeom prst="rect">
+                  <a:avLst/>
+                </a:prstGeom>
+                <a:blipFill>
+                  <a:blip r:embed="rId4"/>
+                  <a:stretch>
+                    <a:fillRect l="-11111" t="-8108" b="-29730"/>
+                  </a:stretch>
+                </a:blipFill>
+              </p:spPr>
+              <p:txBody>
+                <a:bodyPr/>
+                <a:lstStyle/>
+                <a:p>
+                  <a:r>
+                    <a:rPr lang="en-US">
+                      <a:noFill/>
+                    </a:rPr>
+                    <a:t> </a:t>
+                  </a:r>
+                </a:p>
+              </p:txBody>
+            </p:sp>
+          </mc:Fallback>
+        </mc:AlternateContent>
+      </p:grpSp>
+      <mc:AlternateContent xmlns:mc="http://schemas.openxmlformats.org/markup-compatibility/2006" xmlns:a14="http://schemas.microsoft.com/office/drawing/2010/main">
+        <mc:Choice Requires="a14">
+          <p:sp>
+            <p:nvSpPr>
+              <p:cNvPr id="11" name="TextBox 10"/>
+              <p:cNvSpPr txBox="1"/>
+              <p:nvPr/>
+            </p:nvSpPr>
+            <p:spPr>
+              <a:xfrm>
+                <a:off x="4919120" y="3222109"/>
+                <a:ext cx="435504" cy="461665"/>
+              </a:xfrm>
+              <a:prstGeom prst="rect">
+                <a:avLst/>
+              </a:prstGeom>
+              <a:noFill/>
+            </p:spPr>
+            <p:txBody>
+              <a:bodyPr wrap="square" rtlCol="0">
+                <a:spAutoFit/>
+              </a:bodyPr>
+              <a:lstStyle/>
+              <a:p>
+                <a:pPr/>
+                <a14:m>
+                  <m:oMathPara xmlns:m="http://schemas.openxmlformats.org/officeDocument/2006/math">
+                    <m:oMathParaPr>
+                      <m:jc m:val="centerGroup"/>
+                    </m:oMathParaPr>
+                    <m:oMath xmlns:m="http://schemas.openxmlformats.org/officeDocument/2006/math">
+                      <m:r>
+                        <a:rPr lang="en-US" sz="2400" b="0" i="1" smtClean="0">
+                          <a:latin typeface="Cambria Math" panose="02040503050406030204" pitchFamily="18" charset="0"/>
+                        </a:rPr>
+                        <m:t>2</m:t>
+                      </m:r>
+                    </m:oMath>
+                  </m:oMathPara>
+                </a14:m>
+                <a:endParaRPr lang="en-US" sz="2400" dirty="0"/>
+              </a:p>
+            </p:txBody>
+          </p:sp>
+        </mc:Choice>
+        <mc:Fallback xmlns="">
+          <p:sp>
+            <p:nvSpPr>
+              <p:cNvPr id="11" name="TextBox 10"/>
+              <p:cNvSpPr txBox="1">
+                <a:spLocks noRot="1" noChangeAspect="1" noMove="1" noResize="1" noEditPoints="1" noAdjustHandles="1" noChangeArrowheads="1" noChangeShapeType="1" noTextEdit="1"/>
+              </p:cNvSpPr>
+              <p:nvPr/>
+            </p:nvSpPr>
+            <p:spPr>
+              <a:xfrm>
+                <a:off x="4919120" y="3222109"/>
+                <a:ext cx="435504" cy="461665"/>
+              </a:xfrm>
+              <a:prstGeom prst="rect">
+                <a:avLst/>
+              </a:prstGeom>
+              <a:blipFill>
+                <a:blip r:embed="rId5"/>
+                <a:stretch>
+                  <a:fillRect/>
+                </a:stretch>
+              </a:blipFill>
+            </p:spPr>
+            <p:txBody>
+              <a:bodyPr/>
+              <a:lstStyle/>
+              <a:p>
+                <a:r>
+                  <a:rPr lang="en-US">
+                    <a:noFill/>
+                  </a:rPr>
+                  <a:t> </a:t>
+                </a:r>
+              </a:p>
+            </p:txBody>
+          </p:sp>
+        </mc:Fallback>
+      </mc:AlternateContent>
+      <mc:AlternateContent xmlns:mc="http://schemas.openxmlformats.org/markup-compatibility/2006" xmlns:a14="http://schemas.microsoft.com/office/drawing/2010/main">
+        <mc:Choice Requires="a14">
+          <p:sp>
+            <p:nvSpPr>
+              <p:cNvPr id="12" name="TextBox 11"/>
+              <p:cNvSpPr txBox="1"/>
+              <p:nvPr/>
+            </p:nvSpPr>
+            <p:spPr>
+              <a:xfrm>
+                <a:off x="5517502" y="2630251"/>
+                <a:ext cx="1025217" cy="461665"/>
+              </a:xfrm>
+              <a:prstGeom prst="rect">
+                <a:avLst/>
+              </a:prstGeom>
+              <a:noFill/>
+            </p:spPr>
+            <p:txBody>
+              <a:bodyPr wrap="square" rtlCol="0">
+                <a:spAutoFit/>
+              </a:bodyPr>
+              <a:lstStyle/>
+              <a:p>
+                <a:r>
+                  <a:rPr lang="en-US" sz="2400" b="0" dirty="0"/>
+                  <a:t>c</a:t>
+                </a:r>
+                <a:r>
+                  <a:rPr lang="en-US" sz="2400" b="0" baseline="-25000" dirty="0"/>
+                  <a:t>2</a:t>
+                </a:r>
+                <a14:m>
+                  <m:oMath xmlns:m="http://schemas.openxmlformats.org/officeDocument/2006/math">
+                    <m:r>
+                      <a:rPr lang="en-US" sz="2400" b="0" i="1" smtClean="0">
+                        <a:latin typeface="Cambria Math" panose="02040503050406030204" pitchFamily="18" charset="0"/>
+                      </a:rPr>
+                      <m:t>=5</m:t>
+                    </m:r>
+                  </m:oMath>
+                </a14:m>
+                <a:endParaRPr lang="en-US" sz="2400" dirty="0"/>
+              </a:p>
+            </p:txBody>
+          </p:sp>
+        </mc:Choice>
+        <mc:Fallback xmlns="">
+          <p:sp>
+            <p:nvSpPr>
+              <p:cNvPr id="12" name="TextBox 11"/>
+              <p:cNvSpPr txBox="1">
+                <a:spLocks noRot="1" noChangeAspect="1" noMove="1" noResize="1" noEditPoints="1" noAdjustHandles="1" noChangeArrowheads="1" noChangeShapeType="1" noTextEdit="1"/>
+              </p:cNvSpPr>
+              <p:nvPr/>
+            </p:nvSpPr>
+            <p:spPr>
+              <a:xfrm>
+                <a:off x="5517502" y="2630251"/>
+                <a:ext cx="1025217" cy="461665"/>
+              </a:xfrm>
+              <a:prstGeom prst="rect">
+                <a:avLst/>
+              </a:prstGeom>
+              <a:blipFill>
+                <a:blip r:embed="rId6"/>
+                <a:stretch>
+                  <a:fillRect l="-9756" t="-5263" b="-28947"/>
+                </a:stretch>
+              </a:blipFill>
+            </p:spPr>
+            <p:txBody>
+              <a:bodyPr/>
+              <a:lstStyle/>
+              <a:p>
+                <a:r>
+                  <a:rPr lang="en-US">
+                    <a:noFill/>
+                  </a:rPr>
+                  <a:t> </a:t>
+                </a:r>
+              </a:p>
+            </p:txBody>
+          </p:sp>
+        </mc:Fallback>
+      </mc:AlternateContent>
+      <mc:AlternateContent xmlns:mc="http://schemas.openxmlformats.org/markup-compatibility/2006" xmlns:a14="http://schemas.microsoft.com/office/drawing/2010/main">
+        <mc:Choice Requires="a14">
+          <p:sp>
+            <p:nvSpPr>
+              <p:cNvPr id="13" name="TextBox 12"/>
+              <p:cNvSpPr txBox="1"/>
+              <p:nvPr/>
+            </p:nvSpPr>
+            <p:spPr>
+              <a:xfrm>
+                <a:off x="7478297" y="3236616"/>
+                <a:ext cx="374590" cy="461665"/>
+              </a:xfrm>
+              <a:prstGeom prst="rect">
+                <a:avLst/>
+              </a:prstGeom>
+              <a:noFill/>
+            </p:spPr>
+            <p:txBody>
+              <a:bodyPr wrap="square" rtlCol="0">
+                <a:spAutoFit/>
+              </a:bodyPr>
+              <a:lstStyle/>
+              <a:p>
+                <a:pPr/>
+                <a14:m>
+                  <m:oMathPara xmlns:m="http://schemas.openxmlformats.org/officeDocument/2006/math">
+                    <m:oMathParaPr>
+                      <m:jc m:val="centerGroup"/>
+                    </m:oMathParaPr>
+                    <m:oMath xmlns:m="http://schemas.openxmlformats.org/officeDocument/2006/math">
+                      <m:r>
+                        <a:rPr lang="en-US" sz="2400" b="0" i="1" smtClean="0">
+                          <a:latin typeface="Cambria Math" panose="02040503050406030204" pitchFamily="18" charset="0"/>
+                        </a:rPr>
+                        <m:t>3</m:t>
+                      </m:r>
+                    </m:oMath>
+                  </m:oMathPara>
+                </a14:m>
+                <a:endParaRPr lang="en-US" sz="2400" dirty="0"/>
+              </a:p>
+            </p:txBody>
+          </p:sp>
+        </mc:Choice>
+        <mc:Fallback xmlns="">
+          <p:sp>
+            <p:nvSpPr>
+              <p:cNvPr id="13" name="TextBox 12"/>
+              <p:cNvSpPr txBox="1">
+                <a:spLocks noRot="1" noChangeAspect="1" noMove="1" noResize="1" noEditPoints="1" noAdjustHandles="1" noChangeArrowheads="1" noChangeShapeType="1" noTextEdit="1"/>
+              </p:cNvSpPr>
+              <p:nvPr/>
+            </p:nvSpPr>
+            <p:spPr>
+              <a:xfrm>
+                <a:off x="7478297" y="3236616"/>
+                <a:ext cx="374590" cy="461665"/>
+              </a:xfrm>
+              <a:prstGeom prst="rect">
+                <a:avLst/>
+              </a:prstGeom>
+              <a:blipFill>
+                <a:blip r:embed="rId7"/>
+                <a:stretch>
+                  <a:fillRect/>
+                </a:stretch>
+              </a:blipFill>
+            </p:spPr>
+            <p:txBody>
+              <a:bodyPr/>
+              <a:lstStyle/>
+              <a:p>
+                <a:r>
+                  <a:rPr lang="en-US">
+                    <a:noFill/>
+                  </a:rPr>
+                  <a:t> </a:t>
+                </a:r>
+              </a:p>
+            </p:txBody>
+          </p:sp>
+        </mc:Fallback>
+      </mc:AlternateContent>
+      <mc:AlternateContent xmlns:mc="http://schemas.openxmlformats.org/markup-compatibility/2006" xmlns:a14="http://schemas.microsoft.com/office/drawing/2010/main">
+        <mc:Choice Requires="a14">
+          <p:sp>
+            <p:nvSpPr>
+              <p:cNvPr id="14" name="TextBox 13"/>
+              <p:cNvSpPr txBox="1"/>
+              <p:nvPr/>
+            </p:nvSpPr>
+            <p:spPr>
+              <a:xfrm flipH="1">
+                <a:off x="8053431" y="2584040"/>
+                <a:ext cx="1071298" cy="461665"/>
+              </a:xfrm>
+              <a:prstGeom prst="rect">
+                <a:avLst/>
+              </a:prstGeom>
+              <a:noFill/>
+            </p:spPr>
+            <p:txBody>
+              <a:bodyPr wrap="square" rtlCol="0">
+                <a:spAutoFit/>
+              </a:bodyPr>
+              <a:lstStyle/>
+              <a:p>
+                <a:pPr/>
+                <a14:m>
+                  <m:oMathPara xmlns:m="http://schemas.openxmlformats.org/officeDocument/2006/math">
+                    <m:oMathParaPr>
+                      <m:jc m:val="centerGroup"/>
+                    </m:oMathParaPr>
+                    <m:oMath xmlns:m="http://schemas.openxmlformats.org/officeDocument/2006/math">
+                      <m:r>
+                        <a:rPr lang="en-US" sz="2400" b="0" i="1" smtClean="0">
+                          <a:latin typeface="Cambria Math" panose="02040503050406030204" pitchFamily="18" charset="0"/>
+                        </a:rPr>
+                        <m:t>5</m:t>
+                      </m:r>
+                    </m:oMath>
+                  </m:oMathPara>
+                </a14:m>
+                <a:endParaRPr lang="en-US" sz="2400" dirty="0"/>
+              </a:p>
+            </p:txBody>
+          </p:sp>
+        </mc:Choice>
+        <mc:Fallback xmlns="">
+          <p:sp>
+            <p:nvSpPr>
+              <p:cNvPr id="14" name="TextBox 13"/>
+              <p:cNvSpPr txBox="1">
+                <a:spLocks noRot="1" noChangeAspect="1" noMove="1" noResize="1" noEditPoints="1" noAdjustHandles="1" noChangeArrowheads="1" noChangeShapeType="1" noTextEdit="1"/>
+              </p:cNvSpPr>
+              <p:nvPr/>
+            </p:nvSpPr>
+            <p:spPr>
+              <a:xfrm flipH="1">
+                <a:off x="8053431" y="2584040"/>
+                <a:ext cx="1071298" cy="461665"/>
+              </a:xfrm>
+              <a:prstGeom prst="rect">
+                <a:avLst/>
+              </a:prstGeom>
+              <a:blipFill>
+                <a:blip r:embed="rId8"/>
+                <a:stretch>
+                  <a:fillRect/>
+                </a:stretch>
+              </a:blipFill>
+            </p:spPr>
+            <p:txBody>
+              <a:bodyPr/>
+              <a:lstStyle/>
+              <a:p>
+                <a:r>
+                  <a:rPr lang="en-US">
+                    <a:noFill/>
+                  </a:rPr>
+                  <a:t> </a:t>
+                </a:r>
+              </a:p>
+            </p:txBody>
+          </p:sp>
+        </mc:Fallback>
+      </mc:AlternateContent>
+      <mc:AlternateContent xmlns:mc="http://schemas.openxmlformats.org/markup-compatibility/2006" xmlns:a14="http://schemas.microsoft.com/office/drawing/2010/main">
+        <mc:Choice Requires="a14">
+          <p:sp>
+            <p:nvSpPr>
+              <p:cNvPr id="15" name="TextBox 14"/>
+              <p:cNvSpPr txBox="1"/>
+              <p:nvPr/>
+            </p:nvSpPr>
+            <p:spPr>
+              <a:xfrm>
+                <a:off x="4369328" y="3183548"/>
+                <a:ext cx="473206" cy="461665"/>
+              </a:xfrm>
+              <a:prstGeom prst="rect">
+                <a:avLst/>
+              </a:prstGeom>
+              <a:noFill/>
+            </p:spPr>
+            <p:txBody>
+              <a:bodyPr wrap="none" rtlCol="0">
+                <a:spAutoFit/>
+              </a:bodyPr>
+              <a:lstStyle/>
+              <a:p>
+                <a:pPr/>
+                <a14:m>
+                  <m:oMathPara xmlns:m="http://schemas.openxmlformats.org/officeDocument/2006/math">
+                    <m:oMathParaPr>
+                      <m:jc m:val="centerGroup"/>
+                    </m:oMathParaPr>
+                    <m:oMath xmlns:m="http://schemas.openxmlformats.org/officeDocument/2006/math">
+                      <m:r>
+                        <a:rPr lang="en-US" sz="2400" b="0" i="1" smtClean="0">
+                          <a:latin typeface="Cambria Math"/>
+                        </a:rPr>
+                        <m:t>×</m:t>
+                      </m:r>
+                    </m:oMath>
+                  </m:oMathPara>
+                </a14:m>
+                <a:endParaRPr lang="en-US" sz="2400" dirty="0"/>
+              </a:p>
+            </p:txBody>
+          </p:sp>
+        </mc:Choice>
+        <mc:Fallback xmlns="">
+          <p:sp>
+            <p:nvSpPr>
+              <p:cNvPr id="15" name="TextBox 14"/>
+              <p:cNvSpPr txBox="1">
+                <a:spLocks noRot="1" noChangeAspect="1" noMove="1" noResize="1" noEditPoints="1" noAdjustHandles="1" noChangeArrowheads="1" noChangeShapeType="1" noTextEdit="1"/>
+              </p:cNvSpPr>
+              <p:nvPr/>
+            </p:nvSpPr>
+            <p:spPr>
+              <a:xfrm>
+                <a:off x="4369328" y="3183548"/>
+                <a:ext cx="473206" cy="461665"/>
+              </a:xfrm>
+              <a:prstGeom prst="rect">
+                <a:avLst/>
+              </a:prstGeom>
+              <a:blipFill>
+                <a:blip r:embed="rId9"/>
+                <a:stretch>
+                  <a:fillRect/>
+                </a:stretch>
+              </a:blipFill>
+            </p:spPr>
+            <p:txBody>
+              <a:bodyPr/>
+              <a:lstStyle/>
+              <a:p>
+                <a:r>
+                  <a:rPr lang="en-US">
+                    <a:noFill/>
+                  </a:rPr>
+                  <a:t> </a:t>
+                </a:r>
+              </a:p>
+            </p:txBody>
+          </p:sp>
+        </mc:Fallback>
+      </mc:AlternateContent>
+      <mc:AlternateContent xmlns:mc="http://schemas.openxmlformats.org/markup-compatibility/2006" xmlns:a14="http://schemas.microsoft.com/office/drawing/2010/main">
+        <mc:Choice Requires="a14">
+          <p:sp>
+            <p:nvSpPr>
+              <p:cNvPr id="16" name="TextBox 15"/>
+              <p:cNvSpPr txBox="1"/>
+              <p:nvPr/>
+            </p:nvSpPr>
+            <p:spPr>
+              <a:xfrm>
+                <a:off x="6966207" y="3196193"/>
+                <a:ext cx="410689" cy="461665"/>
+              </a:xfrm>
+              <a:prstGeom prst="rect">
+                <a:avLst/>
+              </a:prstGeom>
+              <a:noFill/>
+            </p:spPr>
+            <p:txBody>
+              <a:bodyPr wrap="square" rtlCol="0">
+                <a:spAutoFit/>
+              </a:bodyPr>
+              <a:lstStyle/>
+              <a:p>
+                <a:pPr/>
+                <a14:m>
+                  <m:oMathPara xmlns:m="http://schemas.openxmlformats.org/officeDocument/2006/math">
+                    <m:oMathParaPr>
+                      <m:jc m:val="centerGroup"/>
+                    </m:oMathParaPr>
+                    <m:oMath xmlns:m="http://schemas.openxmlformats.org/officeDocument/2006/math">
+                      <m:r>
+                        <a:rPr lang="en-US" sz="2400" i="1">
+                          <a:latin typeface="Cambria Math"/>
+                        </a:rPr>
+                        <m:t>=</m:t>
+                      </m:r>
+                    </m:oMath>
+                  </m:oMathPara>
+                </a14:m>
+                <a:endParaRPr lang="en-US" sz="2400" dirty="0"/>
+              </a:p>
+            </p:txBody>
+          </p:sp>
+        </mc:Choice>
+        <mc:Fallback xmlns="">
+          <p:sp>
+            <p:nvSpPr>
+              <p:cNvPr id="16" name="TextBox 15"/>
+              <p:cNvSpPr txBox="1">
+                <a:spLocks noRot="1" noChangeAspect="1" noMove="1" noResize="1" noEditPoints="1" noAdjustHandles="1" noChangeArrowheads="1" noChangeShapeType="1" noTextEdit="1"/>
+              </p:cNvSpPr>
+              <p:nvPr/>
+            </p:nvSpPr>
+            <p:spPr>
+              <a:xfrm>
+                <a:off x="6966207" y="3196193"/>
+                <a:ext cx="410689" cy="461665"/>
+              </a:xfrm>
+              <a:prstGeom prst="rect">
+                <a:avLst/>
+              </a:prstGeom>
+              <a:blipFill>
+                <a:blip r:embed="rId10"/>
+                <a:stretch>
+                  <a:fillRect/>
+                </a:stretch>
+              </a:blipFill>
+            </p:spPr>
+            <p:txBody>
+              <a:bodyPr/>
+              <a:lstStyle/>
+              <a:p>
+                <a:r>
+                  <a:rPr lang="en-US">
+                    <a:noFill/>
+                  </a:rPr>
+                  <a:t> </a:t>
+                </a:r>
+              </a:p>
+            </p:txBody>
+          </p:sp>
+        </mc:Fallback>
+      </mc:AlternateContent>
+      <p:sp>
+        <p:nvSpPr>
+          <p:cNvPr id="17" name="Content Placeholder 2">
+            <a:extLst>
+              <a:ext uri="{FF2B5EF4-FFF2-40B4-BE49-F238E27FC236}">
+                <a16:creationId xmlns:a16="http://schemas.microsoft.com/office/drawing/2014/main" id="{B8B1D9FA-F8FE-DA46-942F-C8397779CFFF}"/>
+              </a:ext>
+            </a:extLst>
+          </p:cNvPr>
+          <p:cNvSpPr txBox="1">
+            <a:spLocks/>
+          </p:cNvSpPr>
+          <p:nvPr/>
+        </p:nvSpPr>
+        <p:spPr>
+          <a:xfrm>
+            <a:off x="2049625" y="1447800"/>
+            <a:ext cx="8382000" cy="878301"/>
+          </a:xfrm>
+          <a:prstGeom prst="rect">
+            <a:avLst/>
+          </a:prstGeom>
+          <a:ln>
+            <a:noFill/>
+          </a:ln>
+        </p:spPr>
+        <p:txBody>
+          <a:bodyPr vert="horz" lIns="91440" tIns="45720" rIns="91440" bIns="45720" rtlCol="0">
+            <a:noAutofit/>
+          </a:bodyPr>
+          <a:lstStyle>
+            <a:lvl1pPr marL="342900" indent="-342900" algn="l" defTabSz="914400" rtl="0" eaLnBrk="1" latinLnBrk="0" hangingPunct="1">
+              <a:spcBef>
+                <a:spcPct val="20000"/>
+              </a:spcBef>
+              <a:buFont typeface="Arial" panose="020B0604020202020204" pitchFamily="34" charset="0"/>
+              <a:buChar char="•"/>
+              <a:defRPr sz="3200" kern="1200">
+                <a:solidFill>
+                  <a:schemeClr val="tx1"/>
+                </a:solidFill>
+                <a:latin typeface="+mn-lt"/>
+                <a:ea typeface="+mn-ea"/>
+                <a:cs typeface="+mn-cs"/>
+              </a:defRPr>
+            </a:lvl1pPr>
+            <a:lvl2pPr marL="742950" indent="-285750" algn="l" defTabSz="914400" rtl="0" eaLnBrk="1" latinLnBrk="0" hangingPunct="1">
+              <a:spcBef>
+                <a:spcPct val="20000"/>
+              </a:spcBef>
+              <a:buFont typeface="Arial" panose="020B0604020202020204" pitchFamily="34" charset="0"/>
+              <a:buChar char="–"/>
+              <a:defRPr sz="2800" kern="1200">
+                <a:solidFill>
+                  <a:schemeClr val="tx1"/>
+                </a:solidFill>
+                <a:latin typeface="+mn-lt"/>
+                <a:ea typeface="+mn-ea"/>
+                <a:cs typeface="+mn-cs"/>
+              </a:defRPr>
+            </a:lvl2pPr>
+            <a:lvl3pPr marL="1143000" indent="-228600" algn="l" defTabSz="914400" rtl="0" eaLnBrk="1" latinLnBrk="0" hangingPunct="1">
+              <a:spcBef>
+                <a:spcPct val="20000"/>
+              </a:spcBef>
+              <a:buFont typeface="Arial" panose="020B0604020202020204" pitchFamily="34" charset="0"/>
+              <a:buChar char="•"/>
+              <a:defRPr sz="2400" kern="1200">
+                <a:solidFill>
+                  <a:schemeClr val="tx1"/>
+                </a:solidFill>
+                <a:latin typeface="+mn-lt"/>
+                <a:ea typeface="+mn-ea"/>
+                <a:cs typeface="+mn-cs"/>
+              </a:defRPr>
+            </a:lvl3pPr>
+            <a:lvl4pPr marL="1600200" indent="-228600" algn="l" defTabSz="914400" rtl="0" eaLnBrk="1" latinLnBrk="0" hangingPunct="1">
+              <a:spcBef>
+                <a:spcPct val="20000"/>
+              </a:spcBef>
+              <a:buFont typeface="Arial" panose="020B0604020202020204" pitchFamily="34" charset="0"/>
+              <a:buChar char="–"/>
+              <a:defRPr sz="2000" kern="1200">
+                <a:solidFill>
+                  <a:schemeClr val="tx1"/>
+                </a:solidFill>
+                <a:latin typeface="+mn-lt"/>
+                <a:ea typeface="+mn-ea"/>
+                <a:cs typeface="+mn-cs"/>
+              </a:defRPr>
+            </a:lvl4pPr>
+            <a:lvl5pPr marL="2057400" indent="-228600" algn="l" defTabSz="914400" rtl="0" eaLnBrk="1" latinLnBrk="0" hangingPunct="1">
+              <a:spcBef>
+                <a:spcPct val="20000"/>
+              </a:spcBef>
+              <a:buFont typeface="Arial" panose="020B0604020202020204" pitchFamily="34" charset="0"/>
+              <a:buChar char="»"/>
+              <a:defRPr sz="2000" kern="1200">
+                <a:solidFill>
+                  <a:schemeClr val="tx1"/>
+                </a:solidFill>
+                <a:latin typeface="+mn-lt"/>
+                <a:ea typeface="+mn-ea"/>
+                <a:cs typeface="+mn-cs"/>
+              </a:defRPr>
+            </a:lvl5pPr>
+            <a:lvl6pPr marL="2514600" indent="-228600" algn="l" defTabSz="914400" rtl="0" eaLnBrk="1" latinLnBrk="0" hangingPunct="1">
+              <a:spcBef>
+                <a:spcPct val="20000"/>
+              </a:spcBef>
+              <a:buFont typeface="Arial" panose="020B0604020202020204" pitchFamily="34" charset="0"/>
+              <a:buChar char="•"/>
+              <a:defRPr sz="2000" kern="1200">
+                <a:solidFill>
+                  <a:schemeClr val="tx1"/>
+                </a:solidFill>
+                <a:latin typeface="+mn-lt"/>
+                <a:ea typeface="+mn-ea"/>
+                <a:cs typeface="+mn-cs"/>
+              </a:defRPr>
+            </a:lvl6pPr>
+            <a:lvl7pPr marL="2971800" indent="-228600" algn="l" defTabSz="914400" rtl="0" eaLnBrk="1" latinLnBrk="0" hangingPunct="1">
+              <a:spcBef>
+                <a:spcPct val="20000"/>
+              </a:spcBef>
+              <a:buFont typeface="Arial" panose="020B0604020202020204" pitchFamily="34" charset="0"/>
+              <a:buChar char="•"/>
+              <a:defRPr sz="2000" kern="1200">
+                <a:solidFill>
+                  <a:schemeClr val="tx1"/>
+                </a:solidFill>
+                <a:latin typeface="+mn-lt"/>
+                <a:ea typeface="+mn-ea"/>
+                <a:cs typeface="+mn-cs"/>
+              </a:defRPr>
+            </a:lvl7pPr>
+            <a:lvl8pPr marL="3429000" indent="-228600" algn="l" defTabSz="914400" rtl="0" eaLnBrk="1" latinLnBrk="0" hangingPunct="1">
+              <a:spcBef>
+                <a:spcPct val="20000"/>
+              </a:spcBef>
+              <a:buFont typeface="Arial" panose="020B0604020202020204" pitchFamily="34" charset="0"/>
+              <a:buChar char="•"/>
+              <a:defRPr sz="2000" kern="1200">
+                <a:solidFill>
+                  <a:schemeClr val="tx1"/>
+                </a:solidFill>
+                <a:latin typeface="+mn-lt"/>
+                <a:ea typeface="+mn-ea"/>
+                <a:cs typeface="+mn-cs"/>
+              </a:defRPr>
+            </a:lvl8pPr>
+            <a:lvl9pPr marL="3886200" indent="-228600" algn="l" defTabSz="914400" rtl="0" eaLnBrk="1" latinLnBrk="0" hangingPunct="1">
+              <a:spcBef>
+                <a:spcPct val="20000"/>
+              </a:spcBef>
+              <a:buFont typeface="Arial" panose="020B0604020202020204" pitchFamily="34" charset="0"/>
+              <a:buChar char="•"/>
+              <a:defRPr sz="2000" kern="1200">
+                <a:solidFill>
+                  <a:schemeClr val="tx1"/>
+                </a:solidFill>
+                <a:latin typeface="+mn-lt"/>
+                <a:ea typeface="+mn-ea"/>
+                <a:cs typeface="+mn-cs"/>
+              </a:defRPr>
+            </a:lvl9pPr>
+          </a:lstStyle>
+          <a:p>
+            <a:pPr marL="0" indent="0" algn="ctr">
+              <a:buFont typeface="Arial" panose="020B0604020202020204" pitchFamily="34" charset="0"/>
+              <a:buNone/>
+            </a:pPr>
+            <a:r>
+              <a:rPr lang="en-US" sz="2800" dirty="0"/>
+              <a:t>How many scalar multiplications are required to multiply</a:t>
+            </a:r>
+            <a:br>
+              <a:rPr lang="en-US" sz="2800" dirty="0"/>
+            </a:br>
+            <a:r>
+              <a:rPr lang="en-US" sz="2800" dirty="0"/>
+              <a:t>matrices A and B in this example?</a:t>
+            </a:r>
+          </a:p>
+        </p:txBody>
+      </p:sp>
+      <mc:AlternateContent xmlns:mc="http://schemas.openxmlformats.org/markup-compatibility/2006" xmlns:a14="http://schemas.microsoft.com/office/drawing/2010/main">
+        <mc:Choice Requires="a14">
+          <p:sp>
+            <p:nvSpPr>
+              <p:cNvPr id="18" name="TextBox 17">
+                <a:extLst>
+                  <a:ext uri="{FF2B5EF4-FFF2-40B4-BE49-F238E27FC236}">
+                    <a16:creationId xmlns:a16="http://schemas.microsoft.com/office/drawing/2014/main" id="{6066032A-70D9-4540-AB82-57EF5F37CEF7}"/>
+                  </a:ext>
+                </a:extLst>
+              </p:cNvPr>
+              <p:cNvSpPr txBox="1"/>
+              <p:nvPr/>
+            </p:nvSpPr>
+            <p:spPr>
+              <a:xfrm>
+                <a:off x="3395314" y="4074169"/>
+                <a:ext cx="452175" cy="461665"/>
+              </a:xfrm>
+              <a:prstGeom prst="rect">
+                <a:avLst/>
+              </a:prstGeom>
+              <a:noFill/>
+            </p:spPr>
+            <p:txBody>
+              <a:bodyPr wrap="none" rtlCol="0">
+                <a:spAutoFit/>
+              </a:bodyPr>
+              <a:lstStyle/>
+              <a:p>
+                <a:pPr/>
+                <a14:m>
+                  <m:oMathPara xmlns:m="http://schemas.openxmlformats.org/officeDocument/2006/math">
+                    <m:oMathParaPr>
+                      <m:jc m:val="centerGroup"/>
+                    </m:oMathParaPr>
+                    <m:oMath xmlns:m="http://schemas.openxmlformats.org/officeDocument/2006/math">
+                      <m:r>
+                        <a:rPr lang="en-US" sz="2400" b="0" i="1" smtClean="0">
+                          <a:latin typeface="Cambria Math" panose="02040503050406030204" pitchFamily="18" charset="0"/>
+                        </a:rPr>
+                        <m:t>𝐴</m:t>
+                      </m:r>
+                    </m:oMath>
+                  </m:oMathPara>
+                </a14:m>
+                <a:endParaRPr lang="en-US" dirty="0"/>
+              </a:p>
+            </p:txBody>
+          </p:sp>
+        </mc:Choice>
+        <mc:Fallback xmlns="">
+          <p:sp>
+            <p:nvSpPr>
+              <p:cNvPr id="18" name="TextBox 17">
+                <a:extLst>
+                  <a:ext uri="{FF2B5EF4-FFF2-40B4-BE49-F238E27FC236}">
+                    <a16:creationId xmlns:a16="http://schemas.microsoft.com/office/drawing/2014/main" id="{6066032A-70D9-4540-AB82-57EF5F37CEF7}"/>
+                  </a:ext>
+                </a:extLst>
+              </p:cNvPr>
+              <p:cNvSpPr txBox="1">
+                <a:spLocks noRot="1" noChangeAspect="1" noMove="1" noResize="1" noEditPoints="1" noAdjustHandles="1" noChangeArrowheads="1" noChangeShapeType="1" noTextEdit="1"/>
+              </p:cNvSpPr>
+              <p:nvPr/>
+            </p:nvSpPr>
+            <p:spPr>
+              <a:xfrm>
+                <a:off x="3395314" y="4074169"/>
+                <a:ext cx="452175" cy="461665"/>
+              </a:xfrm>
+              <a:prstGeom prst="rect">
+                <a:avLst/>
+              </a:prstGeom>
+              <a:blipFill>
+                <a:blip r:embed="rId11"/>
+                <a:stretch>
+                  <a:fillRect/>
+                </a:stretch>
+              </a:blipFill>
+            </p:spPr>
+            <p:txBody>
+              <a:bodyPr/>
+              <a:lstStyle/>
+              <a:p>
+                <a:r>
+                  <a:rPr lang="en-US">
+                    <a:noFill/>
+                  </a:rPr>
+                  <a:t> </a:t>
+                </a:r>
+              </a:p>
+            </p:txBody>
+          </p:sp>
+        </mc:Fallback>
+      </mc:AlternateContent>
+      <mc:AlternateContent xmlns:mc="http://schemas.openxmlformats.org/markup-compatibility/2006" xmlns:a14="http://schemas.microsoft.com/office/drawing/2010/main">
+        <mc:Choice Requires="a14">
+          <p:sp>
+            <p:nvSpPr>
+              <p:cNvPr id="19" name="TextBox 18">
+                <a:extLst>
+                  <a:ext uri="{FF2B5EF4-FFF2-40B4-BE49-F238E27FC236}">
+                    <a16:creationId xmlns:a16="http://schemas.microsoft.com/office/drawing/2014/main" id="{3F6EB3F2-6D1D-8449-9F7B-58338C44326C}"/>
+                  </a:ext>
+                </a:extLst>
+              </p:cNvPr>
+              <p:cNvSpPr txBox="1"/>
+              <p:nvPr/>
+            </p:nvSpPr>
+            <p:spPr>
+              <a:xfrm>
+                <a:off x="5735956" y="4074168"/>
+                <a:ext cx="463845" cy="461665"/>
+              </a:xfrm>
+              <a:prstGeom prst="rect">
+                <a:avLst/>
+              </a:prstGeom>
+              <a:noFill/>
+            </p:spPr>
+            <p:txBody>
+              <a:bodyPr wrap="none" rtlCol="0">
+                <a:spAutoFit/>
+              </a:bodyPr>
+              <a:lstStyle/>
+              <a:p>
+                <a:pPr/>
+                <a14:m>
+                  <m:oMathPara xmlns:m="http://schemas.openxmlformats.org/officeDocument/2006/math">
+                    <m:oMathParaPr>
+                      <m:jc m:val="centerGroup"/>
+                    </m:oMathParaPr>
+                    <m:oMath xmlns:m="http://schemas.openxmlformats.org/officeDocument/2006/math">
+                      <m:r>
+                        <a:rPr lang="en-US" sz="2400" b="0" i="1" smtClean="0">
+                          <a:latin typeface="Cambria Math" panose="02040503050406030204" pitchFamily="18" charset="0"/>
+                        </a:rPr>
+                        <m:t>𝐵</m:t>
+                      </m:r>
+                    </m:oMath>
+                  </m:oMathPara>
+                </a14:m>
+                <a:endParaRPr lang="en-US" dirty="0"/>
+              </a:p>
+            </p:txBody>
+          </p:sp>
+        </mc:Choice>
+        <mc:Fallback xmlns="">
+          <p:sp>
+            <p:nvSpPr>
+              <p:cNvPr id="19" name="TextBox 18">
+                <a:extLst>
+                  <a:ext uri="{FF2B5EF4-FFF2-40B4-BE49-F238E27FC236}">
+                    <a16:creationId xmlns:a16="http://schemas.microsoft.com/office/drawing/2014/main" id="{3F6EB3F2-6D1D-8449-9F7B-58338C44326C}"/>
+                  </a:ext>
+                </a:extLst>
+              </p:cNvPr>
+              <p:cNvSpPr txBox="1">
+                <a:spLocks noRot="1" noChangeAspect="1" noMove="1" noResize="1" noEditPoints="1" noAdjustHandles="1" noChangeArrowheads="1" noChangeShapeType="1" noTextEdit="1"/>
+              </p:cNvSpPr>
+              <p:nvPr/>
+            </p:nvSpPr>
+            <p:spPr>
+              <a:xfrm>
+                <a:off x="5735956" y="4074168"/>
+                <a:ext cx="463845" cy="461665"/>
+              </a:xfrm>
+              <a:prstGeom prst="rect">
+                <a:avLst/>
+              </a:prstGeom>
+              <a:blipFill>
+                <a:blip r:embed="rId12"/>
+                <a:stretch>
+                  <a:fillRect/>
+                </a:stretch>
+              </a:blipFill>
+            </p:spPr>
+            <p:txBody>
+              <a:bodyPr/>
+              <a:lstStyle/>
+              <a:p>
+                <a:r>
+                  <a:rPr lang="en-US">
+                    <a:noFill/>
+                  </a:rPr>
+                  <a:t> </a:t>
+                </a:r>
+              </a:p>
+            </p:txBody>
+          </p:sp>
+        </mc:Fallback>
+      </mc:AlternateContent>
+    </p:spTree>
+    <p:extLst>
+      <p:ext uri="{BB962C8B-B14F-4D97-AF65-F5344CB8AC3E}">
+        <p14:creationId xmlns:p14="http://schemas.microsoft.com/office/powerpoint/2010/main" val="3513668195"/>
+      </p:ext>
+    </p:extLst>
+  </p:cSld>
+  <p:clrMapOvr>
+    <a:masterClrMapping/>
+  </p:clrMapOvr>
+</p:sld>
+</file>
+
+<file path=ppt/slides/slide30.xml><?xml version="1.0" encoding="utf-8"?>
+<p:sld xmlns:a="http://schemas.openxmlformats.org/drawingml/2006/main" xmlns:r="http://schemas.openxmlformats.org/officeDocument/2006/relationships" xmlns:p="http://schemas.openxmlformats.org/presentationml/2006/main">
+  <p:cSld>
+    <p:spTree>
+      <p:nvGrpSpPr>
+        <p:cNvPr id="1" name=""/>
+        <p:cNvGrpSpPr/>
+        <p:nvPr/>
+      </p:nvGrpSpPr>
+      <p:grpSpPr>
+        <a:xfrm>
+          <a:off x="0" y="0"/>
+          <a:ext cx="0" cy="0"/>
+          <a:chOff x="0" y="0"/>
+          <a:chExt cx="0" cy="0"/>
+        </a:xfrm>
+      </p:grpSpPr>
+      <p:sp>
+        <p:nvSpPr>
+          <p:cNvPr id="2" name="Title 1"/>
+          <p:cNvSpPr>
+            <a:spLocks noGrp="1"/>
+          </p:cNvSpPr>
+          <p:nvPr>
+            <p:ph type="title"/>
+          </p:nvPr>
+        </p:nvSpPr>
+        <p:spPr/>
+        <p:txBody>
+          <a:bodyPr>
+            <a:normAutofit fontScale="90000"/>
+          </a:bodyPr>
+          <a:lstStyle/>
+          <a:p>
+            <a:r>
+              <a:rPr lang="en-US" dirty="0"/>
+              <a:t>3. Select a Good Order for Solving </a:t>
+            </a:r>
+            <a:r>
+              <a:rPr lang="en-US" dirty="0" err="1"/>
+              <a:t>Subproblems</a:t>
+            </a:r>
+            <a:endParaRPr lang="en-US" dirty="0"/>
+          </a:p>
+        </p:txBody>
+      </p:sp>
+      <p:sp>
+        <p:nvSpPr>
+          <p:cNvPr id="4" name="Slide Number Placeholder 3"/>
+          <p:cNvSpPr>
+            <a:spLocks noGrp="1"/>
+          </p:cNvSpPr>
+          <p:nvPr>
+            <p:ph type="sldNum" sz="quarter" idx="12"/>
+          </p:nvPr>
+        </p:nvSpPr>
+        <p:spPr/>
+        <p:txBody>
+          <a:bodyPr/>
+          <a:lstStyle/>
+          <a:p>
+            <a:fld id="{86BADE50-950A-4D58-BFB2-FA2C6A8B385D}" type="slidenum">
+              <a:rPr lang="en-US" smtClean="0"/>
+              <a:t>30</a:t>
             </a:fld>
             <a:endParaRPr lang="en-US"/>
           </a:p>
@@ -25610,7 +28025,7 @@
 </p:sld>
 </file>
 
-<file path=ppt/slides/slide29.xml><?xml version="1.0" encoding="utf-8"?>
+<file path=ppt/slides/slide31.xml><?xml version="1.0" encoding="utf-8"?>
 <p:sld xmlns:a="http://schemas.openxmlformats.org/drawingml/2006/main" xmlns:r="http://schemas.openxmlformats.org/officeDocument/2006/relationships" xmlns:p="http://schemas.openxmlformats.org/presentationml/2006/main" show="0">
   <p:cSld>
     <p:spTree>
@@ -25675,7 +28090,7 @@
           <a:p>
             <a:fld id="{86BADE50-950A-4D58-BFB2-FA2C6A8B385D}" type="slidenum">
               <a:rPr lang="en-US" smtClean="0"/>
-              <a:t>29</a:t>
+              <a:t>31</a:t>
             </a:fld>
             <a:endParaRPr lang="en-US"/>
           </a:p>
@@ -26793,7 +29208,7 @@
 </p:sld>
 </file>
 
-<file path=ppt/slides/slide3.xml><?xml version="1.0" encoding="utf-8"?>
+<file path=ppt/slides/slide32.xml><?xml version="1.0" encoding="utf-8"?>
 <p:sld xmlns:a="http://schemas.openxmlformats.org/drawingml/2006/main" xmlns:r="http://schemas.openxmlformats.org/officeDocument/2006/relationships" xmlns:p="http://schemas.openxmlformats.org/presentationml/2006/main">
   <p:cSld>
     <p:spTree>
@@ -26822,237 +29237,16 @@
         </p:nvSpPr>
         <p:spPr/>
         <p:txBody>
-          <a:bodyPr>
-            <a:noAutofit/>
-          </a:bodyPr>
+          <a:bodyPr/>
           <a:lstStyle/>
           <a:p>
             <a:r>
-              <a:rPr lang="en-US" sz="3200" dirty="0"/>
-              <a:t>Motivating Example</a:t>
-            </a:r>
-          </a:p>
-        </p:txBody>
-      </p:sp>
-      <mc:AlternateContent xmlns:mc="http://schemas.openxmlformats.org/markup-compatibility/2006" xmlns:a14="http://schemas.microsoft.com/office/drawing/2010/main">
-        <mc:Choice Requires="a14">
-          <p:sp>
-            <p:nvSpPr>
-              <p:cNvPr id="3" name="Content Placeholder 2"/>
-              <p:cNvSpPr>
-                <a:spLocks noGrp="1"/>
-              </p:cNvSpPr>
-              <p:nvPr>
-                <p:ph idx="1"/>
-              </p:nvPr>
-            </p:nvSpPr>
-            <p:spPr>
-              <a:xfrm>
-                <a:off x="1981200" y="4905944"/>
-                <a:ext cx="8229600" cy="1410460"/>
-              </a:xfrm>
-            </p:spPr>
-            <p:txBody>
-              <a:bodyPr>
-                <a:noAutofit/>
-              </a:bodyPr>
-              <a:lstStyle/>
-              <a:p>
-                <a:r>
-                  <a:rPr lang="en-US" sz="2400" i="1" dirty="0"/>
-                  <a:t>r</a:t>
-                </a:r>
-                <a:r>
-                  <a:rPr lang="en-US" sz="2400" i="1" baseline="-25000" dirty="0"/>
-                  <a:t>1</a:t>
-                </a:r>
-                <a14:m>
-                  <m:oMath xmlns:m="http://schemas.openxmlformats.org/officeDocument/2006/math">
-                    <m:r>
-                      <a:rPr lang="en-US" sz="2400" i="1">
-                        <a:latin typeface="Cambria Math"/>
-                      </a:rPr>
-                      <m:t>⋅</m:t>
-                    </m:r>
-                  </m:oMath>
-                </a14:m>
-                <a:r>
-                  <a:rPr lang="en-US" sz="2400" i="1" dirty="0"/>
-                  <a:t>c</a:t>
-                </a:r>
-                <a:r>
-                  <a:rPr lang="en-US" sz="2400" i="1" baseline="-25000" dirty="0"/>
-                  <a:t>2</a:t>
-                </a:r>
-                <a:r>
-                  <a:rPr lang="en-US" sz="2400" i="1" dirty="0"/>
-                  <a:t> </a:t>
-                </a:r>
-                <a:r>
-                  <a:rPr lang="en-US" sz="2400" dirty="0"/>
-                  <a:t>elements in the result that we need to compute</a:t>
-                </a:r>
-              </a:p>
-              <a:p>
-                <a:r>
-                  <a:rPr lang="en-US" sz="2400" i="1" dirty="0"/>
-                  <a:t>c</a:t>
-                </a:r>
-                <a:r>
-                  <a:rPr lang="en-US" sz="2400" i="1" baseline="-25000" dirty="0"/>
-                  <a:t>1</a:t>
-                </a:r>
-                <a:r>
-                  <a:rPr lang="en-US" sz="2400" dirty="0"/>
-                  <a:t> scalar multiplications per element in result</a:t>
-                </a:r>
-              </a:p>
-              <a:p>
-                <a:r>
-                  <a:rPr lang="en-US" sz="2400" dirty="0"/>
-                  <a:t>Total cost: </a:t>
-                </a:r>
-                <a:r>
-                  <a:rPr lang="en-US" sz="2400" i="1" dirty="0"/>
-                  <a:t>r</a:t>
-                </a:r>
-                <a:r>
-                  <a:rPr lang="en-US" sz="2400" i="1" baseline="-25000" dirty="0"/>
-                  <a:t>1</a:t>
-                </a:r>
-                <a14:m>
-                  <m:oMath xmlns:m="http://schemas.openxmlformats.org/officeDocument/2006/math">
-                    <m:r>
-                      <a:rPr lang="en-US" sz="2400" b="0" i="1" smtClean="0">
-                        <a:latin typeface="Cambria Math"/>
-                      </a:rPr>
-                      <m:t>⋅</m:t>
-                    </m:r>
-                    <m:r>
-                      <a:rPr lang="en-US" sz="2400" b="0" i="1" smtClean="0">
-                        <a:latin typeface="Cambria Math" panose="02040503050406030204" pitchFamily="18" charset="0"/>
-                      </a:rPr>
-                      <m:t>𝑐</m:t>
-                    </m:r>
-                    <m:r>
-                      <a:rPr lang="en-US" sz="2400" b="0" i="1" baseline="-25000" smtClean="0">
-                        <a:latin typeface="Cambria Math" panose="02040503050406030204" pitchFamily="18" charset="0"/>
-                      </a:rPr>
-                      <m:t>1</m:t>
-                    </m:r>
-                    <m:r>
-                      <a:rPr lang="en-US" sz="2400" b="0" i="1" smtClean="0">
-                        <a:latin typeface="Cambria Math"/>
-                      </a:rPr>
-                      <m:t>⋅</m:t>
-                    </m:r>
-                    <m:r>
-                      <a:rPr lang="en-US" sz="2400" b="0" i="1" smtClean="0">
-                        <a:latin typeface="Cambria Math" panose="02040503050406030204" pitchFamily="18" charset="0"/>
-                      </a:rPr>
-                      <m:t>𝑐</m:t>
-                    </m:r>
-                    <m:r>
-                      <a:rPr lang="en-US" sz="2400" b="0" i="1" baseline="-25000" smtClean="0">
-                        <a:latin typeface="Cambria Math" panose="02040503050406030204" pitchFamily="18" charset="0"/>
-                      </a:rPr>
-                      <m:t>2</m:t>
-                    </m:r>
-                  </m:oMath>
-                </a14:m>
-                <a:endParaRPr lang="en-US" sz="2400" baseline="-25000" dirty="0"/>
-              </a:p>
-              <a:p>
-                <a:r>
-                  <a:rPr lang="en-US" sz="2400" dirty="0"/>
-                  <a:t>So the answer is…  (</a:t>
-                </a:r>
-                <a14:m>
-                  <m:oMath xmlns:m="http://schemas.openxmlformats.org/officeDocument/2006/math">
-                    <m:r>
-                      <a:rPr lang="en-US" sz="2400" i="1">
-                        <a:latin typeface="Cambria Math" panose="02040503050406030204" pitchFamily="18" charset="0"/>
-                      </a:rPr>
-                      <m:t>3</m:t>
-                    </m:r>
-                    <m:r>
-                      <a:rPr lang="en-US" sz="2400" i="1">
-                        <a:latin typeface="Cambria Math"/>
-                      </a:rPr>
-                      <m:t>⋅</m:t>
-                    </m:r>
-                    <m:r>
-                      <a:rPr lang="en-US" sz="2400" i="1">
-                        <a:latin typeface="Cambria Math" panose="02040503050406030204" pitchFamily="18" charset="0"/>
-                      </a:rPr>
-                      <m:t>2</m:t>
-                    </m:r>
-                    <m:r>
-                      <a:rPr lang="en-US" sz="2400" i="1">
-                        <a:latin typeface="Cambria Math"/>
-                      </a:rPr>
-                      <m:t>⋅</m:t>
-                    </m:r>
-                    <m:r>
-                      <a:rPr lang="en-US" sz="2400" i="1">
-                        <a:latin typeface="Cambria Math" panose="02040503050406030204" pitchFamily="18" charset="0"/>
-                      </a:rPr>
-                      <m:t>5)=</m:t>
-                    </m:r>
-                    <m:r>
-                      <a:rPr lang="en-US" sz="2400" b="0" i="1" smtClean="0">
-                        <a:latin typeface="Cambria Math" panose="02040503050406030204" pitchFamily="18" charset="0"/>
-                      </a:rPr>
-                      <m:t>30</m:t>
-                    </m:r>
-                  </m:oMath>
-                </a14:m>
-                <a:endParaRPr lang="en-US" sz="2400" dirty="0"/>
-              </a:p>
-              <a:p>
-                <a:endParaRPr lang="en-US" sz="2400" dirty="0"/>
-              </a:p>
-            </p:txBody>
-          </p:sp>
-        </mc:Choice>
-        <mc:Fallback xmlns="">
-          <p:sp>
-            <p:nvSpPr>
-              <p:cNvPr id="3" name="Content Placeholder 2"/>
-              <p:cNvSpPr>
-                <a:spLocks noGrp="1" noRot="1" noChangeAspect="1" noMove="1" noResize="1" noEditPoints="1" noAdjustHandles="1" noChangeArrowheads="1" noChangeShapeType="1" noTextEdit="1"/>
-              </p:cNvSpPr>
-              <p:nvPr>
-                <p:ph idx="1"/>
-              </p:nvPr>
-            </p:nvSpPr>
-            <p:spPr>
-              <a:xfrm>
-                <a:off x="1981200" y="4905944"/>
-                <a:ext cx="8229600" cy="1410460"/>
-              </a:xfrm>
-              <a:blipFill>
-                <a:blip r:embed="rId2"/>
-                <a:stretch>
-                  <a:fillRect l="-1079" t="-31250" b="-6250"/>
-                </a:stretch>
-              </a:blipFill>
-            </p:spPr>
-            <p:txBody>
-              <a:bodyPr/>
-              <a:lstStyle/>
-              <a:p>
-                <a:r>
-                  <a:rPr lang="en-US">
-                    <a:noFill/>
-                  </a:rPr>
-                  <a:t> </a:t>
-                </a:r>
-              </a:p>
-            </p:txBody>
-          </p:sp>
-        </mc:Fallback>
-      </mc:AlternateContent>
+              <a:rPr lang="en-US" dirty="0"/>
+              <a:t>Log Cutting Pseudocode</a:t>
+            </a:r>
+          </a:p>
+        </p:txBody>
+      </p:sp>
       <p:sp>
         <p:nvSpPr>
           <p:cNvPr id="4" name="Slide Number Placeholder 3"/>
@@ -27070,1277 +29264,7 @@
           <a:p>
             <a:fld id="{86BADE50-950A-4D58-BFB2-FA2C6A8B385D}" type="slidenum">
               <a:rPr lang="en-US" smtClean="0"/>
-              <a:t>3</a:t>
-            </a:fld>
-            <a:endParaRPr lang="en-US"/>
-          </a:p>
-        </p:txBody>
-      </p:sp>
-      <p:sp>
-        <p:nvSpPr>
-          <p:cNvPr id="5" name="Rectangle 4"/>
-          <p:cNvSpPr/>
-          <p:nvPr/>
-        </p:nvSpPr>
-        <p:spPr>
-          <a:xfrm rot="5400000">
-            <a:off x="5765122" y="2792138"/>
-            <a:ext cx="529979" cy="1350976"/>
-          </a:xfrm>
-          <a:prstGeom prst="rect">
-            <a:avLst/>
-          </a:prstGeom>
-        </p:spPr>
-        <p:style>
-          <a:lnRef idx="2">
-            <a:schemeClr val="accent1">
-              <a:shade val="50000"/>
-            </a:schemeClr>
-          </a:lnRef>
-          <a:fillRef idx="1">
-            <a:schemeClr val="accent1"/>
-          </a:fillRef>
-          <a:effectRef idx="0">
-            <a:schemeClr val="accent1"/>
-          </a:effectRef>
-          <a:fontRef idx="minor">
-            <a:schemeClr val="lt1"/>
-          </a:fontRef>
-        </p:style>
-        <p:txBody>
-          <a:bodyPr rtlCol="0" anchor="ctr"/>
-          <a:lstStyle/>
-          <a:p>
-            <a:pPr algn="ctr"/>
-            <a:endParaRPr lang="en-US"/>
-          </a:p>
-        </p:txBody>
-      </p:sp>
-      <p:sp>
-        <p:nvSpPr>
-          <p:cNvPr id="6" name="Rectangle 5"/>
-          <p:cNvSpPr/>
-          <p:nvPr/>
-        </p:nvSpPr>
-        <p:spPr>
-          <a:xfrm>
-            <a:off x="7869224" y="3045639"/>
-            <a:ext cx="1350976" cy="914400"/>
-          </a:xfrm>
-          <a:prstGeom prst="rect">
-            <a:avLst/>
-          </a:prstGeom>
-        </p:spPr>
-        <p:style>
-          <a:lnRef idx="2">
-            <a:schemeClr val="accent1">
-              <a:shade val="50000"/>
-            </a:schemeClr>
-          </a:lnRef>
-          <a:fillRef idx="1">
-            <a:schemeClr val="accent1"/>
-          </a:fillRef>
-          <a:effectRef idx="0">
-            <a:schemeClr val="accent1"/>
-          </a:effectRef>
-          <a:fontRef idx="minor">
-            <a:schemeClr val="lt1"/>
-          </a:fontRef>
-        </p:style>
-        <p:txBody>
-          <a:bodyPr rtlCol="0" anchor="ctr"/>
-          <a:lstStyle/>
-          <a:p>
-            <a:pPr algn="ctr"/>
-            <a:endParaRPr lang="en-US" dirty="0"/>
-          </a:p>
-        </p:txBody>
-      </p:sp>
-      <p:grpSp>
-        <p:nvGrpSpPr>
-          <p:cNvPr id="7" name="Group 6"/>
-          <p:cNvGrpSpPr/>
-          <p:nvPr/>
-        </p:nvGrpSpPr>
-        <p:grpSpPr>
-          <a:xfrm>
-            <a:off x="2357185" y="2497433"/>
-            <a:ext cx="1732629" cy="1422660"/>
-            <a:chOff x="-462215" y="1485585"/>
-            <a:chExt cx="1732629" cy="1422660"/>
-          </a:xfrm>
-        </p:grpSpPr>
-        <p:sp>
-          <p:nvSpPr>
-            <p:cNvPr id="8" name="Rectangle 7"/>
-            <p:cNvSpPr/>
-            <p:nvPr/>
-          </p:nvSpPr>
-          <p:spPr>
-            <a:xfrm>
-              <a:off x="508123" y="1993845"/>
-              <a:ext cx="621259" cy="914400"/>
-            </a:xfrm>
-            <a:prstGeom prst="rect">
-              <a:avLst/>
-            </a:prstGeom>
-          </p:spPr>
-          <p:style>
-            <a:lnRef idx="2">
-              <a:schemeClr val="accent1">
-                <a:shade val="50000"/>
-              </a:schemeClr>
-            </a:lnRef>
-            <a:fillRef idx="1">
-              <a:schemeClr val="accent1"/>
-            </a:fillRef>
-            <a:effectRef idx="0">
-              <a:schemeClr val="accent1"/>
-            </a:effectRef>
-            <a:fontRef idx="minor">
-              <a:schemeClr val="lt1"/>
-            </a:fontRef>
-          </p:style>
-          <p:txBody>
-            <a:bodyPr rtlCol="0" anchor="ctr"/>
-            <a:lstStyle/>
-            <a:p>
-              <a:pPr algn="ctr"/>
-              <a:endParaRPr lang="en-US" dirty="0"/>
-            </a:p>
-          </p:txBody>
-        </p:sp>
-        <mc:AlternateContent xmlns:mc="http://schemas.openxmlformats.org/markup-compatibility/2006" xmlns:a14="http://schemas.microsoft.com/office/drawing/2010/main">
-          <mc:Choice Requires="a14">
-            <p:sp>
-              <p:nvSpPr>
-                <p:cNvPr id="9" name="TextBox 8"/>
-                <p:cNvSpPr txBox="1"/>
-                <p:nvPr/>
-              </p:nvSpPr>
-              <p:spPr>
-                <a:xfrm>
-                  <a:off x="-462215" y="2260158"/>
-                  <a:ext cx="957427" cy="461665"/>
-                </a:xfrm>
-                <a:prstGeom prst="rect">
-                  <a:avLst/>
-                </a:prstGeom>
-                <a:noFill/>
-              </p:spPr>
-              <p:txBody>
-                <a:bodyPr wrap="square" rtlCol="0">
-                  <a:spAutoFit/>
-                </a:bodyPr>
-                <a:lstStyle/>
-                <a:p>
-                  <a:r>
-                    <a:rPr lang="en-US" sz="2400" b="0" dirty="0"/>
-                    <a:t>r</a:t>
-                  </a:r>
-                  <a:r>
-                    <a:rPr lang="en-US" sz="2400" b="0" baseline="-25000" dirty="0"/>
-                    <a:t>1</a:t>
-                  </a:r>
-                  <a:r>
-                    <a:rPr lang="en-US" sz="2400" b="0" dirty="0"/>
-                    <a:t>=</a:t>
-                  </a:r>
-                  <a14:m>
-                    <m:oMath xmlns:m="http://schemas.openxmlformats.org/officeDocument/2006/math">
-                      <m:r>
-                        <a:rPr lang="en-US" sz="2400" b="0" i="1" smtClean="0">
-                          <a:latin typeface="Cambria Math" panose="02040503050406030204" pitchFamily="18" charset="0"/>
-                        </a:rPr>
-                        <m:t>3</m:t>
-                      </m:r>
-                    </m:oMath>
-                  </a14:m>
-                  <a:endParaRPr lang="en-US" sz="2400" dirty="0"/>
-                </a:p>
-              </p:txBody>
-            </p:sp>
-          </mc:Choice>
-          <mc:Fallback xmlns="">
-            <p:sp>
-              <p:nvSpPr>
-                <p:cNvPr id="9" name="TextBox 8"/>
-                <p:cNvSpPr txBox="1">
-                  <a:spLocks noRot="1" noChangeAspect="1" noMove="1" noResize="1" noEditPoints="1" noAdjustHandles="1" noChangeArrowheads="1" noChangeShapeType="1" noTextEdit="1"/>
-                </p:cNvSpPr>
-                <p:nvPr/>
-              </p:nvSpPr>
-              <p:spPr>
-                <a:xfrm>
-                  <a:off x="-462215" y="2260158"/>
-                  <a:ext cx="957427" cy="461665"/>
-                </a:xfrm>
-                <a:prstGeom prst="rect">
-                  <a:avLst/>
-                </a:prstGeom>
-                <a:blipFill>
-                  <a:blip r:embed="rId3"/>
-                  <a:stretch>
-                    <a:fillRect l="-9091" t="-8108" b="-29730"/>
-                  </a:stretch>
-                </a:blipFill>
-              </p:spPr>
-              <p:txBody>
-                <a:bodyPr/>
-                <a:lstStyle/>
-                <a:p>
-                  <a:r>
-                    <a:rPr lang="en-US">
-                      <a:noFill/>
-                    </a:rPr>
-                    <a:t> </a:t>
-                  </a:r>
-                </a:p>
-              </p:txBody>
-            </p:sp>
-          </mc:Fallback>
-        </mc:AlternateContent>
-        <mc:AlternateContent xmlns:mc="http://schemas.openxmlformats.org/markup-compatibility/2006" xmlns:a14="http://schemas.microsoft.com/office/drawing/2010/main">
-          <mc:Choice Requires="a14">
-            <p:sp>
-              <p:nvSpPr>
-                <p:cNvPr id="10" name="TextBox 9"/>
-                <p:cNvSpPr txBox="1"/>
-                <p:nvPr/>
-              </p:nvSpPr>
-              <p:spPr>
-                <a:xfrm>
-                  <a:off x="367090" y="1485585"/>
-                  <a:ext cx="903324" cy="461665"/>
-                </a:xfrm>
-                <a:prstGeom prst="rect">
-                  <a:avLst/>
-                </a:prstGeom>
-                <a:noFill/>
-              </p:spPr>
-              <p:txBody>
-                <a:bodyPr wrap="none" rtlCol="0">
-                  <a:spAutoFit/>
-                </a:bodyPr>
-                <a:lstStyle/>
-                <a:p>
-                  <a:r>
-                    <a:rPr lang="en-US" sz="2400" b="0" dirty="0"/>
-                    <a:t>c</a:t>
-                  </a:r>
-                  <a:r>
-                    <a:rPr lang="en-US" sz="2400" b="0" baseline="-25000" dirty="0"/>
-                    <a:t>1</a:t>
-                  </a:r>
-                  <a14:m>
-                    <m:oMath xmlns:m="http://schemas.openxmlformats.org/officeDocument/2006/math">
-                      <m:r>
-                        <a:rPr lang="en-US" sz="2400" b="0" i="1" smtClean="0">
-                          <a:latin typeface="Cambria Math" panose="02040503050406030204" pitchFamily="18" charset="0"/>
-                        </a:rPr>
-                        <m:t>=2</m:t>
-                      </m:r>
-                    </m:oMath>
-                  </a14:m>
-                  <a:endParaRPr lang="en-US" dirty="0"/>
-                </a:p>
-              </p:txBody>
-            </p:sp>
-          </mc:Choice>
-          <mc:Fallback xmlns="">
-            <p:sp>
-              <p:nvSpPr>
-                <p:cNvPr id="10" name="TextBox 9"/>
-                <p:cNvSpPr txBox="1">
-                  <a:spLocks noRot="1" noChangeAspect="1" noMove="1" noResize="1" noEditPoints="1" noAdjustHandles="1" noChangeArrowheads="1" noChangeShapeType="1" noTextEdit="1"/>
-                </p:cNvSpPr>
-                <p:nvPr/>
-              </p:nvSpPr>
-              <p:spPr>
-                <a:xfrm>
-                  <a:off x="367090" y="1485585"/>
-                  <a:ext cx="903324" cy="461665"/>
-                </a:xfrm>
-                <a:prstGeom prst="rect">
-                  <a:avLst/>
-                </a:prstGeom>
-                <a:blipFill>
-                  <a:blip r:embed="rId4"/>
-                  <a:stretch>
-                    <a:fillRect l="-11111" t="-8108" b="-29730"/>
-                  </a:stretch>
-                </a:blipFill>
-              </p:spPr>
-              <p:txBody>
-                <a:bodyPr/>
-                <a:lstStyle/>
-                <a:p>
-                  <a:r>
-                    <a:rPr lang="en-US">
-                      <a:noFill/>
-                    </a:rPr>
-                    <a:t> </a:t>
-                  </a:r>
-                </a:p>
-              </p:txBody>
-            </p:sp>
-          </mc:Fallback>
-        </mc:AlternateContent>
-      </p:grpSp>
-      <mc:AlternateContent xmlns:mc="http://schemas.openxmlformats.org/markup-compatibility/2006" xmlns:a14="http://schemas.microsoft.com/office/drawing/2010/main">
-        <mc:Choice Requires="a14">
-          <p:sp>
-            <p:nvSpPr>
-              <p:cNvPr id="11" name="TextBox 10"/>
-              <p:cNvSpPr txBox="1"/>
-              <p:nvPr/>
-            </p:nvSpPr>
-            <p:spPr>
-              <a:xfrm>
-                <a:off x="4919120" y="3222109"/>
-                <a:ext cx="435504" cy="461665"/>
-              </a:xfrm>
-              <a:prstGeom prst="rect">
-                <a:avLst/>
-              </a:prstGeom>
-              <a:noFill/>
-            </p:spPr>
-            <p:txBody>
-              <a:bodyPr wrap="square" rtlCol="0">
-                <a:spAutoFit/>
-              </a:bodyPr>
-              <a:lstStyle/>
-              <a:p>
-                <a:pPr/>
-                <a14:m>
-                  <m:oMathPara xmlns:m="http://schemas.openxmlformats.org/officeDocument/2006/math">
-                    <m:oMathParaPr>
-                      <m:jc m:val="centerGroup"/>
-                    </m:oMathParaPr>
-                    <m:oMath xmlns:m="http://schemas.openxmlformats.org/officeDocument/2006/math">
-                      <m:r>
-                        <a:rPr lang="en-US" sz="2400" b="0" i="1" smtClean="0">
-                          <a:latin typeface="Cambria Math" panose="02040503050406030204" pitchFamily="18" charset="0"/>
-                        </a:rPr>
-                        <m:t>2</m:t>
-                      </m:r>
-                    </m:oMath>
-                  </m:oMathPara>
-                </a14:m>
-                <a:endParaRPr lang="en-US" sz="2400" dirty="0"/>
-              </a:p>
-            </p:txBody>
-          </p:sp>
-        </mc:Choice>
-        <mc:Fallback xmlns="">
-          <p:sp>
-            <p:nvSpPr>
-              <p:cNvPr id="11" name="TextBox 10"/>
-              <p:cNvSpPr txBox="1">
-                <a:spLocks noRot="1" noChangeAspect="1" noMove="1" noResize="1" noEditPoints="1" noAdjustHandles="1" noChangeArrowheads="1" noChangeShapeType="1" noTextEdit="1"/>
-              </p:cNvSpPr>
-              <p:nvPr/>
-            </p:nvSpPr>
-            <p:spPr>
-              <a:xfrm>
-                <a:off x="4919120" y="3222109"/>
-                <a:ext cx="435504" cy="461665"/>
-              </a:xfrm>
-              <a:prstGeom prst="rect">
-                <a:avLst/>
-              </a:prstGeom>
-              <a:blipFill>
-                <a:blip r:embed="rId5"/>
-                <a:stretch>
-                  <a:fillRect/>
-                </a:stretch>
-              </a:blipFill>
-            </p:spPr>
-            <p:txBody>
-              <a:bodyPr/>
-              <a:lstStyle/>
-              <a:p>
-                <a:r>
-                  <a:rPr lang="en-US">
-                    <a:noFill/>
-                  </a:rPr>
-                  <a:t> </a:t>
-                </a:r>
-              </a:p>
-            </p:txBody>
-          </p:sp>
-        </mc:Fallback>
-      </mc:AlternateContent>
-      <mc:AlternateContent xmlns:mc="http://schemas.openxmlformats.org/markup-compatibility/2006" xmlns:a14="http://schemas.microsoft.com/office/drawing/2010/main">
-        <mc:Choice Requires="a14">
-          <p:sp>
-            <p:nvSpPr>
-              <p:cNvPr id="12" name="TextBox 11"/>
-              <p:cNvSpPr txBox="1"/>
-              <p:nvPr/>
-            </p:nvSpPr>
-            <p:spPr>
-              <a:xfrm>
-                <a:off x="5517502" y="2630251"/>
-                <a:ext cx="1025217" cy="461665"/>
-              </a:xfrm>
-              <a:prstGeom prst="rect">
-                <a:avLst/>
-              </a:prstGeom>
-              <a:noFill/>
-            </p:spPr>
-            <p:txBody>
-              <a:bodyPr wrap="square" rtlCol="0">
-                <a:spAutoFit/>
-              </a:bodyPr>
-              <a:lstStyle/>
-              <a:p>
-                <a:r>
-                  <a:rPr lang="en-US" sz="2400" b="0" dirty="0"/>
-                  <a:t>c</a:t>
-                </a:r>
-                <a:r>
-                  <a:rPr lang="en-US" sz="2400" b="0" baseline="-25000" dirty="0"/>
-                  <a:t>2</a:t>
-                </a:r>
-                <a14:m>
-                  <m:oMath xmlns:m="http://schemas.openxmlformats.org/officeDocument/2006/math">
-                    <m:r>
-                      <a:rPr lang="en-US" sz="2400" b="0" i="1" smtClean="0">
-                        <a:latin typeface="Cambria Math" panose="02040503050406030204" pitchFamily="18" charset="0"/>
-                      </a:rPr>
-                      <m:t>=5</m:t>
-                    </m:r>
-                  </m:oMath>
-                </a14:m>
-                <a:endParaRPr lang="en-US" sz="2400" dirty="0"/>
-              </a:p>
-            </p:txBody>
-          </p:sp>
-        </mc:Choice>
-        <mc:Fallback xmlns="">
-          <p:sp>
-            <p:nvSpPr>
-              <p:cNvPr id="12" name="TextBox 11"/>
-              <p:cNvSpPr txBox="1">
-                <a:spLocks noRot="1" noChangeAspect="1" noMove="1" noResize="1" noEditPoints="1" noAdjustHandles="1" noChangeArrowheads="1" noChangeShapeType="1" noTextEdit="1"/>
-              </p:cNvSpPr>
-              <p:nvPr/>
-            </p:nvSpPr>
-            <p:spPr>
-              <a:xfrm>
-                <a:off x="5517502" y="2630251"/>
-                <a:ext cx="1025217" cy="461665"/>
-              </a:xfrm>
-              <a:prstGeom prst="rect">
-                <a:avLst/>
-              </a:prstGeom>
-              <a:blipFill>
-                <a:blip r:embed="rId6"/>
-                <a:stretch>
-                  <a:fillRect l="-9756" t="-5263" b="-28947"/>
-                </a:stretch>
-              </a:blipFill>
-            </p:spPr>
-            <p:txBody>
-              <a:bodyPr/>
-              <a:lstStyle/>
-              <a:p>
-                <a:r>
-                  <a:rPr lang="en-US">
-                    <a:noFill/>
-                  </a:rPr>
-                  <a:t> </a:t>
-                </a:r>
-              </a:p>
-            </p:txBody>
-          </p:sp>
-        </mc:Fallback>
-      </mc:AlternateContent>
-      <mc:AlternateContent xmlns:mc="http://schemas.openxmlformats.org/markup-compatibility/2006" xmlns:a14="http://schemas.microsoft.com/office/drawing/2010/main">
-        <mc:Choice Requires="a14">
-          <p:sp>
-            <p:nvSpPr>
-              <p:cNvPr id="13" name="TextBox 12"/>
-              <p:cNvSpPr txBox="1"/>
-              <p:nvPr/>
-            </p:nvSpPr>
-            <p:spPr>
-              <a:xfrm>
-                <a:off x="7478297" y="3236616"/>
-                <a:ext cx="374590" cy="461665"/>
-              </a:xfrm>
-              <a:prstGeom prst="rect">
-                <a:avLst/>
-              </a:prstGeom>
-              <a:noFill/>
-            </p:spPr>
-            <p:txBody>
-              <a:bodyPr wrap="square" rtlCol="0">
-                <a:spAutoFit/>
-              </a:bodyPr>
-              <a:lstStyle/>
-              <a:p>
-                <a:pPr/>
-                <a14:m>
-                  <m:oMathPara xmlns:m="http://schemas.openxmlformats.org/officeDocument/2006/math">
-                    <m:oMathParaPr>
-                      <m:jc m:val="centerGroup"/>
-                    </m:oMathParaPr>
-                    <m:oMath xmlns:m="http://schemas.openxmlformats.org/officeDocument/2006/math">
-                      <m:r>
-                        <a:rPr lang="en-US" sz="2400" b="0" i="1" smtClean="0">
-                          <a:latin typeface="Cambria Math" panose="02040503050406030204" pitchFamily="18" charset="0"/>
-                        </a:rPr>
-                        <m:t>3</m:t>
-                      </m:r>
-                    </m:oMath>
-                  </m:oMathPara>
-                </a14:m>
-                <a:endParaRPr lang="en-US" sz="2400" dirty="0"/>
-              </a:p>
-            </p:txBody>
-          </p:sp>
-        </mc:Choice>
-        <mc:Fallback xmlns="">
-          <p:sp>
-            <p:nvSpPr>
-              <p:cNvPr id="13" name="TextBox 12"/>
-              <p:cNvSpPr txBox="1">
-                <a:spLocks noRot="1" noChangeAspect="1" noMove="1" noResize="1" noEditPoints="1" noAdjustHandles="1" noChangeArrowheads="1" noChangeShapeType="1" noTextEdit="1"/>
-              </p:cNvSpPr>
-              <p:nvPr/>
-            </p:nvSpPr>
-            <p:spPr>
-              <a:xfrm>
-                <a:off x="7478297" y="3236616"/>
-                <a:ext cx="374590" cy="461665"/>
-              </a:xfrm>
-              <a:prstGeom prst="rect">
-                <a:avLst/>
-              </a:prstGeom>
-              <a:blipFill>
-                <a:blip r:embed="rId7"/>
-                <a:stretch>
-                  <a:fillRect/>
-                </a:stretch>
-              </a:blipFill>
-            </p:spPr>
-            <p:txBody>
-              <a:bodyPr/>
-              <a:lstStyle/>
-              <a:p>
-                <a:r>
-                  <a:rPr lang="en-US">
-                    <a:noFill/>
-                  </a:rPr>
-                  <a:t> </a:t>
-                </a:r>
-              </a:p>
-            </p:txBody>
-          </p:sp>
-        </mc:Fallback>
-      </mc:AlternateContent>
-      <mc:AlternateContent xmlns:mc="http://schemas.openxmlformats.org/markup-compatibility/2006" xmlns:a14="http://schemas.microsoft.com/office/drawing/2010/main">
-        <mc:Choice Requires="a14">
-          <p:sp>
-            <p:nvSpPr>
-              <p:cNvPr id="14" name="TextBox 13"/>
-              <p:cNvSpPr txBox="1"/>
-              <p:nvPr/>
-            </p:nvSpPr>
-            <p:spPr>
-              <a:xfrm flipH="1">
-                <a:off x="8053431" y="2584040"/>
-                <a:ext cx="1071298" cy="461665"/>
-              </a:xfrm>
-              <a:prstGeom prst="rect">
-                <a:avLst/>
-              </a:prstGeom>
-              <a:noFill/>
-            </p:spPr>
-            <p:txBody>
-              <a:bodyPr wrap="square" rtlCol="0">
-                <a:spAutoFit/>
-              </a:bodyPr>
-              <a:lstStyle/>
-              <a:p>
-                <a:pPr/>
-                <a14:m>
-                  <m:oMathPara xmlns:m="http://schemas.openxmlformats.org/officeDocument/2006/math">
-                    <m:oMathParaPr>
-                      <m:jc m:val="centerGroup"/>
-                    </m:oMathParaPr>
-                    <m:oMath xmlns:m="http://schemas.openxmlformats.org/officeDocument/2006/math">
-                      <m:r>
-                        <a:rPr lang="en-US" sz="2400" b="0" i="1" smtClean="0">
-                          <a:latin typeface="Cambria Math" panose="02040503050406030204" pitchFamily="18" charset="0"/>
-                        </a:rPr>
-                        <m:t>5</m:t>
-                      </m:r>
-                    </m:oMath>
-                  </m:oMathPara>
-                </a14:m>
-                <a:endParaRPr lang="en-US" sz="2400" dirty="0"/>
-              </a:p>
-            </p:txBody>
-          </p:sp>
-        </mc:Choice>
-        <mc:Fallback xmlns="">
-          <p:sp>
-            <p:nvSpPr>
-              <p:cNvPr id="14" name="TextBox 13"/>
-              <p:cNvSpPr txBox="1">
-                <a:spLocks noRot="1" noChangeAspect="1" noMove="1" noResize="1" noEditPoints="1" noAdjustHandles="1" noChangeArrowheads="1" noChangeShapeType="1" noTextEdit="1"/>
-              </p:cNvSpPr>
-              <p:nvPr/>
-            </p:nvSpPr>
-            <p:spPr>
-              <a:xfrm flipH="1">
-                <a:off x="8053431" y="2584040"/>
-                <a:ext cx="1071298" cy="461665"/>
-              </a:xfrm>
-              <a:prstGeom prst="rect">
-                <a:avLst/>
-              </a:prstGeom>
-              <a:blipFill>
-                <a:blip r:embed="rId8"/>
-                <a:stretch>
-                  <a:fillRect/>
-                </a:stretch>
-              </a:blipFill>
-            </p:spPr>
-            <p:txBody>
-              <a:bodyPr/>
-              <a:lstStyle/>
-              <a:p>
-                <a:r>
-                  <a:rPr lang="en-US">
-                    <a:noFill/>
-                  </a:rPr>
-                  <a:t> </a:t>
-                </a:r>
-              </a:p>
-            </p:txBody>
-          </p:sp>
-        </mc:Fallback>
-      </mc:AlternateContent>
-      <mc:AlternateContent xmlns:mc="http://schemas.openxmlformats.org/markup-compatibility/2006" xmlns:a14="http://schemas.microsoft.com/office/drawing/2010/main">
-        <mc:Choice Requires="a14">
-          <p:sp>
-            <p:nvSpPr>
-              <p:cNvPr id="15" name="TextBox 14"/>
-              <p:cNvSpPr txBox="1"/>
-              <p:nvPr/>
-            </p:nvSpPr>
-            <p:spPr>
-              <a:xfrm>
-                <a:off x="4369328" y="3183548"/>
-                <a:ext cx="473206" cy="461665"/>
-              </a:xfrm>
-              <a:prstGeom prst="rect">
-                <a:avLst/>
-              </a:prstGeom>
-              <a:noFill/>
-            </p:spPr>
-            <p:txBody>
-              <a:bodyPr wrap="none" rtlCol="0">
-                <a:spAutoFit/>
-              </a:bodyPr>
-              <a:lstStyle/>
-              <a:p>
-                <a:pPr/>
-                <a14:m>
-                  <m:oMathPara xmlns:m="http://schemas.openxmlformats.org/officeDocument/2006/math">
-                    <m:oMathParaPr>
-                      <m:jc m:val="centerGroup"/>
-                    </m:oMathParaPr>
-                    <m:oMath xmlns:m="http://schemas.openxmlformats.org/officeDocument/2006/math">
-                      <m:r>
-                        <a:rPr lang="en-US" sz="2400" b="0" i="1" smtClean="0">
-                          <a:latin typeface="Cambria Math"/>
-                        </a:rPr>
-                        <m:t>×</m:t>
-                      </m:r>
-                    </m:oMath>
-                  </m:oMathPara>
-                </a14:m>
-                <a:endParaRPr lang="en-US" sz="2400" dirty="0"/>
-              </a:p>
-            </p:txBody>
-          </p:sp>
-        </mc:Choice>
-        <mc:Fallback xmlns="">
-          <p:sp>
-            <p:nvSpPr>
-              <p:cNvPr id="15" name="TextBox 14"/>
-              <p:cNvSpPr txBox="1">
-                <a:spLocks noRot="1" noChangeAspect="1" noMove="1" noResize="1" noEditPoints="1" noAdjustHandles="1" noChangeArrowheads="1" noChangeShapeType="1" noTextEdit="1"/>
-              </p:cNvSpPr>
-              <p:nvPr/>
-            </p:nvSpPr>
-            <p:spPr>
-              <a:xfrm>
-                <a:off x="4369328" y="3183548"/>
-                <a:ext cx="473206" cy="461665"/>
-              </a:xfrm>
-              <a:prstGeom prst="rect">
-                <a:avLst/>
-              </a:prstGeom>
-              <a:blipFill>
-                <a:blip r:embed="rId9"/>
-                <a:stretch>
-                  <a:fillRect/>
-                </a:stretch>
-              </a:blipFill>
-            </p:spPr>
-            <p:txBody>
-              <a:bodyPr/>
-              <a:lstStyle/>
-              <a:p>
-                <a:r>
-                  <a:rPr lang="en-US">
-                    <a:noFill/>
-                  </a:rPr>
-                  <a:t> </a:t>
-                </a:r>
-              </a:p>
-            </p:txBody>
-          </p:sp>
-        </mc:Fallback>
-      </mc:AlternateContent>
-      <mc:AlternateContent xmlns:mc="http://schemas.openxmlformats.org/markup-compatibility/2006" xmlns:a14="http://schemas.microsoft.com/office/drawing/2010/main">
-        <mc:Choice Requires="a14">
-          <p:sp>
-            <p:nvSpPr>
-              <p:cNvPr id="16" name="TextBox 15"/>
-              <p:cNvSpPr txBox="1"/>
-              <p:nvPr/>
-            </p:nvSpPr>
-            <p:spPr>
-              <a:xfrm>
-                <a:off x="6966207" y="3196193"/>
-                <a:ext cx="410689" cy="461665"/>
-              </a:xfrm>
-              <a:prstGeom prst="rect">
-                <a:avLst/>
-              </a:prstGeom>
-              <a:noFill/>
-            </p:spPr>
-            <p:txBody>
-              <a:bodyPr wrap="square" rtlCol="0">
-                <a:spAutoFit/>
-              </a:bodyPr>
-              <a:lstStyle/>
-              <a:p>
-                <a:pPr/>
-                <a14:m>
-                  <m:oMathPara xmlns:m="http://schemas.openxmlformats.org/officeDocument/2006/math">
-                    <m:oMathParaPr>
-                      <m:jc m:val="centerGroup"/>
-                    </m:oMathParaPr>
-                    <m:oMath xmlns:m="http://schemas.openxmlformats.org/officeDocument/2006/math">
-                      <m:r>
-                        <a:rPr lang="en-US" sz="2400" i="1">
-                          <a:latin typeface="Cambria Math"/>
-                        </a:rPr>
-                        <m:t>=</m:t>
-                      </m:r>
-                    </m:oMath>
-                  </m:oMathPara>
-                </a14:m>
-                <a:endParaRPr lang="en-US" sz="2400" dirty="0"/>
-              </a:p>
-            </p:txBody>
-          </p:sp>
-        </mc:Choice>
-        <mc:Fallback xmlns="">
-          <p:sp>
-            <p:nvSpPr>
-              <p:cNvPr id="16" name="TextBox 15"/>
-              <p:cNvSpPr txBox="1">
-                <a:spLocks noRot="1" noChangeAspect="1" noMove="1" noResize="1" noEditPoints="1" noAdjustHandles="1" noChangeArrowheads="1" noChangeShapeType="1" noTextEdit="1"/>
-              </p:cNvSpPr>
-              <p:nvPr/>
-            </p:nvSpPr>
-            <p:spPr>
-              <a:xfrm>
-                <a:off x="6966207" y="3196193"/>
-                <a:ext cx="410689" cy="461665"/>
-              </a:xfrm>
-              <a:prstGeom prst="rect">
-                <a:avLst/>
-              </a:prstGeom>
-              <a:blipFill>
-                <a:blip r:embed="rId10"/>
-                <a:stretch>
-                  <a:fillRect/>
-                </a:stretch>
-              </a:blipFill>
-            </p:spPr>
-            <p:txBody>
-              <a:bodyPr/>
-              <a:lstStyle/>
-              <a:p>
-                <a:r>
-                  <a:rPr lang="en-US">
-                    <a:noFill/>
-                  </a:rPr>
-                  <a:t> </a:t>
-                </a:r>
-              </a:p>
-            </p:txBody>
-          </p:sp>
-        </mc:Fallback>
-      </mc:AlternateContent>
-      <p:sp>
-        <p:nvSpPr>
-          <p:cNvPr id="17" name="Content Placeholder 2">
-            <a:extLst>
-              <a:ext uri="{FF2B5EF4-FFF2-40B4-BE49-F238E27FC236}">
-                <a16:creationId xmlns:a16="http://schemas.microsoft.com/office/drawing/2014/main" id="{B8B1D9FA-F8FE-DA46-942F-C8397779CFFF}"/>
-              </a:ext>
-            </a:extLst>
-          </p:cNvPr>
-          <p:cNvSpPr txBox="1">
-            <a:spLocks/>
-          </p:cNvSpPr>
-          <p:nvPr/>
-        </p:nvSpPr>
-        <p:spPr>
-          <a:xfrm>
-            <a:off x="2049625" y="1447800"/>
-            <a:ext cx="8382000" cy="878301"/>
-          </a:xfrm>
-          <a:prstGeom prst="rect">
-            <a:avLst/>
-          </a:prstGeom>
-          <a:ln>
-            <a:noFill/>
-          </a:ln>
-        </p:spPr>
-        <p:txBody>
-          <a:bodyPr vert="horz" lIns="91440" tIns="45720" rIns="91440" bIns="45720" rtlCol="0">
-            <a:noAutofit/>
-          </a:bodyPr>
-          <a:lstStyle>
-            <a:lvl1pPr marL="342900" indent="-342900" algn="l" defTabSz="914400" rtl="0" eaLnBrk="1" latinLnBrk="0" hangingPunct="1">
-              <a:spcBef>
-                <a:spcPct val="20000"/>
-              </a:spcBef>
-              <a:buFont typeface="Arial" panose="020B0604020202020204" pitchFamily="34" charset="0"/>
-              <a:buChar char="•"/>
-              <a:defRPr sz="3200" kern="1200">
-                <a:solidFill>
-                  <a:schemeClr val="tx1"/>
-                </a:solidFill>
-                <a:latin typeface="+mn-lt"/>
-                <a:ea typeface="+mn-ea"/>
-                <a:cs typeface="+mn-cs"/>
-              </a:defRPr>
-            </a:lvl1pPr>
-            <a:lvl2pPr marL="742950" indent="-285750" algn="l" defTabSz="914400" rtl="0" eaLnBrk="1" latinLnBrk="0" hangingPunct="1">
-              <a:spcBef>
-                <a:spcPct val="20000"/>
-              </a:spcBef>
-              <a:buFont typeface="Arial" panose="020B0604020202020204" pitchFamily="34" charset="0"/>
-              <a:buChar char="–"/>
-              <a:defRPr sz="2800" kern="1200">
-                <a:solidFill>
-                  <a:schemeClr val="tx1"/>
-                </a:solidFill>
-                <a:latin typeface="+mn-lt"/>
-                <a:ea typeface="+mn-ea"/>
-                <a:cs typeface="+mn-cs"/>
-              </a:defRPr>
-            </a:lvl2pPr>
-            <a:lvl3pPr marL="1143000" indent="-228600" algn="l" defTabSz="914400" rtl="0" eaLnBrk="1" latinLnBrk="0" hangingPunct="1">
-              <a:spcBef>
-                <a:spcPct val="20000"/>
-              </a:spcBef>
-              <a:buFont typeface="Arial" panose="020B0604020202020204" pitchFamily="34" charset="0"/>
-              <a:buChar char="•"/>
-              <a:defRPr sz="2400" kern="1200">
-                <a:solidFill>
-                  <a:schemeClr val="tx1"/>
-                </a:solidFill>
-                <a:latin typeface="+mn-lt"/>
-                <a:ea typeface="+mn-ea"/>
-                <a:cs typeface="+mn-cs"/>
-              </a:defRPr>
-            </a:lvl3pPr>
-            <a:lvl4pPr marL="1600200" indent="-228600" algn="l" defTabSz="914400" rtl="0" eaLnBrk="1" latinLnBrk="0" hangingPunct="1">
-              <a:spcBef>
-                <a:spcPct val="20000"/>
-              </a:spcBef>
-              <a:buFont typeface="Arial" panose="020B0604020202020204" pitchFamily="34" charset="0"/>
-              <a:buChar char="–"/>
-              <a:defRPr sz="2000" kern="1200">
-                <a:solidFill>
-                  <a:schemeClr val="tx1"/>
-                </a:solidFill>
-                <a:latin typeface="+mn-lt"/>
-                <a:ea typeface="+mn-ea"/>
-                <a:cs typeface="+mn-cs"/>
-              </a:defRPr>
-            </a:lvl4pPr>
-            <a:lvl5pPr marL="2057400" indent="-228600" algn="l" defTabSz="914400" rtl="0" eaLnBrk="1" latinLnBrk="0" hangingPunct="1">
-              <a:spcBef>
-                <a:spcPct val="20000"/>
-              </a:spcBef>
-              <a:buFont typeface="Arial" panose="020B0604020202020204" pitchFamily="34" charset="0"/>
-              <a:buChar char="»"/>
-              <a:defRPr sz="2000" kern="1200">
-                <a:solidFill>
-                  <a:schemeClr val="tx1"/>
-                </a:solidFill>
-                <a:latin typeface="+mn-lt"/>
-                <a:ea typeface="+mn-ea"/>
-                <a:cs typeface="+mn-cs"/>
-              </a:defRPr>
-            </a:lvl5pPr>
-            <a:lvl6pPr marL="2514600" indent="-228600" algn="l" defTabSz="914400" rtl="0" eaLnBrk="1" latinLnBrk="0" hangingPunct="1">
-              <a:spcBef>
-                <a:spcPct val="20000"/>
-              </a:spcBef>
-              <a:buFont typeface="Arial" panose="020B0604020202020204" pitchFamily="34" charset="0"/>
-              <a:buChar char="•"/>
-              <a:defRPr sz="2000" kern="1200">
-                <a:solidFill>
-                  <a:schemeClr val="tx1"/>
-                </a:solidFill>
-                <a:latin typeface="+mn-lt"/>
-                <a:ea typeface="+mn-ea"/>
-                <a:cs typeface="+mn-cs"/>
-              </a:defRPr>
-            </a:lvl6pPr>
-            <a:lvl7pPr marL="2971800" indent="-228600" algn="l" defTabSz="914400" rtl="0" eaLnBrk="1" latinLnBrk="0" hangingPunct="1">
-              <a:spcBef>
-                <a:spcPct val="20000"/>
-              </a:spcBef>
-              <a:buFont typeface="Arial" panose="020B0604020202020204" pitchFamily="34" charset="0"/>
-              <a:buChar char="•"/>
-              <a:defRPr sz="2000" kern="1200">
-                <a:solidFill>
-                  <a:schemeClr val="tx1"/>
-                </a:solidFill>
-                <a:latin typeface="+mn-lt"/>
-                <a:ea typeface="+mn-ea"/>
-                <a:cs typeface="+mn-cs"/>
-              </a:defRPr>
-            </a:lvl7pPr>
-            <a:lvl8pPr marL="3429000" indent="-228600" algn="l" defTabSz="914400" rtl="0" eaLnBrk="1" latinLnBrk="0" hangingPunct="1">
-              <a:spcBef>
-                <a:spcPct val="20000"/>
-              </a:spcBef>
-              <a:buFont typeface="Arial" panose="020B0604020202020204" pitchFamily="34" charset="0"/>
-              <a:buChar char="•"/>
-              <a:defRPr sz="2000" kern="1200">
-                <a:solidFill>
-                  <a:schemeClr val="tx1"/>
-                </a:solidFill>
-                <a:latin typeface="+mn-lt"/>
-                <a:ea typeface="+mn-ea"/>
-                <a:cs typeface="+mn-cs"/>
-              </a:defRPr>
-            </a:lvl8pPr>
-            <a:lvl9pPr marL="3886200" indent="-228600" algn="l" defTabSz="914400" rtl="0" eaLnBrk="1" latinLnBrk="0" hangingPunct="1">
-              <a:spcBef>
-                <a:spcPct val="20000"/>
-              </a:spcBef>
-              <a:buFont typeface="Arial" panose="020B0604020202020204" pitchFamily="34" charset="0"/>
-              <a:buChar char="•"/>
-              <a:defRPr sz="2000" kern="1200">
-                <a:solidFill>
-                  <a:schemeClr val="tx1"/>
-                </a:solidFill>
-                <a:latin typeface="+mn-lt"/>
-                <a:ea typeface="+mn-ea"/>
-                <a:cs typeface="+mn-cs"/>
-              </a:defRPr>
-            </a:lvl9pPr>
-          </a:lstStyle>
-          <a:p>
-            <a:pPr marL="0" indent="0" algn="ctr">
-              <a:buFont typeface="Arial" panose="020B0604020202020204" pitchFamily="34" charset="0"/>
-              <a:buNone/>
-            </a:pPr>
-            <a:r>
-              <a:rPr lang="en-US" sz="2800" dirty="0"/>
-              <a:t>How many scalar multiplications are required to multiply</a:t>
-            </a:r>
-            <a:br>
-              <a:rPr lang="en-US" sz="2800" dirty="0"/>
-            </a:br>
-            <a:r>
-              <a:rPr lang="en-US" sz="2800" dirty="0"/>
-              <a:t>matrices A and B in this example?</a:t>
-            </a:r>
-          </a:p>
-        </p:txBody>
-      </p:sp>
-      <mc:AlternateContent xmlns:mc="http://schemas.openxmlformats.org/markup-compatibility/2006" xmlns:a14="http://schemas.microsoft.com/office/drawing/2010/main">
-        <mc:Choice Requires="a14">
-          <p:sp>
-            <p:nvSpPr>
-              <p:cNvPr id="18" name="TextBox 17">
-                <a:extLst>
-                  <a:ext uri="{FF2B5EF4-FFF2-40B4-BE49-F238E27FC236}">
-                    <a16:creationId xmlns:a16="http://schemas.microsoft.com/office/drawing/2014/main" id="{6066032A-70D9-4540-AB82-57EF5F37CEF7}"/>
-                  </a:ext>
-                </a:extLst>
-              </p:cNvPr>
-              <p:cNvSpPr txBox="1"/>
-              <p:nvPr/>
-            </p:nvSpPr>
-            <p:spPr>
-              <a:xfrm>
-                <a:off x="3395314" y="4074169"/>
-                <a:ext cx="452175" cy="461665"/>
-              </a:xfrm>
-              <a:prstGeom prst="rect">
-                <a:avLst/>
-              </a:prstGeom>
-              <a:noFill/>
-            </p:spPr>
-            <p:txBody>
-              <a:bodyPr wrap="none" rtlCol="0">
-                <a:spAutoFit/>
-              </a:bodyPr>
-              <a:lstStyle/>
-              <a:p>
-                <a:pPr/>
-                <a14:m>
-                  <m:oMathPara xmlns:m="http://schemas.openxmlformats.org/officeDocument/2006/math">
-                    <m:oMathParaPr>
-                      <m:jc m:val="centerGroup"/>
-                    </m:oMathParaPr>
-                    <m:oMath xmlns:m="http://schemas.openxmlformats.org/officeDocument/2006/math">
-                      <m:r>
-                        <a:rPr lang="en-US" sz="2400" b="0" i="1" smtClean="0">
-                          <a:latin typeface="Cambria Math" panose="02040503050406030204" pitchFamily="18" charset="0"/>
-                        </a:rPr>
-                        <m:t>𝐴</m:t>
-                      </m:r>
-                    </m:oMath>
-                  </m:oMathPara>
-                </a14:m>
-                <a:endParaRPr lang="en-US" dirty="0"/>
-              </a:p>
-            </p:txBody>
-          </p:sp>
-        </mc:Choice>
-        <mc:Fallback xmlns="">
-          <p:sp>
-            <p:nvSpPr>
-              <p:cNvPr id="18" name="TextBox 17">
-                <a:extLst>
-                  <a:ext uri="{FF2B5EF4-FFF2-40B4-BE49-F238E27FC236}">
-                    <a16:creationId xmlns:a16="http://schemas.microsoft.com/office/drawing/2014/main" id="{6066032A-70D9-4540-AB82-57EF5F37CEF7}"/>
-                  </a:ext>
-                </a:extLst>
-              </p:cNvPr>
-              <p:cNvSpPr txBox="1">
-                <a:spLocks noRot="1" noChangeAspect="1" noMove="1" noResize="1" noEditPoints="1" noAdjustHandles="1" noChangeArrowheads="1" noChangeShapeType="1" noTextEdit="1"/>
-              </p:cNvSpPr>
-              <p:nvPr/>
-            </p:nvSpPr>
-            <p:spPr>
-              <a:xfrm>
-                <a:off x="3395314" y="4074169"/>
-                <a:ext cx="452175" cy="461665"/>
-              </a:xfrm>
-              <a:prstGeom prst="rect">
-                <a:avLst/>
-              </a:prstGeom>
-              <a:blipFill>
-                <a:blip r:embed="rId11"/>
-                <a:stretch>
-                  <a:fillRect/>
-                </a:stretch>
-              </a:blipFill>
-            </p:spPr>
-            <p:txBody>
-              <a:bodyPr/>
-              <a:lstStyle/>
-              <a:p>
-                <a:r>
-                  <a:rPr lang="en-US">
-                    <a:noFill/>
-                  </a:rPr>
-                  <a:t> </a:t>
-                </a:r>
-              </a:p>
-            </p:txBody>
-          </p:sp>
-        </mc:Fallback>
-      </mc:AlternateContent>
-      <mc:AlternateContent xmlns:mc="http://schemas.openxmlformats.org/markup-compatibility/2006" xmlns:a14="http://schemas.microsoft.com/office/drawing/2010/main">
-        <mc:Choice Requires="a14">
-          <p:sp>
-            <p:nvSpPr>
-              <p:cNvPr id="19" name="TextBox 18">
-                <a:extLst>
-                  <a:ext uri="{FF2B5EF4-FFF2-40B4-BE49-F238E27FC236}">
-                    <a16:creationId xmlns:a16="http://schemas.microsoft.com/office/drawing/2014/main" id="{3F6EB3F2-6D1D-8449-9F7B-58338C44326C}"/>
-                  </a:ext>
-                </a:extLst>
-              </p:cNvPr>
-              <p:cNvSpPr txBox="1"/>
-              <p:nvPr/>
-            </p:nvSpPr>
-            <p:spPr>
-              <a:xfrm>
-                <a:off x="5735956" y="4074168"/>
-                <a:ext cx="463845" cy="461665"/>
-              </a:xfrm>
-              <a:prstGeom prst="rect">
-                <a:avLst/>
-              </a:prstGeom>
-              <a:noFill/>
-            </p:spPr>
-            <p:txBody>
-              <a:bodyPr wrap="none" rtlCol="0">
-                <a:spAutoFit/>
-              </a:bodyPr>
-              <a:lstStyle/>
-              <a:p>
-                <a:pPr/>
-                <a14:m>
-                  <m:oMathPara xmlns:m="http://schemas.openxmlformats.org/officeDocument/2006/math">
-                    <m:oMathParaPr>
-                      <m:jc m:val="centerGroup"/>
-                    </m:oMathParaPr>
-                    <m:oMath xmlns:m="http://schemas.openxmlformats.org/officeDocument/2006/math">
-                      <m:r>
-                        <a:rPr lang="en-US" sz="2400" b="0" i="1" smtClean="0">
-                          <a:latin typeface="Cambria Math" panose="02040503050406030204" pitchFamily="18" charset="0"/>
-                        </a:rPr>
-                        <m:t>𝐵</m:t>
-                      </m:r>
-                    </m:oMath>
-                  </m:oMathPara>
-                </a14:m>
-                <a:endParaRPr lang="en-US" dirty="0"/>
-              </a:p>
-            </p:txBody>
-          </p:sp>
-        </mc:Choice>
-        <mc:Fallback xmlns="">
-          <p:sp>
-            <p:nvSpPr>
-              <p:cNvPr id="19" name="TextBox 18">
-                <a:extLst>
-                  <a:ext uri="{FF2B5EF4-FFF2-40B4-BE49-F238E27FC236}">
-                    <a16:creationId xmlns:a16="http://schemas.microsoft.com/office/drawing/2014/main" id="{3F6EB3F2-6D1D-8449-9F7B-58338C44326C}"/>
-                  </a:ext>
-                </a:extLst>
-              </p:cNvPr>
-              <p:cNvSpPr txBox="1">
-                <a:spLocks noRot="1" noChangeAspect="1" noMove="1" noResize="1" noEditPoints="1" noAdjustHandles="1" noChangeArrowheads="1" noChangeShapeType="1" noTextEdit="1"/>
-              </p:cNvSpPr>
-              <p:nvPr/>
-            </p:nvSpPr>
-            <p:spPr>
-              <a:xfrm>
-                <a:off x="5735956" y="4074168"/>
-                <a:ext cx="463845" cy="461665"/>
-              </a:xfrm>
-              <a:prstGeom prst="rect">
-                <a:avLst/>
-              </a:prstGeom>
-              <a:blipFill>
-                <a:blip r:embed="rId12"/>
-                <a:stretch>
-                  <a:fillRect/>
-                </a:stretch>
-              </a:blipFill>
-            </p:spPr>
-            <p:txBody>
-              <a:bodyPr/>
-              <a:lstStyle/>
-              <a:p>
-                <a:r>
-                  <a:rPr lang="en-US">
-                    <a:noFill/>
-                  </a:rPr>
-                  <a:t> </a:t>
-                </a:r>
-              </a:p>
-            </p:txBody>
-          </p:sp>
-        </mc:Fallback>
-      </mc:AlternateContent>
-    </p:spTree>
-    <p:extLst>
-      <p:ext uri="{BB962C8B-B14F-4D97-AF65-F5344CB8AC3E}">
-        <p14:creationId xmlns:p14="http://schemas.microsoft.com/office/powerpoint/2010/main" val="3513668195"/>
-      </p:ext>
-    </p:extLst>
-  </p:cSld>
-  <p:clrMapOvr>
-    <a:masterClrMapping/>
-  </p:clrMapOvr>
-</p:sld>
-</file>
-
-<file path=ppt/slides/slide30.xml><?xml version="1.0" encoding="utf-8"?>
-<p:sld xmlns:a="http://schemas.openxmlformats.org/drawingml/2006/main" xmlns:r="http://schemas.openxmlformats.org/officeDocument/2006/relationships" xmlns:p="http://schemas.openxmlformats.org/presentationml/2006/main">
-  <p:cSld>
-    <p:spTree>
-      <p:nvGrpSpPr>
-        <p:cNvPr id="1" name=""/>
-        <p:cNvGrpSpPr/>
-        <p:nvPr/>
-      </p:nvGrpSpPr>
-      <p:grpSpPr>
-        <a:xfrm>
-          <a:off x="0" y="0"/>
-          <a:ext cx="0" cy="0"/>
-          <a:chOff x="0" y="0"/>
-          <a:chExt cx="0" cy="0"/>
-        </a:xfrm>
-      </p:grpSpPr>
-      <p:sp>
-        <p:nvSpPr>
-          <p:cNvPr id="2" name="Title 1"/>
-          <p:cNvSpPr>
-            <a:spLocks noGrp="1"/>
-          </p:cNvSpPr>
-          <p:nvPr>
-            <p:ph type="title"/>
-          </p:nvPr>
-        </p:nvSpPr>
-        <p:spPr/>
-        <p:txBody>
-          <a:bodyPr/>
-          <a:lstStyle/>
-          <a:p>
-            <a:r>
-              <a:rPr lang="en-US" dirty="0"/>
-              <a:t>Log Cutting Pseudocode</a:t>
-            </a:r>
-          </a:p>
-        </p:txBody>
-      </p:sp>
-      <p:sp>
-        <p:nvSpPr>
-          <p:cNvPr id="4" name="Slide Number Placeholder 3"/>
-          <p:cNvSpPr>
-            <a:spLocks noGrp="1"/>
-          </p:cNvSpPr>
-          <p:nvPr>
-            <p:ph type="sldNum" sz="quarter" idx="12"/>
-          </p:nvPr>
-        </p:nvSpPr>
-        <p:spPr/>
-        <p:txBody>
-          <a:bodyPr/>
-          <a:lstStyle/>
-          <a:p>
-            <a:fld id="{86BADE50-950A-4D58-BFB2-FA2C6A8B385D}" type="slidenum">
-              <a:rPr lang="en-US" smtClean="0"/>
-              <a:t>30</a:t>
+              <a:t>32</a:t>
             </a:fld>
             <a:endParaRPr lang="en-US"/>
           </a:p>
@@ -28756,7 +29680,7 @@
 </p:sld>
 </file>
 
-<file path=ppt/slides/slide31.xml><?xml version="1.0" encoding="utf-8"?>
+<file path=ppt/slides/slide33.xml><?xml version="1.0" encoding="utf-8"?>
 <p:sld xmlns:a="http://schemas.openxmlformats.org/drawingml/2006/main" xmlns:r="http://schemas.openxmlformats.org/officeDocument/2006/relationships" xmlns:p="http://schemas.openxmlformats.org/presentationml/2006/main">
   <p:cSld>
     <p:spTree>
@@ -28860,7 +29784,7 @@
           <a:p>
             <a:fld id="{86BADE50-950A-4D58-BFB2-FA2C6A8B385D}" type="slidenum">
               <a:rPr lang="en-US" smtClean="0"/>
-              <a:t>31</a:t>
+              <a:t>33</a:t>
             </a:fld>
             <a:endParaRPr lang="en-US"/>
           </a:p>
@@ -28879,7 +29803,7 @@
 </p:sld>
 </file>
 
-<file path=ppt/slides/slide32.xml><?xml version="1.0" encoding="utf-8"?>
+<file path=ppt/slides/slide34.xml><?xml version="1.0" encoding="utf-8"?>
 <p:sld xmlns:a="http://schemas.openxmlformats.org/drawingml/2006/main" xmlns:r="http://schemas.openxmlformats.org/officeDocument/2006/relationships" xmlns:p="http://schemas.openxmlformats.org/presentationml/2006/main">
   <p:cSld>
     <p:spTree>
@@ -28935,7 +29859,7 @@
           <a:p>
             <a:fld id="{86BADE50-950A-4D58-BFB2-FA2C6A8B385D}" type="slidenum">
               <a:rPr lang="en-US" smtClean="0"/>
-              <a:t>32</a:t>
+              <a:t>34</a:t>
             </a:fld>
             <a:endParaRPr lang="en-US"/>
           </a:p>
@@ -29223,7 +30147,7 @@
 </p:sld>
 </file>
 
-<file path=ppt/slides/slide33.xml><?xml version="1.0" encoding="utf-8"?>
+<file path=ppt/slides/slide35.xml><?xml version="1.0" encoding="utf-8"?>
 <p:sld xmlns:a="http://schemas.openxmlformats.org/drawingml/2006/main" xmlns:r="http://schemas.openxmlformats.org/officeDocument/2006/relationships" xmlns:p="http://schemas.openxmlformats.org/presentationml/2006/main">
   <p:cSld>
     <p:spTree>
@@ -29279,7 +30203,7 @@
           <a:p>
             <a:fld id="{86BADE50-950A-4D58-BFB2-FA2C6A8B385D}" type="slidenum">
               <a:rPr lang="en-US" smtClean="0"/>
-              <a:t>33</a:t>
+              <a:t>35</a:t>
             </a:fld>
             <a:endParaRPr lang="en-US"/>
           </a:p>
@@ -31640,7 +32564,7 @@
 </p:sld>
 </file>
 
-<file path=ppt/slides/slide34.xml><?xml version="1.0" encoding="utf-8"?>
+<file path=ppt/slides/slide36.xml><?xml version="1.0" encoding="utf-8"?>
 <p:sld xmlns:a="http://schemas.openxmlformats.org/drawingml/2006/main" xmlns:r="http://schemas.openxmlformats.org/officeDocument/2006/relationships" xmlns:p="http://schemas.openxmlformats.org/presentationml/2006/main">
   <p:cSld>
     <p:spTree>
@@ -31801,7 +32725,7 @@
           <a:p>
             <a:fld id="{86BADE50-950A-4D58-BFB2-FA2C6A8B385D}" type="slidenum">
               <a:rPr lang="en-US" smtClean="0"/>
-              <a:t>34</a:t>
+              <a:t>36</a:t>
             </a:fld>
             <a:endParaRPr lang="en-US"/>
           </a:p>
@@ -31820,7 +32744,7 @@
 </p:sld>
 </file>
 
-<file path=ppt/slides/slide35.xml><?xml version="1.0" encoding="utf-8"?>
+<file path=ppt/slides/slide37.xml><?xml version="1.0" encoding="utf-8"?>
 <p:sld xmlns:a="http://schemas.openxmlformats.org/drawingml/2006/main" xmlns:r="http://schemas.openxmlformats.org/officeDocument/2006/relationships" xmlns:p="http://schemas.openxmlformats.org/presentationml/2006/main">
   <p:cSld>
     <p:spTree>
@@ -32554,7 +33478,7 @@
           <a:p>
             <a:fld id="{86BADE50-950A-4D58-BFB2-FA2C6A8B385D}" type="slidenum">
               <a:rPr lang="en-US" smtClean="0"/>
-              <a:t>35</a:t>
+              <a:t>37</a:t>
             </a:fld>
             <a:endParaRPr lang="en-US"/>
           </a:p>
@@ -36328,6 +37252,30 @@
 </p:tagLst>
 </file>
 
+<file path=ppt/tags/tag21.xml><?xml version="1.0" encoding="utf-8"?>
+<p:tagLst xmlns:a="http://schemas.openxmlformats.org/drawingml/2006/main" xmlns:r="http://schemas.openxmlformats.org/officeDocument/2006/relationships" xmlns:p="http://schemas.openxmlformats.org/presentationml/2006/main">
+  <p:tag name="_INSTRUCTOR VIEW19C14C36-AC8E-43BC-9DB6-C2AAF774C7DC|PANE__TAG" val="_"/>
+</p:tagLst>
+</file>
+
+<file path=ppt/tags/tag22.xml><?xml version="1.0" encoding="utf-8"?>
+<p:tagLst xmlns:a="http://schemas.openxmlformats.org/drawingml/2006/main" xmlns:r="http://schemas.openxmlformats.org/officeDocument/2006/relationships" xmlns:p="http://schemas.openxmlformats.org/presentationml/2006/main">
+  <p:tag name="_INSTRUCTOR VIEW19C14C36-AC8E-43BC-9DB6-C2AAF774C7DC|PANE__TAG" val="_"/>
+</p:tagLst>
+</file>
+
+<file path=ppt/tags/tag23.xml><?xml version="1.0" encoding="utf-8"?>
+<p:tagLst xmlns:a="http://schemas.openxmlformats.org/drawingml/2006/main" xmlns:r="http://schemas.openxmlformats.org/officeDocument/2006/relationships" xmlns:p="http://schemas.openxmlformats.org/presentationml/2006/main">
+  <p:tag name="_INSTRUCTOR VIEW19C14C36-AC8E-43BC-9DB6-C2AAF774C7DC|PANE__TAG" val="_"/>
+</p:tagLst>
+</file>
+
+<file path=ppt/tags/tag24.xml><?xml version="1.0" encoding="utf-8"?>
+<p:tagLst xmlns:a="http://schemas.openxmlformats.org/drawingml/2006/main" xmlns:r="http://schemas.openxmlformats.org/officeDocument/2006/relationships" xmlns:p="http://schemas.openxmlformats.org/presentationml/2006/main">
+  <p:tag name="_INSTRUCTOR VIEW19C14C36-AC8E-43BC-9DB6-C2AAF774C7DC|PANE__TAG" val="_"/>
+</p:tagLst>
+</file>
+
 <file path=ppt/tags/tag3.xml><?xml version="1.0" encoding="utf-8"?>
 <p:tagLst xmlns:a="http://schemas.openxmlformats.org/drawingml/2006/main" xmlns:r="http://schemas.openxmlformats.org/officeDocument/2006/relationships" xmlns:p="http://schemas.openxmlformats.org/presentationml/2006/main">
   <p:tag name="_INSTRUCTOR VIEW19C14C36-AC8E-43BC-9DB6-C2AAF774C7DC|PANE__TAG" val="_"/>

--- a/slides/05-DPRodCut.pptx
+++ b/slides/05-DPRodCut.pptx
@@ -5,7 +5,7 @@
     <p:sldMasterId id="2147483660" r:id="rId1"/>
   </p:sldMasterIdLst>
   <p:notesMasterIdLst>
-    <p:notesMasterId r:id="rId39"/>
+    <p:notesMasterId r:id="rId38"/>
   </p:notesMasterIdLst>
   <p:sldIdLst>
     <p:sldId id="642" r:id="rId2"/>
@@ -38,13 +38,12 @@
     <p:sldId id="603" r:id="rId29"/>
     <p:sldId id="604" r:id="rId30"/>
     <p:sldId id="605" r:id="rId31"/>
-    <p:sldId id="664" r:id="rId32"/>
-    <p:sldId id="606" r:id="rId33"/>
-    <p:sldId id="607" r:id="rId34"/>
-    <p:sldId id="608" r:id="rId35"/>
-    <p:sldId id="609" r:id="rId36"/>
-    <p:sldId id="610" r:id="rId37"/>
-    <p:sldId id="636" r:id="rId38"/>
+    <p:sldId id="606" r:id="rId32"/>
+    <p:sldId id="607" r:id="rId33"/>
+    <p:sldId id="608" r:id="rId34"/>
+    <p:sldId id="609" r:id="rId35"/>
+    <p:sldId id="610" r:id="rId36"/>
+    <p:sldId id="636" r:id="rId37"/>
   </p:sldIdLst>
   <p:sldSz cx="12192000" cy="6858000"/>
   <p:notesSz cx="6858000" cy="9144000"/>
@@ -178,7 +177,6 @@
             <p14:sldId id="603"/>
             <p14:sldId id="604"/>
             <p14:sldId id="605"/>
-            <p14:sldId id="664"/>
             <p14:sldId id="606"/>
             <p14:sldId id="607"/>
             <p14:sldId id="608"/>
@@ -301,7 +299,7 @@
           <a:p>
             <a:fld id="{9A9F7FD5-2840-4607-A4CD-0A8A66D9D61D}" type="datetimeFigureOut">
               <a:rPr lang="en-US" smtClean="0"/>
-              <a:t>10/17/22</a:t>
+              <a:t>10/19/22</a:t>
             </a:fld>
             <a:endParaRPr lang="en-US"/>
           </a:p>
@@ -811,7 +809,7 @@
           <a:p>
             <a:fld id="{BC7E913D-325D-4B30-8E23-50203DB584FD}" type="slidenum">
               <a:rPr lang="en-US" smtClean="0"/>
-              <a:t>35</a:t>
+              <a:t>34</a:t>
             </a:fld>
             <a:endParaRPr lang="en-US"/>
           </a:p>
@@ -1088,7 +1086,7 @@
           <a:p>
             <a:fld id="{088A2421-D2CD-4522-A1BA-E4F59ED821B7}" type="datetime1">
               <a:rPr lang="en-US" smtClean="0"/>
-              <a:t>10/17/22</a:t>
+              <a:t>10/19/22</a:t>
             </a:fld>
             <a:endParaRPr lang="en-US"/>
           </a:p>
@@ -1363,7 +1361,7 @@
           <a:p>
             <a:fld id="{DA91928D-0C55-4D8D-9D16-4C05754E5356}" type="datetime1">
               <a:rPr lang="en-US" smtClean="0"/>
-              <a:t>10/17/22</a:t>
+              <a:t>10/19/22</a:t>
             </a:fld>
             <a:endParaRPr lang="en-US"/>
           </a:p>
@@ -1618,7 +1616,7 @@
           <a:p>
             <a:fld id="{584CEDDD-253B-4C38-A621-35D8BA950C17}" type="datetime1">
               <a:rPr lang="en-US" smtClean="0"/>
-              <a:t>10/17/22</a:t>
+              <a:t>10/19/22</a:t>
             </a:fld>
             <a:endParaRPr lang="en-US"/>
           </a:p>
@@ -1786,7 +1784,7 @@
           <a:p>
             <a:fld id="{BF0967E4-28CB-45C9-B82C-D6B22AD4F0EB}" type="datetime1">
               <a:rPr lang="en-US" smtClean="0"/>
-              <a:t>10/17/22</a:t>
+              <a:t>10/19/22</a:t>
             </a:fld>
             <a:endParaRPr lang="en-US"/>
           </a:p>
@@ -1964,7 +1962,7 @@
           <a:p>
             <a:fld id="{2454C693-B405-44E1-A127-B7CE8B45C1E1}" type="datetime1">
               <a:rPr lang="en-US" smtClean="0"/>
-              <a:t>10/17/22</a:t>
+              <a:t>10/19/22</a:t>
             </a:fld>
             <a:endParaRPr lang="en-US"/>
           </a:p>
@@ -2216,7 +2214,7 @@
           <a:p>
             <a:fld id="{26B28102-2E91-4DD7-8E8B-98B790A12701}" type="datetime1">
               <a:rPr lang="en-US" smtClean="0"/>
-              <a:t>10/17/22</a:t>
+              <a:t>10/19/22</a:t>
             </a:fld>
             <a:endParaRPr lang="en-US"/>
           </a:p>
@@ -2474,7 +2472,7 @@
           <a:p>
             <a:fld id="{0B5AF985-6D44-417A-9881-D208468CBA07}" type="datetime1">
               <a:rPr lang="en-US" smtClean="0"/>
-              <a:t>10/17/22</a:t>
+              <a:t>10/19/22</a:t>
             </a:fld>
             <a:endParaRPr lang="en-US"/>
           </a:p>
@@ -2731,7 +2729,7 @@
           <a:p>
             <a:fld id="{26B28102-2E91-4DD7-8E8B-98B790A12701}" type="datetime1">
               <a:rPr lang="en-US" smtClean="0"/>
-              <a:t>10/17/22</a:t>
+              <a:t>10/19/22</a:t>
             </a:fld>
             <a:endParaRPr lang="en-US"/>
           </a:p>
@@ -2977,7 +2975,7 @@
           <a:p>
             <a:fld id="{3A604A86-E8D2-4E57-8D6D-61E2D175474B}" type="datetime1">
               <a:rPr lang="en-US" smtClean="0"/>
-              <a:t>10/17/22</a:t>
+              <a:t>10/19/22</a:t>
             </a:fld>
             <a:endParaRPr lang="en-US"/>
           </a:p>
@@ -3340,7 +3338,7 @@
           <a:p>
             <a:fld id="{DC921DF3-1FB0-45DC-97EF-461960E13574}" type="datetime1">
               <a:rPr lang="en-US" smtClean="0"/>
-              <a:t>10/17/22</a:t>
+              <a:t>10/19/22</a:t>
             </a:fld>
             <a:endParaRPr lang="en-US"/>
           </a:p>
@@ -3832,7 +3830,7 @@
           <a:p>
             <a:fld id="{092B088E-2809-46D8-B43F-738015D878CC}" type="datetime1">
               <a:rPr lang="en-US" smtClean="0"/>
-              <a:t>10/17/22</a:t>
+              <a:t>10/19/22</a:t>
             </a:fld>
             <a:endParaRPr lang="en-US"/>
           </a:p>
@@ -4027,7 +4025,7 @@
           <a:p>
             <a:fld id="{8208D42A-BC08-426E-9E11-483BA9D61AF6}" type="datetime1">
               <a:rPr lang="en-US" smtClean="0"/>
-              <a:t>10/17/22</a:t>
+              <a:t>10/19/22</a:t>
             </a:fld>
             <a:endParaRPr lang="en-US"/>
           </a:p>
@@ -4227,7 +4225,7 @@
           <a:p>
             <a:fld id="{26B28102-2E91-4DD7-8E8B-98B790A12701}" type="datetime1">
               <a:rPr lang="en-US" smtClean="0"/>
-              <a:t>10/17/22</a:t>
+              <a:t>10/19/22</a:t>
             </a:fld>
             <a:endParaRPr lang="en-US"/>
           </a:p>
@@ -4323,7 +4321,7 @@
           <a:p>
             <a:fld id="{37D5C786-44E1-4BD5-AD14-75F3EA166B5A}" type="datetime1">
               <a:rPr lang="en-US" smtClean="0"/>
-              <a:t>10/17/22</a:t>
+              <a:t>10/19/22</a:t>
             </a:fld>
             <a:endParaRPr lang="en-US"/>
           </a:p>
@@ -4534,7 +4532,7 @@
           <a:p>
             <a:fld id="{26B28102-2E91-4DD7-8E8B-98B790A12701}" type="datetime1">
               <a:rPr lang="en-US" smtClean="0"/>
-              <a:t>10/17/22</a:t>
+              <a:t>10/19/22</a:t>
             </a:fld>
             <a:endParaRPr lang="en-US"/>
           </a:p>
@@ -28026,1189 +28024,6 @@
 </file>
 
 <file path=ppt/slides/slide31.xml><?xml version="1.0" encoding="utf-8"?>
-<p:sld xmlns:a="http://schemas.openxmlformats.org/drawingml/2006/main" xmlns:r="http://schemas.openxmlformats.org/officeDocument/2006/relationships" xmlns:p="http://schemas.openxmlformats.org/presentationml/2006/main" show="0">
-  <p:cSld>
-    <p:spTree>
-      <p:nvGrpSpPr>
-        <p:cNvPr id="1" name=""/>
-        <p:cNvGrpSpPr/>
-        <p:nvPr/>
-      </p:nvGrpSpPr>
-      <p:grpSpPr>
-        <a:xfrm>
-          <a:off x="0" y="0"/>
-          <a:ext cx="0" cy="0"/>
-          <a:chOff x="0" y="0"/>
-          <a:chExt cx="0" cy="0"/>
-        </a:xfrm>
-      </p:grpSpPr>
-      <p:sp>
-        <p:nvSpPr>
-          <p:cNvPr id="2" name="Title 1">
-            <a:extLst>
-              <a:ext uri="{FF2B5EF4-FFF2-40B4-BE49-F238E27FC236}">
-                <a16:creationId xmlns:a16="http://schemas.microsoft.com/office/drawing/2014/main" id="{8F82DE62-58F1-E344-AF4E-EDEDAFEFFD0D}"/>
-              </a:ext>
-            </a:extLst>
-          </p:cNvPr>
-          <p:cNvSpPr>
-            <a:spLocks noGrp="1"/>
-          </p:cNvSpPr>
-          <p:nvPr>
-            <p:ph type="title"/>
-          </p:nvPr>
-        </p:nvSpPr>
-        <p:spPr/>
-        <p:txBody>
-          <a:bodyPr/>
-          <a:lstStyle/>
-          <a:p>
-            <a:endParaRPr lang="en-US"/>
-          </a:p>
-        </p:txBody>
-      </p:sp>
-      <p:sp>
-        <p:nvSpPr>
-          <p:cNvPr id="4" name="Slide Number Placeholder 3">
-            <a:extLst>
-              <a:ext uri="{FF2B5EF4-FFF2-40B4-BE49-F238E27FC236}">
-                <a16:creationId xmlns:a16="http://schemas.microsoft.com/office/drawing/2014/main" id="{2789E307-493E-3340-80CC-4549E01A6DD0}"/>
-              </a:ext>
-            </a:extLst>
-          </p:cNvPr>
-          <p:cNvSpPr>
-            <a:spLocks noGrp="1"/>
-          </p:cNvSpPr>
-          <p:nvPr>
-            <p:ph type="sldNum" sz="quarter" idx="12"/>
-          </p:nvPr>
-        </p:nvSpPr>
-        <p:spPr/>
-        <p:txBody>
-          <a:bodyPr/>
-          <a:lstStyle/>
-          <a:p>
-            <a:fld id="{86BADE50-950A-4D58-BFB2-FA2C6A8B385D}" type="slidenum">
-              <a:rPr lang="en-US" smtClean="0"/>
-              <a:t>31</a:t>
-            </a:fld>
-            <a:endParaRPr lang="en-US"/>
-          </a:p>
-        </p:txBody>
-      </p:sp>
-      <p:grpSp>
-        <p:nvGrpSpPr>
-          <p:cNvPr id="49" name="Group 48">
-            <a:extLst>
-              <a:ext uri="{FF2B5EF4-FFF2-40B4-BE49-F238E27FC236}">
-                <a16:creationId xmlns:a16="http://schemas.microsoft.com/office/drawing/2014/main" id="{FA596534-D0E9-284B-B392-F76E86E91298}"/>
-              </a:ext>
-            </a:extLst>
-          </p:cNvPr>
-          <p:cNvGrpSpPr/>
-          <p:nvPr/>
-        </p:nvGrpSpPr>
-        <p:grpSpPr>
-          <a:xfrm>
-            <a:off x="1315303" y="1594366"/>
-            <a:ext cx="5008199" cy="852626"/>
-            <a:chOff x="1315303" y="1594366"/>
-            <a:chExt cx="5008199" cy="852626"/>
-          </a:xfrm>
-        </p:grpSpPr>
-        <p:sp>
-          <p:nvSpPr>
-            <p:cNvPr id="27" name="Rectangle 26">
-              <a:extLst>
-                <a:ext uri="{FF2B5EF4-FFF2-40B4-BE49-F238E27FC236}">
-                  <a16:creationId xmlns:a16="http://schemas.microsoft.com/office/drawing/2014/main" id="{8FAF9339-55B3-4D4D-A5FC-D9340EE5C19E}"/>
-                </a:ext>
-              </a:extLst>
-            </p:cNvPr>
-            <p:cNvSpPr/>
-            <p:nvPr/>
-          </p:nvSpPr>
-          <p:spPr>
-            <a:xfrm>
-              <a:off x="2238713" y="1594366"/>
-              <a:ext cx="407892" cy="533400"/>
-            </a:xfrm>
-            <a:prstGeom prst="rect">
-              <a:avLst/>
-            </a:prstGeom>
-            <a:solidFill>
-              <a:schemeClr val="bg1"/>
-            </a:solidFill>
-            <a:ln>
-              <a:solidFill>
-                <a:schemeClr val="tx1"/>
-              </a:solidFill>
-            </a:ln>
-          </p:spPr>
-          <p:style>
-            <a:lnRef idx="2">
-              <a:schemeClr val="accent1">
-                <a:shade val="50000"/>
-              </a:schemeClr>
-            </a:lnRef>
-            <a:fillRef idx="1">
-              <a:schemeClr val="accent1"/>
-            </a:fillRef>
-            <a:effectRef idx="0">
-              <a:schemeClr val="accent1"/>
-            </a:effectRef>
-            <a:fontRef idx="minor">
-              <a:schemeClr val="lt1"/>
-            </a:fontRef>
-          </p:style>
-          <p:txBody>
-            <a:bodyPr rtlCol="0" anchor="ctr"/>
-            <a:lstStyle/>
-            <a:p>
-              <a:pPr algn="ctr"/>
-              <a:r>
-                <a:rPr lang="en-US" sz="1600" dirty="0">
-                  <a:solidFill>
-                    <a:schemeClr val="tx1"/>
-                  </a:solidFill>
-                </a:rPr>
-                <a:t>1</a:t>
-              </a:r>
-            </a:p>
-          </p:txBody>
-        </p:sp>
-        <p:sp>
-          <p:nvSpPr>
-            <p:cNvPr id="28" name="Rectangle 27">
-              <a:extLst>
-                <a:ext uri="{FF2B5EF4-FFF2-40B4-BE49-F238E27FC236}">
-                  <a16:creationId xmlns:a16="http://schemas.microsoft.com/office/drawing/2014/main" id="{D4CE019E-A3CD-BA48-9491-E49431C228E4}"/>
-                </a:ext>
-              </a:extLst>
-            </p:cNvPr>
-            <p:cNvSpPr/>
-            <p:nvPr/>
-          </p:nvSpPr>
-          <p:spPr>
-            <a:xfrm>
-              <a:off x="2643930" y="1594366"/>
-              <a:ext cx="407892" cy="533400"/>
-            </a:xfrm>
-            <a:prstGeom prst="rect">
-              <a:avLst/>
-            </a:prstGeom>
-            <a:solidFill>
-              <a:schemeClr val="bg1"/>
-            </a:solidFill>
-            <a:ln>
-              <a:solidFill>
-                <a:schemeClr val="tx1"/>
-              </a:solidFill>
-            </a:ln>
-          </p:spPr>
-          <p:style>
-            <a:lnRef idx="2">
-              <a:schemeClr val="accent1">
-                <a:shade val="50000"/>
-              </a:schemeClr>
-            </a:lnRef>
-            <a:fillRef idx="1">
-              <a:schemeClr val="accent1"/>
-            </a:fillRef>
-            <a:effectRef idx="0">
-              <a:schemeClr val="accent1"/>
-            </a:effectRef>
-            <a:fontRef idx="minor">
-              <a:schemeClr val="lt1"/>
-            </a:fontRef>
-          </p:style>
-          <p:txBody>
-            <a:bodyPr rtlCol="0" anchor="ctr"/>
-            <a:lstStyle/>
-            <a:p>
-              <a:pPr algn="ctr"/>
-              <a:r>
-                <a:rPr lang="en-US" sz="1600" dirty="0">
-                  <a:solidFill>
-                    <a:schemeClr val="tx1"/>
-                  </a:solidFill>
-                </a:rPr>
-                <a:t>5</a:t>
-              </a:r>
-            </a:p>
-          </p:txBody>
-        </p:sp>
-        <p:sp>
-          <p:nvSpPr>
-            <p:cNvPr id="29" name="Rectangle 28">
-              <a:extLst>
-                <a:ext uri="{FF2B5EF4-FFF2-40B4-BE49-F238E27FC236}">
-                  <a16:creationId xmlns:a16="http://schemas.microsoft.com/office/drawing/2014/main" id="{E312AACB-1D39-7B46-8B6F-A9B16E44F123}"/>
-                </a:ext>
-              </a:extLst>
-            </p:cNvPr>
-            <p:cNvSpPr/>
-            <p:nvPr/>
-          </p:nvSpPr>
-          <p:spPr>
-            <a:xfrm>
-              <a:off x="3051277" y="1594366"/>
-              <a:ext cx="407892" cy="533400"/>
-            </a:xfrm>
-            <a:prstGeom prst="rect">
-              <a:avLst/>
-            </a:prstGeom>
-            <a:solidFill>
-              <a:schemeClr val="bg1"/>
-            </a:solidFill>
-            <a:ln>
-              <a:solidFill>
-                <a:schemeClr val="tx1"/>
-              </a:solidFill>
-            </a:ln>
-          </p:spPr>
-          <p:style>
-            <a:lnRef idx="2">
-              <a:schemeClr val="accent1">
-                <a:shade val="50000"/>
-              </a:schemeClr>
-            </a:lnRef>
-            <a:fillRef idx="1">
-              <a:schemeClr val="accent1"/>
-            </a:fillRef>
-            <a:effectRef idx="0">
-              <a:schemeClr val="accent1"/>
-            </a:effectRef>
-            <a:fontRef idx="minor">
-              <a:schemeClr val="lt1"/>
-            </a:fontRef>
-          </p:style>
-          <p:txBody>
-            <a:bodyPr rtlCol="0" anchor="ctr"/>
-            <a:lstStyle/>
-            <a:p>
-              <a:pPr algn="ctr"/>
-              <a:r>
-                <a:rPr lang="en-US" sz="1600" dirty="0">
-                  <a:solidFill>
-                    <a:schemeClr val="tx1"/>
-                  </a:solidFill>
-                </a:rPr>
-                <a:t>8</a:t>
-              </a:r>
-            </a:p>
-          </p:txBody>
-        </p:sp>
-        <p:sp>
-          <p:nvSpPr>
-            <p:cNvPr id="30" name="Rectangle 29">
-              <a:extLst>
-                <a:ext uri="{FF2B5EF4-FFF2-40B4-BE49-F238E27FC236}">
-                  <a16:creationId xmlns:a16="http://schemas.microsoft.com/office/drawing/2014/main" id="{63454C38-BBAA-DE48-8B52-98287FBF66F9}"/>
-                </a:ext>
-              </a:extLst>
-            </p:cNvPr>
-            <p:cNvSpPr/>
-            <p:nvPr/>
-          </p:nvSpPr>
-          <p:spPr>
-            <a:xfrm>
-              <a:off x="3460371" y="1594366"/>
-              <a:ext cx="407892" cy="533400"/>
-            </a:xfrm>
-            <a:prstGeom prst="rect">
-              <a:avLst/>
-            </a:prstGeom>
-            <a:solidFill>
-              <a:schemeClr val="bg1"/>
-            </a:solidFill>
-            <a:ln>
-              <a:solidFill>
-                <a:schemeClr val="tx1"/>
-              </a:solidFill>
-            </a:ln>
-          </p:spPr>
-          <p:style>
-            <a:lnRef idx="2">
-              <a:schemeClr val="accent1">
-                <a:shade val="50000"/>
-              </a:schemeClr>
-            </a:lnRef>
-            <a:fillRef idx="1">
-              <a:schemeClr val="accent1"/>
-            </a:fillRef>
-            <a:effectRef idx="0">
-              <a:schemeClr val="accent1"/>
-            </a:effectRef>
-            <a:fontRef idx="minor">
-              <a:schemeClr val="lt1"/>
-            </a:fontRef>
-          </p:style>
-          <p:txBody>
-            <a:bodyPr rtlCol="0" anchor="ctr"/>
-            <a:lstStyle/>
-            <a:p>
-              <a:pPr algn="ctr"/>
-              <a:r>
-                <a:rPr lang="en-US" sz="1600" dirty="0">
-                  <a:solidFill>
-                    <a:schemeClr val="tx1"/>
-                  </a:solidFill>
-                </a:rPr>
-                <a:t>9</a:t>
-              </a:r>
-            </a:p>
-          </p:txBody>
-        </p:sp>
-        <p:sp>
-          <p:nvSpPr>
-            <p:cNvPr id="31" name="Rectangle 30">
-              <a:extLst>
-                <a:ext uri="{FF2B5EF4-FFF2-40B4-BE49-F238E27FC236}">
-                  <a16:creationId xmlns:a16="http://schemas.microsoft.com/office/drawing/2014/main" id="{6C8B4E6E-EA84-EC49-9304-91B8794B7010}"/>
-                </a:ext>
-              </a:extLst>
-            </p:cNvPr>
-            <p:cNvSpPr/>
-            <p:nvPr/>
-          </p:nvSpPr>
-          <p:spPr>
-            <a:xfrm>
-              <a:off x="3863841" y="1594366"/>
-              <a:ext cx="407892" cy="533400"/>
-            </a:xfrm>
-            <a:prstGeom prst="rect">
-              <a:avLst/>
-            </a:prstGeom>
-            <a:solidFill>
-              <a:schemeClr val="bg1"/>
-            </a:solidFill>
-            <a:ln>
-              <a:solidFill>
-                <a:schemeClr val="tx1"/>
-              </a:solidFill>
-            </a:ln>
-          </p:spPr>
-          <p:style>
-            <a:lnRef idx="2">
-              <a:schemeClr val="accent1">
-                <a:shade val="50000"/>
-              </a:schemeClr>
-            </a:lnRef>
-            <a:fillRef idx="1">
-              <a:schemeClr val="accent1"/>
-            </a:fillRef>
-            <a:effectRef idx="0">
-              <a:schemeClr val="accent1"/>
-            </a:effectRef>
-            <a:fontRef idx="minor">
-              <a:schemeClr val="lt1"/>
-            </a:fontRef>
-          </p:style>
-          <p:txBody>
-            <a:bodyPr rtlCol="0" anchor="ctr"/>
-            <a:lstStyle/>
-            <a:p>
-              <a:pPr algn="ctr"/>
-              <a:r>
-                <a:rPr lang="en-US" sz="1600" dirty="0">
-                  <a:solidFill>
-                    <a:schemeClr val="tx1"/>
-                  </a:solidFill>
-                </a:rPr>
-                <a:t>10</a:t>
-              </a:r>
-            </a:p>
-          </p:txBody>
-        </p:sp>
-        <p:sp>
-          <p:nvSpPr>
-            <p:cNvPr id="32" name="Rectangle 31">
-              <a:extLst>
-                <a:ext uri="{FF2B5EF4-FFF2-40B4-BE49-F238E27FC236}">
-                  <a16:creationId xmlns:a16="http://schemas.microsoft.com/office/drawing/2014/main" id="{248A8B21-99B3-2445-AC38-BC0CB2760A29}"/>
-                </a:ext>
-              </a:extLst>
-            </p:cNvPr>
-            <p:cNvSpPr/>
-            <p:nvPr/>
-          </p:nvSpPr>
-          <p:spPr>
-            <a:xfrm>
-              <a:off x="4271733" y="1594366"/>
-              <a:ext cx="407892" cy="533400"/>
-            </a:xfrm>
-            <a:prstGeom prst="rect">
-              <a:avLst/>
-            </a:prstGeom>
-            <a:solidFill>
-              <a:schemeClr val="bg1"/>
-            </a:solidFill>
-            <a:ln>
-              <a:solidFill>
-                <a:schemeClr val="tx1"/>
-              </a:solidFill>
-            </a:ln>
-          </p:spPr>
-          <p:style>
-            <a:lnRef idx="2">
-              <a:schemeClr val="accent1">
-                <a:shade val="50000"/>
-              </a:schemeClr>
-            </a:lnRef>
-            <a:fillRef idx="1">
-              <a:schemeClr val="accent1"/>
-            </a:fillRef>
-            <a:effectRef idx="0">
-              <a:schemeClr val="accent1"/>
-            </a:effectRef>
-            <a:fontRef idx="minor">
-              <a:schemeClr val="lt1"/>
-            </a:fontRef>
-          </p:style>
-          <p:txBody>
-            <a:bodyPr rtlCol="0" anchor="ctr"/>
-            <a:lstStyle/>
-            <a:p>
-              <a:pPr algn="ctr"/>
-              <a:r>
-                <a:rPr lang="en-US" sz="1600" dirty="0">
-                  <a:solidFill>
-                    <a:schemeClr val="tx1"/>
-                  </a:solidFill>
-                </a:rPr>
-                <a:t>17</a:t>
-              </a:r>
-            </a:p>
-          </p:txBody>
-        </p:sp>
-        <p:sp>
-          <p:nvSpPr>
-            <p:cNvPr id="33" name="Rectangle 32">
-              <a:extLst>
-                <a:ext uri="{FF2B5EF4-FFF2-40B4-BE49-F238E27FC236}">
-                  <a16:creationId xmlns:a16="http://schemas.microsoft.com/office/drawing/2014/main" id="{8B3B2EB7-3583-0C43-BADA-9B8FF293F5A5}"/>
-                </a:ext>
-              </a:extLst>
-            </p:cNvPr>
-            <p:cNvSpPr/>
-            <p:nvPr/>
-          </p:nvSpPr>
-          <p:spPr>
-            <a:xfrm>
-              <a:off x="4670633" y="1594366"/>
-              <a:ext cx="407892" cy="533400"/>
-            </a:xfrm>
-            <a:prstGeom prst="rect">
-              <a:avLst/>
-            </a:prstGeom>
-            <a:solidFill>
-              <a:schemeClr val="bg1"/>
-            </a:solidFill>
-            <a:ln>
-              <a:solidFill>
-                <a:schemeClr val="tx1"/>
-              </a:solidFill>
-            </a:ln>
-          </p:spPr>
-          <p:style>
-            <a:lnRef idx="2">
-              <a:schemeClr val="accent1">
-                <a:shade val="50000"/>
-              </a:schemeClr>
-            </a:lnRef>
-            <a:fillRef idx="1">
-              <a:schemeClr val="accent1"/>
-            </a:fillRef>
-            <a:effectRef idx="0">
-              <a:schemeClr val="accent1"/>
-            </a:effectRef>
-            <a:fontRef idx="minor">
-              <a:schemeClr val="lt1"/>
-            </a:fontRef>
-          </p:style>
-          <p:txBody>
-            <a:bodyPr rtlCol="0" anchor="ctr"/>
-            <a:lstStyle/>
-            <a:p>
-              <a:pPr algn="ctr"/>
-              <a:r>
-                <a:rPr lang="en-US" sz="1600" dirty="0">
-                  <a:solidFill>
-                    <a:schemeClr val="tx1"/>
-                  </a:solidFill>
-                </a:rPr>
-                <a:t>17</a:t>
-              </a:r>
-            </a:p>
-          </p:txBody>
-        </p:sp>
-        <p:sp>
-          <p:nvSpPr>
-            <p:cNvPr id="34" name="Rectangle 33">
-              <a:extLst>
-                <a:ext uri="{FF2B5EF4-FFF2-40B4-BE49-F238E27FC236}">
-                  <a16:creationId xmlns:a16="http://schemas.microsoft.com/office/drawing/2014/main" id="{313C4E31-A5F8-834E-836A-0F074B676EA8}"/>
-                </a:ext>
-              </a:extLst>
-            </p:cNvPr>
-            <p:cNvSpPr/>
-            <p:nvPr/>
-          </p:nvSpPr>
-          <p:spPr>
-            <a:xfrm>
-              <a:off x="5078525" y="1594366"/>
-              <a:ext cx="407892" cy="533400"/>
-            </a:xfrm>
-            <a:prstGeom prst="rect">
-              <a:avLst/>
-            </a:prstGeom>
-            <a:solidFill>
-              <a:schemeClr val="bg1"/>
-            </a:solidFill>
-            <a:ln>
-              <a:solidFill>
-                <a:schemeClr val="tx1"/>
-              </a:solidFill>
-            </a:ln>
-          </p:spPr>
-          <p:style>
-            <a:lnRef idx="2">
-              <a:schemeClr val="accent1">
-                <a:shade val="50000"/>
-              </a:schemeClr>
-            </a:lnRef>
-            <a:fillRef idx="1">
-              <a:schemeClr val="accent1"/>
-            </a:fillRef>
-            <a:effectRef idx="0">
-              <a:schemeClr val="accent1"/>
-            </a:effectRef>
-            <a:fontRef idx="minor">
-              <a:schemeClr val="lt1"/>
-            </a:fontRef>
-          </p:style>
-          <p:txBody>
-            <a:bodyPr rtlCol="0" anchor="ctr"/>
-            <a:lstStyle/>
-            <a:p>
-              <a:pPr algn="ctr"/>
-              <a:r>
-                <a:rPr lang="en-US" sz="1600" dirty="0">
-                  <a:solidFill>
-                    <a:schemeClr val="tx1"/>
-                  </a:solidFill>
-                </a:rPr>
-                <a:t>20</a:t>
-              </a:r>
-            </a:p>
-          </p:txBody>
-        </p:sp>
-        <p:sp>
-          <p:nvSpPr>
-            <p:cNvPr id="35" name="Rectangle 34">
-              <a:extLst>
-                <a:ext uri="{FF2B5EF4-FFF2-40B4-BE49-F238E27FC236}">
-                  <a16:creationId xmlns:a16="http://schemas.microsoft.com/office/drawing/2014/main" id="{C8847253-01C4-1E48-8A97-44E022F444CE}"/>
-                </a:ext>
-              </a:extLst>
-            </p:cNvPr>
-            <p:cNvSpPr/>
-            <p:nvPr/>
-          </p:nvSpPr>
-          <p:spPr>
-            <a:xfrm>
-              <a:off x="5486375" y="1594366"/>
-              <a:ext cx="407892" cy="533400"/>
-            </a:xfrm>
-            <a:prstGeom prst="rect">
-              <a:avLst/>
-            </a:prstGeom>
-            <a:solidFill>
-              <a:schemeClr val="bg1"/>
-            </a:solidFill>
-            <a:ln>
-              <a:solidFill>
-                <a:schemeClr val="tx1"/>
-              </a:solidFill>
-            </a:ln>
-          </p:spPr>
-          <p:style>
-            <a:lnRef idx="2">
-              <a:schemeClr val="accent1">
-                <a:shade val="50000"/>
-              </a:schemeClr>
-            </a:lnRef>
-            <a:fillRef idx="1">
-              <a:schemeClr val="accent1"/>
-            </a:fillRef>
-            <a:effectRef idx="0">
-              <a:schemeClr val="accent1"/>
-            </a:effectRef>
-            <a:fontRef idx="minor">
-              <a:schemeClr val="lt1"/>
-            </a:fontRef>
-          </p:style>
-          <p:txBody>
-            <a:bodyPr rtlCol="0" anchor="ctr"/>
-            <a:lstStyle/>
-            <a:p>
-              <a:pPr algn="ctr"/>
-              <a:r>
-                <a:rPr lang="en-US" sz="1600" dirty="0">
-                  <a:solidFill>
-                    <a:schemeClr val="tx1"/>
-                  </a:solidFill>
-                </a:rPr>
-                <a:t>24</a:t>
-              </a:r>
-            </a:p>
-          </p:txBody>
-        </p:sp>
-        <p:sp>
-          <p:nvSpPr>
-            <p:cNvPr id="36" name="Rectangle 35">
-              <a:extLst>
-                <a:ext uri="{FF2B5EF4-FFF2-40B4-BE49-F238E27FC236}">
-                  <a16:creationId xmlns:a16="http://schemas.microsoft.com/office/drawing/2014/main" id="{DCDC317E-795F-F54E-90C1-BC828EC28D90}"/>
-                </a:ext>
-              </a:extLst>
-            </p:cNvPr>
-            <p:cNvSpPr/>
-            <p:nvPr/>
-          </p:nvSpPr>
-          <p:spPr>
-            <a:xfrm>
-              <a:off x="5895151" y="1594366"/>
-              <a:ext cx="407892" cy="533400"/>
-            </a:xfrm>
-            <a:prstGeom prst="rect">
-              <a:avLst/>
-            </a:prstGeom>
-            <a:solidFill>
-              <a:schemeClr val="bg1"/>
-            </a:solidFill>
-            <a:ln>
-              <a:solidFill>
-                <a:schemeClr val="tx1"/>
-              </a:solidFill>
-            </a:ln>
-          </p:spPr>
-          <p:style>
-            <a:lnRef idx="2">
-              <a:schemeClr val="accent1">
-                <a:shade val="50000"/>
-              </a:schemeClr>
-            </a:lnRef>
-            <a:fillRef idx="1">
-              <a:schemeClr val="accent1"/>
-            </a:fillRef>
-            <a:effectRef idx="0">
-              <a:schemeClr val="accent1"/>
-            </a:effectRef>
-            <a:fontRef idx="minor">
-              <a:schemeClr val="lt1"/>
-            </a:fontRef>
-          </p:style>
-          <p:txBody>
-            <a:bodyPr rtlCol="0" anchor="ctr"/>
-            <a:lstStyle/>
-            <a:p>
-              <a:pPr algn="ctr"/>
-              <a:r>
-                <a:rPr lang="en-US" sz="1600" dirty="0">
-                  <a:solidFill>
-                    <a:schemeClr val="tx1"/>
-                  </a:solidFill>
-                </a:rPr>
-                <a:t>30</a:t>
-              </a:r>
-            </a:p>
-          </p:txBody>
-        </p:sp>
-        <p:sp>
-          <p:nvSpPr>
-            <p:cNvPr id="37" name="TextBox 36">
-              <a:extLst>
-                <a:ext uri="{FF2B5EF4-FFF2-40B4-BE49-F238E27FC236}">
-                  <a16:creationId xmlns:a16="http://schemas.microsoft.com/office/drawing/2014/main" id="{983190C6-D260-C34B-A3AA-6F9C6A4B0567}"/>
-                </a:ext>
-              </a:extLst>
-            </p:cNvPr>
-            <p:cNvSpPr txBox="1"/>
-            <p:nvPr/>
-          </p:nvSpPr>
-          <p:spPr>
-            <a:xfrm>
-              <a:off x="5868498" y="2094560"/>
-              <a:ext cx="455004" cy="338554"/>
-            </a:xfrm>
-            <a:prstGeom prst="rect">
-              <a:avLst/>
-            </a:prstGeom>
-            <a:noFill/>
-          </p:spPr>
-          <p:txBody>
-            <a:bodyPr wrap="square" rtlCol="0">
-              <a:spAutoFit/>
-            </a:bodyPr>
-            <a:lstStyle/>
-            <a:p>
-              <a:r>
-                <a:rPr lang="en-US" sz="1600" dirty="0">
-                  <a:solidFill>
-                    <a:srgbClr val="FF33CC"/>
-                  </a:solidFill>
-                </a:rPr>
-                <a:t>10</a:t>
-              </a:r>
-            </a:p>
-          </p:txBody>
-        </p:sp>
-        <p:sp>
-          <p:nvSpPr>
-            <p:cNvPr id="38" name="TextBox 37">
-              <a:extLst>
-                <a:ext uri="{FF2B5EF4-FFF2-40B4-BE49-F238E27FC236}">
-                  <a16:creationId xmlns:a16="http://schemas.microsoft.com/office/drawing/2014/main" id="{F3F58970-0065-A640-8C9F-D5309108049E}"/>
-                </a:ext>
-              </a:extLst>
-            </p:cNvPr>
-            <p:cNvSpPr txBox="1"/>
-            <p:nvPr/>
-          </p:nvSpPr>
-          <p:spPr>
-            <a:xfrm>
-              <a:off x="5552733" y="2100463"/>
-              <a:ext cx="242983" cy="338554"/>
-            </a:xfrm>
-            <a:prstGeom prst="rect">
-              <a:avLst/>
-            </a:prstGeom>
-            <a:noFill/>
-          </p:spPr>
-          <p:txBody>
-            <a:bodyPr wrap="square" rtlCol="0">
-              <a:spAutoFit/>
-            </a:bodyPr>
-            <a:lstStyle/>
-            <a:p>
-              <a:r>
-                <a:rPr lang="en-US" sz="1600" dirty="0">
-                  <a:solidFill>
-                    <a:srgbClr val="FF33CC"/>
-                  </a:solidFill>
-                </a:rPr>
-                <a:t>9</a:t>
-              </a:r>
-            </a:p>
-          </p:txBody>
-        </p:sp>
-        <p:sp>
-          <p:nvSpPr>
-            <p:cNvPr id="39" name="TextBox 38">
-              <a:extLst>
-                <a:ext uri="{FF2B5EF4-FFF2-40B4-BE49-F238E27FC236}">
-                  <a16:creationId xmlns:a16="http://schemas.microsoft.com/office/drawing/2014/main" id="{B6BE074F-8EBD-784A-AEF6-ADB068E5001B}"/>
-                </a:ext>
-              </a:extLst>
-            </p:cNvPr>
-            <p:cNvSpPr txBox="1"/>
-            <p:nvPr/>
-          </p:nvSpPr>
-          <p:spPr>
-            <a:xfrm>
-              <a:off x="5154710" y="2093218"/>
-              <a:ext cx="242983" cy="338554"/>
-            </a:xfrm>
-            <a:prstGeom prst="rect">
-              <a:avLst/>
-            </a:prstGeom>
-            <a:noFill/>
-          </p:spPr>
-          <p:txBody>
-            <a:bodyPr wrap="square" rtlCol="0">
-              <a:spAutoFit/>
-            </a:bodyPr>
-            <a:lstStyle/>
-            <a:p>
-              <a:r>
-                <a:rPr lang="en-US" sz="1600" dirty="0">
-                  <a:solidFill>
-                    <a:srgbClr val="FF33CC"/>
-                  </a:solidFill>
-                </a:rPr>
-                <a:t>8</a:t>
-              </a:r>
-            </a:p>
-          </p:txBody>
-        </p:sp>
-        <p:sp>
-          <p:nvSpPr>
-            <p:cNvPr id="40" name="TextBox 39">
-              <a:extLst>
-                <a:ext uri="{FF2B5EF4-FFF2-40B4-BE49-F238E27FC236}">
-                  <a16:creationId xmlns:a16="http://schemas.microsoft.com/office/drawing/2014/main" id="{E2CBC040-4735-D441-9F6D-B8F73EF5DB10}"/>
-                </a:ext>
-              </a:extLst>
-            </p:cNvPr>
-            <p:cNvSpPr txBox="1"/>
-            <p:nvPr/>
-          </p:nvSpPr>
-          <p:spPr>
-            <a:xfrm>
-              <a:off x="4747996" y="2097082"/>
-              <a:ext cx="242983" cy="338554"/>
-            </a:xfrm>
-            <a:prstGeom prst="rect">
-              <a:avLst/>
-            </a:prstGeom>
-            <a:noFill/>
-          </p:spPr>
-          <p:txBody>
-            <a:bodyPr wrap="square" rtlCol="0">
-              <a:spAutoFit/>
-            </a:bodyPr>
-            <a:lstStyle/>
-            <a:p>
-              <a:r>
-                <a:rPr lang="en-US" sz="1600" dirty="0">
-                  <a:solidFill>
-                    <a:srgbClr val="FF33CC"/>
-                  </a:solidFill>
-                </a:rPr>
-                <a:t>7</a:t>
-              </a:r>
-            </a:p>
-          </p:txBody>
-        </p:sp>
-        <p:sp>
-          <p:nvSpPr>
-            <p:cNvPr id="41" name="TextBox 40">
-              <a:extLst>
-                <a:ext uri="{FF2B5EF4-FFF2-40B4-BE49-F238E27FC236}">
-                  <a16:creationId xmlns:a16="http://schemas.microsoft.com/office/drawing/2014/main" id="{907B5585-A54B-FB49-B492-897B59964481}"/>
-                </a:ext>
-              </a:extLst>
-            </p:cNvPr>
-            <p:cNvSpPr txBox="1"/>
-            <p:nvPr/>
-          </p:nvSpPr>
-          <p:spPr>
-            <a:xfrm>
-              <a:off x="4349455" y="2100463"/>
-              <a:ext cx="242983" cy="338554"/>
-            </a:xfrm>
-            <a:prstGeom prst="rect">
-              <a:avLst/>
-            </a:prstGeom>
-            <a:noFill/>
-          </p:spPr>
-          <p:txBody>
-            <a:bodyPr wrap="square" rtlCol="0">
-              <a:spAutoFit/>
-            </a:bodyPr>
-            <a:lstStyle/>
-            <a:p>
-              <a:r>
-                <a:rPr lang="en-US" sz="1600" dirty="0">
-                  <a:solidFill>
-                    <a:srgbClr val="FF33CC"/>
-                  </a:solidFill>
-                </a:rPr>
-                <a:t>6</a:t>
-              </a:r>
-            </a:p>
-          </p:txBody>
-        </p:sp>
-        <p:sp>
-          <p:nvSpPr>
-            <p:cNvPr id="42" name="TextBox 41">
-              <a:extLst>
-                <a:ext uri="{FF2B5EF4-FFF2-40B4-BE49-F238E27FC236}">
-                  <a16:creationId xmlns:a16="http://schemas.microsoft.com/office/drawing/2014/main" id="{2BA2230A-633A-6A4F-B9D7-48C506FBE8E9}"/>
-                </a:ext>
-              </a:extLst>
-            </p:cNvPr>
-            <p:cNvSpPr txBox="1"/>
-            <p:nvPr/>
-          </p:nvSpPr>
-          <p:spPr>
-            <a:xfrm>
-              <a:off x="3947428" y="2108438"/>
-              <a:ext cx="242983" cy="338554"/>
-            </a:xfrm>
-            <a:prstGeom prst="rect">
-              <a:avLst/>
-            </a:prstGeom>
-            <a:noFill/>
-          </p:spPr>
-          <p:txBody>
-            <a:bodyPr wrap="square" rtlCol="0">
-              <a:spAutoFit/>
-            </a:bodyPr>
-            <a:lstStyle/>
-            <a:p>
-              <a:r>
-                <a:rPr lang="en-US" sz="1600" dirty="0">
-                  <a:solidFill>
-                    <a:srgbClr val="FF33CC"/>
-                  </a:solidFill>
-                </a:rPr>
-                <a:t>5</a:t>
-              </a:r>
-            </a:p>
-          </p:txBody>
-        </p:sp>
-        <p:sp>
-          <p:nvSpPr>
-            <p:cNvPr id="43" name="TextBox 42">
-              <a:extLst>
-                <a:ext uri="{FF2B5EF4-FFF2-40B4-BE49-F238E27FC236}">
-                  <a16:creationId xmlns:a16="http://schemas.microsoft.com/office/drawing/2014/main" id="{77A14451-5666-CA4D-85F7-BF7FAAAA2B55}"/>
-                </a:ext>
-              </a:extLst>
-            </p:cNvPr>
-            <p:cNvSpPr txBox="1"/>
-            <p:nvPr/>
-          </p:nvSpPr>
-          <p:spPr>
-            <a:xfrm>
-              <a:off x="3504386" y="2108438"/>
-              <a:ext cx="242983" cy="338554"/>
-            </a:xfrm>
-            <a:prstGeom prst="rect">
-              <a:avLst/>
-            </a:prstGeom>
-            <a:noFill/>
-          </p:spPr>
-          <p:txBody>
-            <a:bodyPr wrap="square" rtlCol="0">
-              <a:spAutoFit/>
-            </a:bodyPr>
-            <a:lstStyle/>
-            <a:p>
-              <a:r>
-                <a:rPr lang="en-US" sz="1600" dirty="0">
-                  <a:solidFill>
-                    <a:srgbClr val="FF33CC"/>
-                  </a:solidFill>
-                </a:rPr>
-                <a:t>4</a:t>
-              </a:r>
-            </a:p>
-          </p:txBody>
-        </p:sp>
-        <p:sp>
-          <p:nvSpPr>
-            <p:cNvPr id="44" name="TextBox 43">
-              <a:extLst>
-                <a:ext uri="{FF2B5EF4-FFF2-40B4-BE49-F238E27FC236}">
-                  <a16:creationId xmlns:a16="http://schemas.microsoft.com/office/drawing/2014/main" id="{9DCF2E73-C792-1C45-ACF2-A70F5BC8DD16}"/>
-                </a:ext>
-              </a:extLst>
-            </p:cNvPr>
-            <p:cNvSpPr txBox="1"/>
-            <p:nvPr/>
-          </p:nvSpPr>
-          <p:spPr>
-            <a:xfrm>
-              <a:off x="3122551" y="2108438"/>
-              <a:ext cx="242983" cy="338554"/>
-            </a:xfrm>
-            <a:prstGeom prst="rect">
-              <a:avLst/>
-            </a:prstGeom>
-            <a:noFill/>
-          </p:spPr>
-          <p:txBody>
-            <a:bodyPr wrap="square" rtlCol="0">
-              <a:spAutoFit/>
-            </a:bodyPr>
-            <a:lstStyle/>
-            <a:p>
-              <a:r>
-                <a:rPr lang="en-US" sz="1600" dirty="0">
-                  <a:solidFill>
-                    <a:srgbClr val="FF33CC"/>
-                  </a:solidFill>
-                </a:rPr>
-                <a:t>3</a:t>
-              </a:r>
-            </a:p>
-          </p:txBody>
-        </p:sp>
-        <p:sp>
-          <p:nvSpPr>
-            <p:cNvPr id="45" name="TextBox 44">
-              <a:extLst>
-                <a:ext uri="{FF2B5EF4-FFF2-40B4-BE49-F238E27FC236}">
-                  <a16:creationId xmlns:a16="http://schemas.microsoft.com/office/drawing/2014/main" id="{7B07CC39-C999-E04D-98C7-A56627DFEB6D}"/>
-                </a:ext>
-              </a:extLst>
-            </p:cNvPr>
-            <p:cNvSpPr txBox="1"/>
-            <p:nvPr/>
-          </p:nvSpPr>
-          <p:spPr>
-            <a:xfrm>
-              <a:off x="2723306" y="2108438"/>
-              <a:ext cx="242983" cy="338554"/>
-            </a:xfrm>
-            <a:prstGeom prst="rect">
-              <a:avLst/>
-            </a:prstGeom>
-            <a:noFill/>
-          </p:spPr>
-          <p:txBody>
-            <a:bodyPr wrap="square" rtlCol="0">
-              <a:spAutoFit/>
-            </a:bodyPr>
-            <a:lstStyle/>
-            <a:p>
-              <a:r>
-                <a:rPr lang="en-US" sz="1600" dirty="0">
-                  <a:solidFill>
-                    <a:srgbClr val="FF33CC"/>
-                  </a:solidFill>
-                </a:rPr>
-                <a:t>2</a:t>
-              </a:r>
-            </a:p>
-          </p:txBody>
-        </p:sp>
-        <p:sp>
-          <p:nvSpPr>
-            <p:cNvPr id="46" name="TextBox 45">
-              <a:extLst>
-                <a:ext uri="{FF2B5EF4-FFF2-40B4-BE49-F238E27FC236}">
-                  <a16:creationId xmlns:a16="http://schemas.microsoft.com/office/drawing/2014/main" id="{8CB145C0-3E62-9B45-B737-35922BFAC903}"/>
-                </a:ext>
-              </a:extLst>
-            </p:cNvPr>
-            <p:cNvSpPr txBox="1"/>
-            <p:nvPr/>
-          </p:nvSpPr>
-          <p:spPr>
-            <a:xfrm>
-              <a:off x="2311397" y="2097082"/>
-              <a:ext cx="242983" cy="338554"/>
-            </a:xfrm>
-            <a:prstGeom prst="rect">
-              <a:avLst/>
-            </a:prstGeom>
-            <a:noFill/>
-          </p:spPr>
-          <p:txBody>
-            <a:bodyPr wrap="square" rtlCol="0">
-              <a:spAutoFit/>
-            </a:bodyPr>
-            <a:lstStyle/>
-            <a:p>
-              <a:r>
-                <a:rPr lang="en-US" sz="1600" dirty="0">
-                  <a:solidFill>
-                    <a:srgbClr val="FF33CC"/>
-                  </a:solidFill>
-                </a:rPr>
-                <a:t>1</a:t>
-              </a:r>
-            </a:p>
-          </p:txBody>
-        </p:sp>
-        <p:sp>
-          <p:nvSpPr>
-            <p:cNvPr id="47" name="TextBox 46">
-              <a:extLst>
-                <a:ext uri="{FF2B5EF4-FFF2-40B4-BE49-F238E27FC236}">
-                  <a16:creationId xmlns:a16="http://schemas.microsoft.com/office/drawing/2014/main" id="{88C48866-B3B8-1D4F-98EF-BEE9A31D9F52}"/>
-                </a:ext>
-              </a:extLst>
-            </p:cNvPr>
-            <p:cNvSpPr txBox="1"/>
-            <p:nvPr/>
-          </p:nvSpPr>
-          <p:spPr>
-            <a:xfrm>
-              <a:off x="1315303" y="2055831"/>
-              <a:ext cx="886525" cy="369332"/>
-            </a:xfrm>
-            <a:prstGeom prst="rect">
-              <a:avLst/>
-            </a:prstGeom>
-            <a:noFill/>
-          </p:spPr>
-          <p:txBody>
-            <a:bodyPr wrap="none" rtlCol="0">
-              <a:spAutoFit/>
-            </a:bodyPr>
-            <a:lstStyle/>
-            <a:p>
-              <a:r>
-                <a:rPr lang="en-US" dirty="0">
-                  <a:solidFill>
-                    <a:srgbClr val="FF33CC"/>
-                  </a:solidFill>
-                </a:rPr>
-                <a:t>Length:</a:t>
-              </a:r>
-            </a:p>
-          </p:txBody>
-        </p:sp>
-        <p:sp>
-          <p:nvSpPr>
-            <p:cNvPr id="48" name="TextBox 47">
-              <a:extLst>
-                <a:ext uri="{FF2B5EF4-FFF2-40B4-BE49-F238E27FC236}">
-                  <a16:creationId xmlns:a16="http://schemas.microsoft.com/office/drawing/2014/main" id="{649CCEC9-F1D8-DF4E-9B5B-ECF93A1BEC89}"/>
-                </a:ext>
-              </a:extLst>
-            </p:cNvPr>
-            <p:cNvSpPr txBox="1"/>
-            <p:nvPr/>
-          </p:nvSpPr>
-          <p:spPr>
-            <a:xfrm>
-              <a:off x="1322734" y="1594366"/>
-              <a:ext cx="712054" cy="369332"/>
-            </a:xfrm>
-            <a:prstGeom prst="rect">
-              <a:avLst/>
-            </a:prstGeom>
-            <a:noFill/>
-          </p:spPr>
-          <p:txBody>
-            <a:bodyPr wrap="none" rtlCol="0">
-              <a:spAutoFit/>
-            </a:bodyPr>
-            <a:lstStyle/>
-            <a:p>
-              <a:r>
-                <a:rPr lang="en-US" dirty="0">
-                  <a:solidFill>
-                    <a:srgbClr val="0070C0"/>
-                  </a:solidFill>
-                </a:rPr>
-                <a:t>Price:</a:t>
-              </a:r>
-            </a:p>
-          </p:txBody>
-        </p:sp>
-      </p:grpSp>
-    </p:spTree>
-    <p:extLst>
-      <p:ext uri="{BB962C8B-B14F-4D97-AF65-F5344CB8AC3E}">
-        <p14:creationId xmlns:p14="http://schemas.microsoft.com/office/powerpoint/2010/main" val="3850948151"/>
-      </p:ext>
-    </p:extLst>
-  </p:cSld>
-  <p:clrMapOvr>
-    <a:masterClrMapping/>
-  </p:clrMapOvr>
-</p:sld>
-</file>
-
-<file path=ppt/slides/slide32.xml><?xml version="1.0" encoding="utf-8"?>
 <p:sld xmlns:a="http://schemas.openxmlformats.org/drawingml/2006/main" xmlns:r="http://schemas.openxmlformats.org/officeDocument/2006/relationships" xmlns:p="http://schemas.openxmlformats.org/presentationml/2006/main">
   <p:cSld>
     <p:spTree>
@@ -29264,7 +28079,7 @@
           <a:p>
             <a:fld id="{86BADE50-950A-4D58-BFB2-FA2C6A8B385D}" type="slidenum">
               <a:rPr lang="en-US" smtClean="0"/>
-              <a:t>32</a:t>
+              <a:t>31</a:t>
             </a:fld>
             <a:endParaRPr lang="en-US"/>
           </a:p>
@@ -29680,6 +28495,129 @@
 </p:sld>
 </file>
 
+<file path=ppt/slides/slide32.xml><?xml version="1.0" encoding="utf-8"?>
+<p:sld xmlns:a="http://schemas.openxmlformats.org/drawingml/2006/main" xmlns:r="http://schemas.openxmlformats.org/officeDocument/2006/relationships" xmlns:p="http://schemas.openxmlformats.org/presentationml/2006/main">
+  <p:cSld>
+    <p:spTree>
+      <p:nvGrpSpPr>
+        <p:cNvPr id="1" name=""/>
+        <p:cNvGrpSpPr/>
+        <p:nvPr/>
+      </p:nvGrpSpPr>
+      <p:grpSpPr>
+        <a:xfrm>
+          <a:off x="0" y="0"/>
+          <a:ext cx="0" cy="0"/>
+          <a:chOff x="0" y="0"/>
+          <a:chExt cx="0" cy="0"/>
+        </a:xfrm>
+      </p:grpSpPr>
+      <p:sp>
+        <p:nvSpPr>
+          <p:cNvPr id="2" name="Title 1"/>
+          <p:cNvSpPr>
+            <a:spLocks noGrp="1"/>
+          </p:cNvSpPr>
+          <p:nvPr>
+            <p:ph type="title"/>
+          </p:nvPr>
+        </p:nvSpPr>
+        <p:spPr/>
+        <p:txBody>
+          <a:bodyPr/>
+          <a:lstStyle/>
+          <a:p>
+            <a:r>
+              <a:rPr lang="en-US" dirty="0"/>
+              <a:t>How to find the cuts?</a:t>
+            </a:r>
+          </a:p>
+        </p:txBody>
+      </p:sp>
+      <p:sp>
+        <p:nvSpPr>
+          <p:cNvPr id="3" name="Content Placeholder 2"/>
+          <p:cNvSpPr>
+            <a:spLocks noGrp="1"/>
+          </p:cNvSpPr>
+          <p:nvPr>
+            <p:ph idx="1"/>
+          </p:nvPr>
+        </p:nvSpPr>
+        <p:spPr/>
+        <p:txBody>
+          <a:bodyPr/>
+          <a:lstStyle/>
+          <a:p>
+            <a:r>
+              <a:rPr lang="en-US" dirty="0"/>
+              <a:t>This procedure told us the profit, but not the cuts themselves</a:t>
+            </a:r>
+          </a:p>
+          <a:p>
+            <a:r>
+              <a:rPr lang="en-US" dirty="0"/>
+              <a:t>Idea: </a:t>
+            </a:r>
+            <a:r>
+              <a:rPr lang="en-US" dirty="0">
+                <a:solidFill>
+                  <a:srgbClr val="FF0000"/>
+                </a:solidFill>
+              </a:rPr>
+              <a:t>remember</a:t>
+            </a:r>
+            <a:r>
+              <a:rPr lang="en-US" dirty="0"/>
+              <a:t> the choice that you made, then </a:t>
+            </a:r>
+            <a:r>
+              <a:rPr lang="en-US" dirty="0">
+                <a:solidFill>
+                  <a:srgbClr val="FF0000"/>
+                </a:solidFill>
+              </a:rPr>
+              <a:t>backtrack</a:t>
+            </a:r>
+          </a:p>
+        </p:txBody>
+      </p:sp>
+      <p:sp>
+        <p:nvSpPr>
+          <p:cNvPr id="4" name="Slide Number Placeholder 3"/>
+          <p:cNvSpPr>
+            <a:spLocks noGrp="1"/>
+          </p:cNvSpPr>
+          <p:nvPr>
+            <p:ph type="sldNum" sz="quarter" idx="12"/>
+          </p:nvPr>
+        </p:nvSpPr>
+        <p:spPr/>
+        <p:txBody>
+          <a:bodyPr/>
+          <a:lstStyle/>
+          <a:p>
+            <a:fld id="{86BADE50-950A-4D58-BFB2-FA2C6A8B385D}" type="slidenum">
+              <a:rPr lang="en-US" smtClean="0"/>
+              <a:t>32</a:t>
+            </a:fld>
+            <a:endParaRPr lang="en-US"/>
+          </a:p>
+        </p:txBody>
+      </p:sp>
+    </p:spTree>
+    <p:extLst>
+      <p:ext uri="{BB962C8B-B14F-4D97-AF65-F5344CB8AC3E}">
+        <p14:creationId xmlns:p14="http://schemas.microsoft.com/office/powerpoint/2010/main" val="527671739"/>
+      </p:ext>
+    </p:extLst>
+  </p:cSld>
+  <p:clrMapOvr>
+    <a:masterClrMapping/>
+  </p:clrMapOvr>
+</p:sld>
+</file>
+
 <file path=ppt/slides/slide33.xml><?xml version="1.0" encoding="utf-8"?>
 <p:sld xmlns:a="http://schemas.openxmlformats.org/drawingml/2006/main" xmlns:r="http://schemas.openxmlformats.org/officeDocument/2006/relationships" xmlns:p="http://schemas.openxmlformats.org/presentationml/2006/main">
   <p:cSld>
@@ -29714,55 +28652,7 @@
           <a:p>
             <a:r>
               <a:rPr lang="en-US" dirty="0"/>
-              <a:t>How to find the cuts?</a:t>
-            </a:r>
-          </a:p>
-        </p:txBody>
-      </p:sp>
-      <p:sp>
-        <p:nvSpPr>
-          <p:cNvPr id="3" name="Content Placeholder 2"/>
-          <p:cNvSpPr>
-            <a:spLocks noGrp="1"/>
-          </p:cNvSpPr>
-          <p:nvPr>
-            <p:ph idx="1"/>
-          </p:nvPr>
-        </p:nvSpPr>
-        <p:spPr/>
-        <p:txBody>
-          <a:bodyPr/>
-          <a:lstStyle/>
-          <a:p>
-            <a:r>
-              <a:rPr lang="en-US" dirty="0"/>
-              <a:t>This procedure told us the profit, but not the cuts themselves</a:t>
-            </a:r>
-          </a:p>
-          <a:p>
-            <a:r>
-              <a:rPr lang="en-US" dirty="0"/>
-              <a:t>Idea: </a:t>
-            </a:r>
-            <a:r>
-              <a:rPr lang="en-US" dirty="0">
-                <a:solidFill>
-                  <a:srgbClr val="FF0000"/>
-                </a:solidFill>
-              </a:rPr>
-              <a:t>remember</a:t>
-            </a:r>
-            <a:r>
-              <a:rPr lang="en-US" dirty="0"/>
-              <a:t> the choice that you made, then </a:t>
-            </a:r>
-            <a:r>
-              <a:rPr lang="en-US" dirty="0">
-                <a:solidFill>
-                  <a:srgbClr val="FF0000"/>
-                </a:solidFill>
-              </a:rPr>
-              <a:t>backtrack</a:t>
+              <a:t>Remember the choice made</a:t>
             </a:r>
           </a:p>
         </p:txBody>
@@ -29785,81 +28675,6 @@
             <a:fld id="{86BADE50-950A-4D58-BFB2-FA2C6A8B385D}" type="slidenum">
               <a:rPr lang="en-US" smtClean="0"/>
               <a:t>33</a:t>
-            </a:fld>
-            <a:endParaRPr lang="en-US"/>
-          </a:p>
-        </p:txBody>
-      </p:sp>
-    </p:spTree>
-    <p:extLst>
-      <p:ext uri="{BB962C8B-B14F-4D97-AF65-F5344CB8AC3E}">
-        <p14:creationId xmlns:p14="http://schemas.microsoft.com/office/powerpoint/2010/main" val="527671739"/>
-      </p:ext>
-    </p:extLst>
-  </p:cSld>
-  <p:clrMapOvr>
-    <a:masterClrMapping/>
-  </p:clrMapOvr>
-</p:sld>
-</file>
-
-<file path=ppt/slides/slide34.xml><?xml version="1.0" encoding="utf-8"?>
-<p:sld xmlns:a="http://schemas.openxmlformats.org/drawingml/2006/main" xmlns:r="http://schemas.openxmlformats.org/officeDocument/2006/relationships" xmlns:p="http://schemas.openxmlformats.org/presentationml/2006/main">
-  <p:cSld>
-    <p:spTree>
-      <p:nvGrpSpPr>
-        <p:cNvPr id="1" name=""/>
-        <p:cNvGrpSpPr/>
-        <p:nvPr/>
-      </p:nvGrpSpPr>
-      <p:grpSpPr>
-        <a:xfrm>
-          <a:off x="0" y="0"/>
-          <a:ext cx="0" cy="0"/>
-          <a:chOff x="0" y="0"/>
-          <a:chExt cx="0" cy="0"/>
-        </a:xfrm>
-      </p:grpSpPr>
-      <p:sp>
-        <p:nvSpPr>
-          <p:cNvPr id="2" name="Title 1"/>
-          <p:cNvSpPr>
-            <a:spLocks noGrp="1"/>
-          </p:cNvSpPr>
-          <p:nvPr>
-            <p:ph type="title"/>
-          </p:nvPr>
-        </p:nvSpPr>
-        <p:spPr/>
-        <p:txBody>
-          <a:bodyPr/>
-          <a:lstStyle/>
-          <a:p>
-            <a:r>
-              <a:rPr lang="en-US" dirty="0"/>
-              <a:t>Remember the choice made</a:t>
-            </a:r>
-          </a:p>
-        </p:txBody>
-      </p:sp>
-      <p:sp>
-        <p:nvSpPr>
-          <p:cNvPr id="4" name="Slide Number Placeholder 3"/>
-          <p:cNvSpPr>
-            <a:spLocks noGrp="1"/>
-          </p:cNvSpPr>
-          <p:nvPr>
-            <p:ph type="sldNum" sz="quarter" idx="12"/>
-          </p:nvPr>
-        </p:nvSpPr>
-        <p:spPr/>
-        <p:txBody>
-          <a:bodyPr/>
-          <a:lstStyle/>
-          <a:p>
-            <a:fld id="{86BADE50-950A-4D58-BFB2-FA2C6A8B385D}" type="slidenum">
-              <a:rPr lang="en-US" smtClean="0"/>
-              <a:t>34</a:t>
             </a:fld>
             <a:endParaRPr lang="en-US"/>
           </a:p>
@@ -30147,7 +28962,7 @@
 </p:sld>
 </file>
 
-<file path=ppt/slides/slide35.xml><?xml version="1.0" encoding="utf-8"?>
+<file path=ppt/slides/slide34.xml><?xml version="1.0" encoding="utf-8"?>
 <p:sld xmlns:a="http://schemas.openxmlformats.org/drawingml/2006/main" xmlns:r="http://schemas.openxmlformats.org/officeDocument/2006/relationships" xmlns:p="http://schemas.openxmlformats.org/presentationml/2006/main">
   <p:cSld>
     <p:spTree>
@@ -30203,7 +29018,7 @@
           <a:p>
             <a:fld id="{86BADE50-950A-4D58-BFB2-FA2C6A8B385D}" type="slidenum">
               <a:rPr lang="en-US" smtClean="0"/>
-              <a:t>35</a:t>
+              <a:t>34</a:t>
             </a:fld>
             <a:endParaRPr lang="en-US"/>
           </a:p>
@@ -32564,7 +31379,7 @@
 </p:sld>
 </file>
 
-<file path=ppt/slides/slide36.xml><?xml version="1.0" encoding="utf-8"?>
+<file path=ppt/slides/slide35.xml><?xml version="1.0" encoding="utf-8"?>
 <p:sld xmlns:a="http://schemas.openxmlformats.org/drawingml/2006/main" xmlns:r="http://schemas.openxmlformats.org/officeDocument/2006/relationships" xmlns:p="http://schemas.openxmlformats.org/presentationml/2006/main">
   <p:cSld>
     <p:spTree>
@@ -32725,7 +31540,7 @@
           <a:p>
             <a:fld id="{86BADE50-950A-4D58-BFB2-FA2C6A8B385D}" type="slidenum">
               <a:rPr lang="en-US" smtClean="0"/>
-              <a:t>36</a:t>
+              <a:t>35</a:t>
             </a:fld>
             <a:endParaRPr lang="en-US"/>
           </a:p>
@@ -32744,7 +31559,7 @@
 </p:sld>
 </file>
 
-<file path=ppt/slides/slide37.xml><?xml version="1.0" encoding="utf-8"?>
+<file path=ppt/slides/slide36.xml><?xml version="1.0" encoding="utf-8"?>
 <p:sld xmlns:a="http://schemas.openxmlformats.org/drawingml/2006/main" xmlns:r="http://schemas.openxmlformats.org/officeDocument/2006/relationships" xmlns:p="http://schemas.openxmlformats.org/presentationml/2006/main">
   <p:cSld>
     <p:spTree>
@@ -33478,7 +32293,7 @@
           <a:p>
             <a:fld id="{86BADE50-950A-4D58-BFB2-FA2C6A8B385D}" type="slidenum">
               <a:rPr lang="en-US" smtClean="0"/>
-              <a:t>37</a:t>
+              <a:t>36</a:t>
             </a:fld>
             <a:endParaRPr lang="en-US"/>
           </a:p>
